--- a/2021/JLESC/Braid-DB.pptx
+++ b/2021/JLESC/Braid-DB.pptx
@@ -5,13 +5,19 @@
     <p:sldMasterId id="2147483683" r:id="rId1"/>
   </p:sldMasterIdLst>
   <p:notesMasterIdLst>
-    <p:notesMasterId r:id="rId6"/>
+    <p:notesMasterId r:id="rId12"/>
   </p:notesMasterIdLst>
   <p:sldIdLst>
-    <p:sldId id="354" r:id="rId2"/>
-    <p:sldId id="356" r:id="rId3"/>
-    <p:sldId id="357" r:id="rId4"/>
-    <p:sldId id="355" r:id="rId5"/>
+    <p:sldId id="258" r:id="rId2"/>
+    <p:sldId id="371" r:id="rId3"/>
+    <p:sldId id="354" r:id="rId4"/>
+    <p:sldId id="356" r:id="rId5"/>
+    <p:sldId id="372" r:id="rId6"/>
+    <p:sldId id="357" r:id="rId7"/>
+    <p:sldId id="355" r:id="rId8"/>
+    <p:sldId id="373" r:id="rId9"/>
+    <p:sldId id="368" r:id="rId10"/>
+    <p:sldId id="370" r:id="rId11"/>
   </p:sldIdLst>
   <p:sldSz cx="9144000" cy="6858000" type="screen4x3"/>
   <p:notesSz cx="6858000" cy="9144000"/>
@@ -242,7 +248,7 @@
           <a:p>
             <a:fld id="{8080A489-9093-C54A-B1C3-374F661A0010}" type="datetimeFigureOut">
               <a:rPr lang="en-US" smtClean="0"/>
-              <a:t>2020-12-01</a:t>
+              <a:t>2021-02-24</a:t>
             </a:fld>
             <a:endParaRPr lang="en-US"/>
           </a:p>
@@ -12624,12 +12630,49 @@
       </p:grpSpPr>
       <p:sp>
         <p:nvSpPr>
-          <p:cNvPr id="2" name="Title 1"/>
+          <p:cNvPr id="46" name="Title 45"/>
           <p:cNvSpPr>
             <a:spLocks noGrp="1"/>
           </p:cNvSpPr>
           <p:nvPr>
             <p:ph type="title"/>
+          </p:nvPr>
+        </p:nvSpPr>
+        <p:spPr>
+          <a:xfrm>
+            <a:off x="239282" y="1689100"/>
+            <a:ext cx="5078436" cy="2706624"/>
+          </a:xfrm>
+        </p:spPr>
+        <p:txBody>
+          <a:bodyPr>
+            <a:normAutofit/>
+          </a:bodyPr>
+          <a:lstStyle/>
+          <a:p>
+            <a:pPr>
+              <a:lnSpc>
+                <a:spcPct val="100000"/>
+              </a:lnSpc>
+            </a:pPr>
+            <a:r>
+              <a:rPr lang="en-US" sz="2400" dirty="0"/>
+              <a:t>Braid DB: A from-scratch provenance system for AI-driven science</a:t>
+            </a:r>
+            <a:endParaRPr lang="en-US" sz="2000" dirty="0">
+              <a:latin typeface="+mn-lt"/>
+            </a:endParaRPr>
+          </a:p>
+        </p:txBody>
+      </p:sp>
+      <p:sp>
+        <p:nvSpPr>
+          <p:cNvPr id="45" name="Text Placeholder 44"/>
+          <p:cNvSpPr>
+            <a:spLocks noGrp="1"/>
+          </p:cNvSpPr>
+          <p:nvPr>
+            <p:ph type="body" sz="quarter" idx="12"/>
           </p:nvPr>
         </p:nvSpPr>
         <p:spPr/>
@@ -12638,12 +12681,8 @@
           <a:lstStyle/>
           <a:p>
             <a:r>
-              <a:rPr lang="en-US" dirty="0">
-                <a:solidFill>
-                  <a:prstClr val="black"/>
-                </a:solidFill>
-              </a:rPr>
-              <a:t>Braid Provenance GOALS</a:t>
+              <a:rPr lang="en-US" dirty="0" err="1"/>
+              <a:t>drhgfdjhngngfmhgmghmghjmghfmf</a:t>
             </a:r>
             <a:endParaRPr lang="en-US" dirty="0"/>
           </a:p>
@@ -12651,34 +12690,147 @@
       </p:sp>
       <p:sp>
         <p:nvSpPr>
-          <p:cNvPr id="4" name="Text Placeholder 3"/>
+          <p:cNvPr id="48" name="Text Placeholder 47"/>
           <p:cNvSpPr>
             <a:spLocks noGrp="1"/>
           </p:cNvSpPr>
           <p:nvPr>
-            <p:ph type="body" sz="quarter" idx="12"/>
-          </p:nvPr>
-        </p:nvSpPr>
-        <p:spPr/>
+            <p:ph type="body" sz="quarter" idx="17"/>
+          </p:nvPr>
+        </p:nvSpPr>
+        <p:spPr>
+          <a:xfrm>
+            <a:off x="468732" y="4504129"/>
+            <a:ext cx="4586845" cy="1110951"/>
+          </a:xfrm>
+        </p:spPr>
+        <p:txBody>
+          <a:bodyPr anchor="t" anchorCtr="0">
+            <a:noAutofit/>
+          </a:bodyPr>
+          <a:lstStyle/>
+          <a:p>
+            <a:r>
+              <a:rPr lang="en-US" sz="1600" dirty="0"/>
+              <a:t>Justin m wozniak</a:t>
+            </a:r>
+            <a:br>
+              <a:rPr lang="en-US" dirty="0"/>
+            </a:br>
+            <a:r>
+              <a:rPr lang="en-US" dirty="0"/>
+              <a:t>and the BRAID TEAM</a:t>
+            </a:r>
+          </a:p>
+          <a:p>
+            <a:endParaRPr lang="en-US" dirty="0"/>
+          </a:p>
+          <a:p>
+            <a:r>
+              <a:rPr lang="en-US" dirty="0"/>
+              <a:t>Data science &amp; Learning</a:t>
+            </a:r>
+            <a:br>
+              <a:rPr lang="en-US" dirty="0"/>
+            </a:br>
+            <a:r>
+              <a:rPr lang="en-US" dirty="0"/>
+              <a:t>Argonne National Laboratory</a:t>
+            </a:r>
+          </a:p>
+          <a:p>
+            <a:endParaRPr lang="en-US" dirty="0"/>
+          </a:p>
+        </p:txBody>
+      </p:sp>
+      <p:sp>
+        <p:nvSpPr>
+          <p:cNvPr id="50" name="Text Placeholder 49"/>
+          <p:cNvSpPr>
+            <a:spLocks noGrp="1"/>
+          </p:cNvSpPr>
+          <p:nvPr>
+            <p:ph type="body" sz="quarter" idx="19"/>
+          </p:nvPr>
+        </p:nvSpPr>
+        <p:spPr>
+          <a:xfrm>
+            <a:off x="256256" y="6342589"/>
+            <a:ext cx="6604418" cy="515411"/>
+          </a:xfrm>
+        </p:spPr>
         <p:txBody>
           <a:bodyPr/>
           <a:lstStyle/>
           <a:p>
-            <a:r>
-              <a:rPr lang="en-US" dirty="0"/>
-              <a:t>Wozniak (lead), Foster, Nicolae, Liu</a:t>
-            </a:r>
-          </a:p>
-        </p:txBody>
-      </p:sp>
-      <p:sp>
-        <p:nvSpPr>
-          <p:cNvPr id="5" name="Slide Number Placeholder 4"/>
+            <a:pPr algn="just"/>
+            <a:r>
+              <a:rPr lang="en-US" dirty="0"/>
+              <a:t>12th JLESC Workshop</a:t>
+            </a:r>
+          </a:p>
+          <a:p>
+            <a:r>
+              <a:rPr lang="en-US" dirty="0"/>
+              <a:t>February 25, 2021</a:t>
+            </a:r>
+          </a:p>
+        </p:txBody>
+      </p:sp>
+      <p:sp>
+        <p:nvSpPr>
+          <p:cNvPr id="55" name="Text Placeholder 54"/>
           <p:cNvSpPr>
             <a:spLocks noGrp="1"/>
           </p:cNvSpPr>
           <p:nvPr>
-            <p:ph type="sldNum" sz="quarter" idx="13"/>
+            <p:ph type="body" sz="quarter" idx="27"/>
+          </p:nvPr>
+        </p:nvSpPr>
+        <p:spPr>
+          <a:xfrm>
+            <a:off x="431799" y="730250"/>
+            <a:ext cx="8513234" cy="393700"/>
+          </a:xfrm>
+        </p:spPr>
+        <p:txBody>
+          <a:bodyPr>
+            <a:normAutofit/>
+          </a:bodyPr>
+          <a:lstStyle/>
+          <a:p>
+            <a:r>
+              <a:rPr lang="en-US" dirty="0"/>
+              <a:t>TRACKABLE PREDICTIONS in machine-controlled experiments</a:t>
+            </a:r>
+          </a:p>
+        </p:txBody>
+      </p:sp>
+      <p:sp>
+        <p:nvSpPr>
+          <p:cNvPr id="2" name="Picture Placeholder 1"/>
+          <p:cNvSpPr>
+            <a:spLocks noGrp="1"/>
+          </p:cNvSpPr>
+          <p:nvPr>
+            <p:ph type="pic" sz="quarter" idx="16"/>
+          </p:nvPr>
+        </p:nvSpPr>
+        <p:spPr>
+          <a:xfrm>
+            <a:off x="5347855" y="1689100"/>
+            <a:ext cx="3796145" cy="2706624"/>
+          </a:xfrm>
+        </p:spPr>
+      </p:sp>
+      <p:sp>
+        <p:nvSpPr>
+          <p:cNvPr id="4" name="Text Placeholder 3"/>
+          <p:cNvSpPr>
+            <a:spLocks noGrp="1"/>
+          </p:cNvSpPr>
+          <p:nvPr>
+            <p:ph type="body" sz="quarter" idx="18"/>
           </p:nvPr>
         </p:nvSpPr>
         <p:spPr/>
@@ -12686,156 +12838,312 @@
           <a:bodyPr/>
           <a:lstStyle/>
           <a:p>
-            <a:fld id="{AEFAAC5A-9C4F-4278-920D-DF2BAB595749}" type="slidenum">
-              <a:rPr lang="en-US" smtClean="0"/>
-              <a:pPr/>
-              <a:t>1</a:t>
-            </a:fld>
             <a:endParaRPr lang="en-US" dirty="0"/>
           </a:p>
         </p:txBody>
       </p:sp>
       <p:sp>
         <p:nvSpPr>
-          <p:cNvPr id="7" name="Content Placeholder 6"/>
+          <p:cNvPr id="6" name="Text Placeholder 5"/>
           <p:cNvSpPr>
             <a:spLocks noGrp="1"/>
           </p:cNvSpPr>
           <p:nvPr>
-            <p:ph idx="1"/>
-          </p:nvPr>
-        </p:nvSpPr>
-        <p:spPr>
-          <a:xfrm>
-            <a:off x="457201" y="1699995"/>
-            <a:ext cx="8590546" cy="2111609"/>
+            <p:ph type="body" sz="quarter" idx="18"/>
+          </p:nvPr>
+        </p:nvSpPr>
+        <p:spPr>
+          <a:xfrm>
+            <a:off x="3042452" y="5605277"/>
+            <a:ext cx="2692871" cy="914400"/>
           </a:xfrm>
         </p:spPr>
         <p:txBody>
           <a:bodyPr/>
           <a:lstStyle/>
           <a:p>
-            <a:pPr>
-              <a:lnSpc>
-                <a:spcPct val="90000"/>
-              </a:lnSpc>
-            </a:pPr>
-            <a:r>
-              <a:rPr lang="en-US" dirty="0">
-                <a:solidFill>
-                  <a:prstClr val="black"/>
-                </a:solidFill>
-              </a:rPr>
-              <a:t>Embrace automation in data analysis, retention, decision-making</a:t>
-            </a:r>
-          </a:p>
-          <a:p>
-            <a:pPr>
-              <a:lnSpc>
-                <a:spcPct val="90000"/>
-              </a:lnSpc>
-            </a:pPr>
-            <a:r>
-              <a:rPr lang="en-US" dirty="0">
-                <a:solidFill>
-                  <a:prstClr val="black"/>
-                </a:solidFill>
-              </a:rPr>
-              <a:t>Enable users to trace back to how decisions were made</a:t>
-            </a:r>
-          </a:p>
-          <a:p>
-            <a:pPr>
-              <a:lnSpc>
-                <a:spcPct val="90000"/>
-              </a:lnSpc>
-            </a:pPr>
-            <a:r>
-              <a:rPr lang="en-US" dirty="0">
-                <a:solidFill>
-                  <a:prstClr val="black"/>
-                </a:solidFill>
-              </a:rPr>
-              <a:t>Necessitates recording what went into model training, including external data, simulations, and structures of other learning and analysis activity</a:t>
-            </a:r>
-          </a:p>
-          <a:p>
-            <a:pPr>
-              <a:lnSpc>
-                <a:spcPct val="90000"/>
-              </a:lnSpc>
-            </a:pPr>
-            <a:r>
-              <a:rPr lang="en-US" dirty="0">
-                <a:solidFill>
-                  <a:prstClr val="black"/>
-                </a:solidFill>
-              </a:rPr>
-              <a:t>Envision a versioned database for ML model states with HPC interfaces</a:t>
-            </a:r>
-          </a:p>
-          <a:p>
-            <a:pPr>
-              <a:lnSpc>
-                <a:spcPct val="90000"/>
-              </a:lnSpc>
-            </a:pPr>
-            <a:r>
-              <a:rPr lang="en-US" dirty="0">
-                <a:solidFill>
-                  <a:prstClr val="black"/>
-                </a:solidFill>
-              </a:rPr>
-              <a:t>Integrate with other Braid components</a:t>
-            </a:r>
+            <a:endParaRPr lang="en-US" dirty="0"/>
+          </a:p>
+        </p:txBody>
+      </p:sp>
+      <p:sp>
+        <p:nvSpPr>
+          <p:cNvPr id="10" name="Text Placeholder 9"/>
+          <p:cNvSpPr>
+            <a:spLocks noGrp="1"/>
+          </p:cNvSpPr>
+          <p:nvPr>
+            <p:ph type="body" sz="quarter" idx="18"/>
+          </p:nvPr>
+        </p:nvSpPr>
+        <p:spPr>
+          <a:xfrm>
+            <a:off x="469900" y="5303520"/>
+            <a:ext cx="2692871" cy="571264"/>
+          </a:xfrm>
+        </p:spPr>
+        <p:txBody>
+          <a:bodyPr/>
+          <a:lstStyle/>
+          <a:p>
+            <a:endParaRPr lang="en-US" dirty="0"/>
           </a:p>
         </p:txBody>
       </p:sp>
       <p:pic>
         <p:nvPicPr>
-          <p:cNvPr id="1026" name="Picture 2" descr="C:\cygwin\home\wozniak\mcs\slides\2020\Braid\Provenance.png"/>
+          <p:cNvPr id="13" name="Picture 12" descr="A picture containing logo&#10;&#10;Description automatically generated">
+            <a:extLst>
+              <a:ext uri="{FF2B5EF4-FFF2-40B4-BE49-F238E27FC236}">
+                <a16:creationId xmlns:a16="http://schemas.microsoft.com/office/drawing/2014/main" id="{2201F009-83BB-424D-BAA7-B5F6AF391085}"/>
+              </a:ext>
+            </a:extLst>
+          </p:cNvPr>
           <p:cNvPicPr>
-            <a:picLocks noChangeAspect="1" noChangeArrowheads="1"/>
+            <a:picLocks noChangeAspect="1"/>
           </p:cNvPicPr>
           <p:nvPr/>
         </p:nvPicPr>
         <p:blipFill>
-          <a:blip r:embed="rId2">
-            <a:extLst>
-              <a:ext uri="{28A0092B-C50C-407E-A947-70E740481C1C}">
-                <a14:useLocalDpi xmlns:a14="http://schemas.microsoft.com/office/drawing/2010/main" val="0"/>
-              </a:ext>
-            </a:extLst>
-          </a:blip>
-          <a:srcRect/>
+          <a:blip r:embed="rId2"/>
           <a:stretch>
             <a:fillRect/>
           </a:stretch>
         </p:blipFill>
-        <p:spPr bwMode="auto">
-          <a:xfrm>
-            <a:off x="2050181" y="4019130"/>
-            <a:ext cx="5601903" cy="2684866"/>
+        <p:spPr>
+          <a:xfrm>
+            <a:off x="6229407" y="1890895"/>
+            <a:ext cx="2283825" cy="2283825"/>
           </a:xfrm>
           <a:prstGeom prst="rect">
             <a:avLst/>
           </a:prstGeom>
-          <a:noFill/>
-          <a:extLst>
-            <a:ext uri="{909E8E84-426E-40DD-AFC4-6F175D3DCCD1}">
-              <a14:hiddenFill xmlns:a14="http://schemas.microsoft.com/office/drawing/2010/main">
-                <a:solidFill>
-                  <a:srgbClr val="FFFFFF"/>
-                </a:solidFill>
-              </a14:hiddenFill>
-            </a:ext>
-          </a:extLst>
         </p:spPr>
       </p:pic>
     </p:spTree>
     <p:extLst>
       <p:ext uri="{BB962C8B-B14F-4D97-AF65-F5344CB8AC3E}">
-        <p14:creationId xmlns:p14="http://schemas.microsoft.com/office/powerpoint/2010/main" val="1691531177"/>
+        <p14:creationId xmlns:p14="http://schemas.microsoft.com/office/powerpoint/2010/main" val="122816930"/>
+      </p:ext>
+    </p:extLst>
+  </p:cSld>
+  <p:clrMapOvr>
+    <a:masterClrMapping/>
+  </p:clrMapOvr>
+  <mc:AlternateContent xmlns:mc="http://schemas.openxmlformats.org/markup-compatibility/2006" xmlns:p14="http://schemas.microsoft.com/office/powerpoint/2010/main">
+    <mc:Choice Requires="p14">
+      <p:transition p14:dur="250">
+        <p:fade/>
+      </p:transition>
+    </mc:Choice>
+    <mc:Fallback xmlns="">
+      <p:transition>
+        <p:fade/>
+      </p:transition>
+    </mc:Fallback>
+  </mc:AlternateContent>
+</p:sld>
+</file>
+
+<file path=ppt/slides/slide10.xml><?xml version="1.0" encoding="utf-8"?>
+<p:sld xmlns:a="http://schemas.openxmlformats.org/drawingml/2006/main" xmlns:r="http://schemas.openxmlformats.org/officeDocument/2006/relationships" xmlns:p="http://schemas.openxmlformats.org/presentationml/2006/main">
+  <p:cSld>
+    <p:spTree>
+      <p:nvGrpSpPr>
+        <p:cNvPr id="1" name=""/>
+        <p:cNvGrpSpPr/>
+        <p:nvPr/>
+      </p:nvGrpSpPr>
+      <p:grpSpPr>
+        <a:xfrm>
+          <a:off x="0" y="0"/>
+          <a:ext cx="0" cy="0"/>
+          <a:chOff x="0" y="0"/>
+          <a:chExt cx="0" cy="0"/>
+        </a:xfrm>
+      </p:grpSpPr>
+      <p:sp>
+        <p:nvSpPr>
+          <p:cNvPr id="2" name="Title 1">
+            <a:extLst>
+              <a:ext uri="{FF2B5EF4-FFF2-40B4-BE49-F238E27FC236}">
+                <a16:creationId xmlns:a16="http://schemas.microsoft.com/office/drawing/2014/main" id="{CFCD53D0-DA1C-4ACE-AE25-09F72EA19A35}"/>
+              </a:ext>
+            </a:extLst>
+          </p:cNvPr>
+          <p:cNvSpPr>
+            <a:spLocks noGrp="1"/>
+          </p:cNvSpPr>
+          <p:nvPr>
+            <p:ph type="title"/>
+          </p:nvPr>
+        </p:nvSpPr>
+        <p:spPr/>
+        <p:txBody>
+          <a:bodyPr/>
+          <a:lstStyle/>
+          <a:p>
+            <a:r>
+              <a:rPr lang="en-US" dirty="0" err="1"/>
+              <a:t>QuestionS</a:t>
+            </a:r>
+            <a:r>
+              <a:rPr lang="en-US" dirty="0"/>
+              <a:t>?</a:t>
+            </a:r>
+          </a:p>
+        </p:txBody>
+      </p:sp>
+      <p:sp>
+        <p:nvSpPr>
+          <p:cNvPr id="3" name="Content Placeholder 2">
+            <a:extLst>
+              <a:ext uri="{FF2B5EF4-FFF2-40B4-BE49-F238E27FC236}">
+                <a16:creationId xmlns:a16="http://schemas.microsoft.com/office/drawing/2014/main" id="{7652C228-886F-4306-80BC-CE15DBE59185}"/>
+              </a:ext>
+            </a:extLst>
+          </p:cNvPr>
+          <p:cNvSpPr>
+            <a:spLocks noGrp="1"/>
+          </p:cNvSpPr>
+          <p:nvPr>
+            <p:ph idx="1"/>
+          </p:nvPr>
+        </p:nvSpPr>
+        <p:spPr/>
+        <p:txBody>
+          <a:bodyPr/>
+          <a:lstStyle/>
+          <a:p>
+            <a:r>
+              <a:rPr lang="en-US" dirty="0"/>
+              <a:t>Thanks to the organizers</a:t>
+            </a:r>
+          </a:p>
+          <a:p>
+            <a:endParaRPr lang="en-US" dirty="0"/>
+          </a:p>
+          <a:p>
+            <a:r>
+              <a:rPr lang="en-US" dirty="0"/>
+              <a:t>Braid-DB software and tests available at:</a:t>
+            </a:r>
+            <a:br>
+              <a:rPr lang="en-US" dirty="0"/>
+            </a:br>
+            <a:r>
+              <a:rPr lang="en-US" dirty="0"/>
+              <a:t>https://github.com/ANL-Braid/DB</a:t>
+            </a:r>
+          </a:p>
+          <a:p>
+            <a:endParaRPr lang="en-US" dirty="0"/>
+          </a:p>
+          <a:p>
+            <a:r>
+              <a:rPr lang="en-US" dirty="0"/>
+              <a:t>Collaboration ideas:</a:t>
+            </a:r>
+          </a:p>
+          <a:p>
+            <a:pPr lvl="1"/>
+            <a:r>
+              <a:rPr lang="en-US" dirty="0"/>
+              <a:t>Integration with workflow systems (currently totally independent)</a:t>
+            </a:r>
+          </a:p>
+          <a:p>
+            <a:pPr lvl="1"/>
+            <a:r>
+              <a:rPr lang="en-US" dirty="0"/>
+              <a:t>Other experimental science applications</a:t>
+            </a:r>
+          </a:p>
+          <a:p>
+            <a:pPr lvl="1"/>
+            <a:r>
+              <a:rPr lang="en-US" dirty="0"/>
+              <a:t>Other underlying versioned databases</a:t>
+            </a:r>
+          </a:p>
+          <a:p>
+            <a:pPr lvl="1"/>
+            <a:endParaRPr lang="en-US" dirty="0"/>
+          </a:p>
+          <a:p>
+            <a:pPr lvl="1"/>
+            <a:endParaRPr lang="en-US" dirty="0"/>
+          </a:p>
+          <a:p>
+            <a:endParaRPr lang="en-US" dirty="0"/>
+          </a:p>
+          <a:p>
+            <a:endParaRPr lang="en-US" dirty="0"/>
+          </a:p>
+          <a:p>
+            <a:endParaRPr lang="en-US" dirty="0"/>
+          </a:p>
+        </p:txBody>
+      </p:sp>
+      <p:sp>
+        <p:nvSpPr>
+          <p:cNvPr id="4" name="Text Placeholder 3">
+            <a:extLst>
+              <a:ext uri="{FF2B5EF4-FFF2-40B4-BE49-F238E27FC236}">
+                <a16:creationId xmlns:a16="http://schemas.microsoft.com/office/drawing/2014/main" id="{E1F08323-0187-454B-A29A-38F6083A339A}"/>
+              </a:ext>
+            </a:extLst>
+          </p:cNvPr>
+          <p:cNvSpPr>
+            <a:spLocks noGrp="1"/>
+          </p:cNvSpPr>
+          <p:nvPr>
+            <p:ph type="body" sz="quarter" idx="12"/>
+          </p:nvPr>
+        </p:nvSpPr>
+        <p:spPr/>
+        <p:txBody>
+          <a:bodyPr/>
+          <a:lstStyle/>
+          <a:p>
+            <a:endParaRPr lang="en-US" dirty="0"/>
+          </a:p>
+        </p:txBody>
+      </p:sp>
+      <p:sp>
+        <p:nvSpPr>
+          <p:cNvPr id="5" name="Slide Number Placeholder 4">
+            <a:extLst>
+              <a:ext uri="{FF2B5EF4-FFF2-40B4-BE49-F238E27FC236}">
+                <a16:creationId xmlns:a16="http://schemas.microsoft.com/office/drawing/2014/main" id="{10E3FF9F-7992-4009-BDC2-788EEA647BDC}"/>
+              </a:ext>
+            </a:extLst>
+          </p:cNvPr>
+          <p:cNvSpPr>
+            <a:spLocks noGrp="1"/>
+          </p:cNvSpPr>
+          <p:nvPr>
+            <p:ph type="sldNum" sz="quarter" idx="13"/>
+          </p:nvPr>
+        </p:nvSpPr>
+        <p:spPr/>
+        <p:txBody>
+          <a:bodyPr/>
+          <a:lstStyle/>
+          <a:p>
+            <a:fld id="{AEFAAC5A-9C4F-4278-920D-DF2BAB595749}" type="slidenum">
+              <a:rPr lang="en-US" smtClean="0"/>
+              <a:pPr/>
+              <a:t>10</a:t>
+            </a:fld>
+            <a:endParaRPr lang="en-US" dirty="0"/>
+          </a:p>
+        </p:txBody>
+      </p:sp>
+    </p:spTree>
+    <p:extLst>
+      <p:ext uri="{BB962C8B-B14F-4D97-AF65-F5344CB8AC3E}">
+        <p14:creationId xmlns:p14="http://schemas.microsoft.com/office/powerpoint/2010/main" val="2730458600"/>
       </p:ext>
     </p:extLst>
   </p:cSld>
@@ -12879,7 +13187,7 @@
           <p:cNvPr id="2" name="Title 1">
             <a:extLst>
               <a:ext uri="{FF2B5EF4-FFF2-40B4-BE49-F238E27FC236}">
-                <a16:creationId xmlns:a16="http://schemas.microsoft.com/office/drawing/2014/main" id="{9DEEE36A-DB32-42F8-92C4-CBC77DB41106}"/>
+                <a16:creationId xmlns:a16="http://schemas.microsoft.com/office/drawing/2014/main" id="{DA4A8480-CF62-441D-BC98-6E99315BE802}"/>
               </a:ext>
             </a:extLst>
           </p:cNvPr>
@@ -12897,7 +13205,7 @@
           <a:p>
             <a:r>
               <a:rPr lang="en-US" dirty="0"/>
-              <a:t>Braid provenance features</a:t>
+              <a:t>Braid project overview</a:t>
             </a:r>
           </a:p>
         </p:txBody>
@@ -12907,7 +13215,7 @@
           <p:cNvPr id="3" name="Content Placeholder 2">
             <a:extLst>
               <a:ext uri="{FF2B5EF4-FFF2-40B4-BE49-F238E27FC236}">
-                <a16:creationId xmlns:a16="http://schemas.microsoft.com/office/drawing/2014/main" id="{C7F404FF-6338-4E35-9F6B-AFEAD31BB6B7}"/>
+                <a16:creationId xmlns:a16="http://schemas.microsoft.com/office/drawing/2014/main" id="{DBBDD66F-53B0-4DD6-9118-11E9F09E6433}"/>
               </a:ext>
             </a:extLst>
           </p:cNvPr>
@@ -12920,8 +13228,8 @@
         </p:nvSpPr>
         <p:spPr>
           <a:xfrm>
-            <a:off x="457200" y="1699995"/>
-            <a:ext cx="8372901" cy="4773714"/>
+            <a:off x="457201" y="1668462"/>
+            <a:ext cx="6166833" cy="5089525"/>
           </a:xfrm>
         </p:spPr>
         <p:txBody>
@@ -12930,122 +13238,102 @@
           <a:p>
             <a:r>
               <a:rPr lang="en-US" dirty="0"/>
-              <a:t>Embrace automation in how and when to analyze and retain data, and when to alter experimental configuration</a:t>
-            </a:r>
-          </a:p>
-          <a:p>
-            <a:r>
-              <a:rPr lang="en-US" dirty="0"/>
-              <a:t>Automate also the record-keeping so that humans and/or machines can recover how a particular result was obtained</a:t>
-            </a:r>
-          </a:p>
-          <a:p>
-            <a:r>
-              <a:rPr lang="fr-FR" dirty="0" err="1"/>
-              <a:t>When</a:t>
-            </a:r>
-            <a:r>
-              <a:rPr lang="fr-FR" dirty="0"/>
+              <a:t>Next-generation scientific instruments collect data at unprecedented rates: multi-GB/s and 100+ TB/day</a:t>
+            </a:r>
+          </a:p>
+          <a:p>
+            <a:r>
+              <a:rPr lang="en-US" dirty="0"/>
+              <a:t>Need automation via machine learning methods to enable online steering, but learning from online streams needs advanced data management techniques</a:t>
+            </a:r>
+          </a:p>
+          <a:p>
+            <a:r>
+              <a:rPr lang="en-US" dirty="0"/>
+              <a:t>Need to develop new methods to enable policy-driven automation of the flows used to collect, analyze, organize, and learn from data</a:t>
+            </a:r>
+          </a:p>
+          <a:p>
+            <a:pPr lvl="1"/>
+            <a:r>
+              <a:rPr lang="en-US" dirty="0"/>
+              <a:t>Orchestrate data flows using modular and </a:t>
+            </a:r>
+            <a:r>
+              <a:rPr lang="en-US" dirty="0" err="1"/>
+              <a:t>repurposable</a:t>
+            </a:r>
+            <a:r>
+              <a:rPr lang="en-US" dirty="0"/>
+              <a:t> actions; integrate with HPC resources</a:t>
+            </a:r>
+          </a:p>
+          <a:p>
+            <a:pPr lvl="1"/>
+            <a:r>
+              <a:rPr lang="en-US" dirty="0"/>
+              <a:t>Enforce data policies, i.e., data capture quality and performance</a:t>
+            </a:r>
+          </a:p>
+          <a:p>
+            <a:pPr lvl="1"/>
+            <a:r>
+              <a:rPr lang="en-US" dirty="0"/>
+              <a:t>Make automatic decisions interpretable, to understand progress and policy adherence </a:t>
+            </a:r>
+            <a:r>
+              <a:rPr lang="en-US" b="1" dirty="0"/>
+              <a:t>(this talk)</a:t>
+            </a:r>
+            <a:endParaRPr lang="en-US" dirty="0"/>
+          </a:p>
+          <a:p>
+            <a:r>
+              <a:rPr lang="en-US" b="1" dirty="0"/>
+              <a:t>Team: </a:t>
+            </a:r>
+            <a:r>
+              <a:rPr lang="en-US" dirty="0"/>
+              <a:t>Ian Foster (PI), </a:t>
+            </a:r>
+            <a:r>
+              <a:rPr lang="en-US" dirty="0" err="1"/>
+              <a:t>Tekin</a:t>
+            </a:r>
+            <a:r>
+              <a:rPr lang="en-US" dirty="0"/>
               <a:t> </a:t>
             </a:r>
             <a:r>
-              <a:rPr lang="fr-FR" dirty="0" err="1"/>
-              <a:t>failures</a:t>
-            </a:r>
-            <a:r>
-              <a:rPr lang="fr-FR" dirty="0"/>
-              <a:t> </a:t>
-            </a:r>
-            <a:r>
-              <a:rPr lang="fr-FR" dirty="0" err="1"/>
-              <a:t>occur</a:t>
-            </a:r>
-            <a:r>
-              <a:rPr lang="fr-FR" dirty="0"/>
-              <a:t>, diagnose causes, enable </a:t>
-            </a:r>
-            <a:r>
-              <a:rPr lang="fr-FR" dirty="0" err="1"/>
-              <a:t>rapid</a:t>
-            </a:r>
-            <a:r>
-              <a:rPr lang="fr-FR" dirty="0"/>
-              <a:t> restart</a:t>
-            </a:r>
-          </a:p>
-          <a:p>
-            <a:r>
-              <a:rPr lang="en-US" dirty="0"/>
-              <a:t>Develop recursive and versioned provenance structures:</a:t>
-            </a:r>
-          </a:p>
-          <a:p>
-            <a:pPr lvl="1"/>
-            <a:r>
-              <a:rPr lang="en-US" dirty="0"/>
-              <a:t>Models may be constructed via other models (estimates, surrogates)</a:t>
-            </a:r>
-          </a:p>
-          <a:p>
-            <a:pPr lvl="1"/>
-            <a:r>
-              <a:rPr lang="en-US" dirty="0"/>
-              <a:t>Models are constantly updated (track past decisions and allow updates)</a:t>
-            </a:r>
-          </a:p>
-          <a:p>
-            <a:r>
-              <a:rPr lang="en-US" dirty="0"/>
-              <a:t>Enable runs at scale: CANDLE reference example:</a:t>
-            </a:r>
-          </a:p>
-          <a:p>
-            <a:pPr lvl="1"/>
-            <a:r>
-              <a:rPr lang="en-US" dirty="0"/>
-              <a:t>One training epoch is completed per node every five minutes. </a:t>
-            </a:r>
-          </a:p>
-          <a:p>
-            <a:pPr lvl="1"/>
-            <a:r>
-              <a:rPr lang="en-US" dirty="0"/>
-              <a:t>On an </a:t>
-            </a:r>
-            <a:r>
               <a:rPr lang="en-US" dirty="0" err="1"/>
-              <a:t>exascale</a:t>
-            </a:r>
-            <a:r>
-              <a:rPr lang="en-US" dirty="0"/>
-              <a:t> system of 10K nodes, that is 33 records/second</a:t>
-            </a:r>
-          </a:p>
-          <a:p>
-            <a:pPr lvl="1"/>
-            <a:r>
-              <a:rPr lang="en-US" dirty="0"/>
-              <a:t>Ensure capacity for a week’s worth of experimental data collection</a:t>
-            </a:r>
-          </a:p>
-          <a:p>
-            <a:r>
-              <a:rPr lang="en-US" dirty="0"/>
-              <a:t>Be comprehensive: capture data transformations through to publication</a:t>
-            </a:r>
-          </a:p>
-          <a:p>
-            <a:r>
-              <a:rPr lang="en-US" dirty="0"/>
-              <a:t>Build toward defensible automated </a:t>
-            </a:r>
-            <a:r>
-              <a:rPr lang="en-US" i="1" dirty="0"/>
-              <a:t>statements</a:t>
-            </a:r>
-            <a:r>
-              <a:rPr lang="en-US" dirty="0"/>
-              <a:t>: tools for AI science</a:t>
+              <a:t>Bicer</a:t>
+            </a:r>
+            <a:r>
+              <a:rPr lang="en-US" dirty="0"/>
+              <a:t>, Ben Blaiszik, </a:t>
+            </a:r>
+            <a:br>
+              <a:rPr lang="en-US" dirty="0"/>
+            </a:br>
+            <a:r>
+              <a:rPr lang="en-US" dirty="0"/>
+              <a:t>Kyle Chard, Ryan Chard, Raj </a:t>
+            </a:r>
+            <a:r>
+              <a:rPr lang="en-US" dirty="0" err="1"/>
+              <a:t>Kettimuthu</a:t>
+            </a:r>
+            <a:r>
+              <a:rPr lang="en-US" dirty="0"/>
+              <a:t>, </a:t>
+            </a:r>
+            <a:r>
+              <a:rPr lang="en-US" dirty="0" err="1"/>
+              <a:t>Zhengchun</a:t>
+            </a:r>
+            <a:r>
+              <a:rPr lang="en-US" dirty="0"/>
+              <a:t> Liu, Bogdan Nicolae, Min Si, Justin Wozniak</a:t>
             </a:r>
           </a:p>
         </p:txBody>
@@ -13055,7 +13343,7 @@
           <p:cNvPr id="4" name="Text Placeholder 3">
             <a:extLst>
               <a:ext uri="{FF2B5EF4-FFF2-40B4-BE49-F238E27FC236}">
-                <a16:creationId xmlns:a16="http://schemas.microsoft.com/office/drawing/2014/main" id="{39C9F269-869E-4FC6-8D55-7710FC2FCC05}"/>
+                <a16:creationId xmlns:a16="http://schemas.microsoft.com/office/drawing/2014/main" id="{A525D294-0B41-414F-9DCD-61CCCC5BCC88}"/>
               </a:ext>
             </a:extLst>
           </p:cNvPr>
@@ -13073,7 +13361,7 @@
           <a:p>
             <a:r>
               <a:rPr lang="en-US" dirty="0"/>
-              <a:t>Accelerate interpretable ML-driven science</a:t>
+              <a:t>Toward AI-enhanced, self-documenting experimental science</a:t>
             </a:r>
           </a:p>
         </p:txBody>
@@ -13083,7 +13371,7 @@
           <p:cNvPr id="5" name="Slide Number Placeholder 4">
             <a:extLst>
               <a:ext uri="{FF2B5EF4-FFF2-40B4-BE49-F238E27FC236}">
-                <a16:creationId xmlns:a16="http://schemas.microsoft.com/office/drawing/2014/main" id="{7657A2CA-4E7A-43B1-A899-D925FD4FB2E0}"/>
+                <a16:creationId xmlns:a16="http://schemas.microsoft.com/office/drawing/2014/main" id="{5D60B8CD-C5E3-4A74-AAD6-D9F839DE98B8}"/>
               </a:ext>
             </a:extLst>
           </p:cNvPr>
@@ -13108,10 +13396,349 @@
           </a:p>
         </p:txBody>
       </p:sp>
+      <p:pic>
+        <p:nvPicPr>
+          <p:cNvPr id="6" name="Picture 5">
+            <a:extLst>
+              <a:ext uri="{FF2B5EF4-FFF2-40B4-BE49-F238E27FC236}">
+                <a16:creationId xmlns:a16="http://schemas.microsoft.com/office/drawing/2014/main" id="{12819FD5-1C45-4F65-A9EB-A9539D560FEC}"/>
+              </a:ext>
+            </a:extLst>
+          </p:cNvPr>
+          <p:cNvPicPr>
+            <a:picLocks noChangeAspect="1"/>
+          </p:cNvPicPr>
+          <p:nvPr/>
+        </p:nvPicPr>
+        <p:blipFill>
+          <a:blip r:embed="rId2"/>
+          <a:stretch>
+            <a:fillRect/>
+          </a:stretch>
+        </p:blipFill>
+        <p:spPr>
+          <a:xfrm>
+            <a:off x="6966533" y="1685873"/>
+            <a:ext cx="1710434" cy="1710434"/>
+          </a:xfrm>
+          <a:prstGeom prst="rect">
+            <a:avLst/>
+          </a:prstGeom>
+        </p:spPr>
+      </p:pic>
+      <p:sp>
+        <p:nvSpPr>
+          <p:cNvPr id="10" name="Can 111">
+            <a:extLst>
+              <a:ext uri="{FF2B5EF4-FFF2-40B4-BE49-F238E27FC236}">
+                <a16:creationId xmlns:a16="http://schemas.microsoft.com/office/drawing/2014/main" id="{2103A573-2BBD-45A7-BE17-90B741905EC6}"/>
+              </a:ext>
+            </a:extLst>
+          </p:cNvPr>
+          <p:cNvSpPr/>
+          <p:nvPr/>
+        </p:nvSpPr>
+        <p:spPr>
+          <a:xfrm>
+            <a:off x="7244402" y="5306476"/>
+            <a:ext cx="1174360" cy="1004465"/>
+          </a:xfrm>
+          <a:prstGeom prst="can">
+            <a:avLst/>
+          </a:prstGeom>
+          <a:solidFill>
+            <a:srgbClr val="4472C4"/>
+          </a:solidFill>
+          <a:ln w="12700" cap="flat" cmpd="sng" algn="ctr">
+            <a:solidFill>
+              <a:srgbClr val="4472C4">
+                <a:shade val="50000"/>
+              </a:srgbClr>
+            </a:solidFill>
+            <a:prstDash val="solid"/>
+            <a:miter lim="800000"/>
+          </a:ln>
+          <a:effectLst>
+            <a:outerShdw blurRad="50800" dist="38100" dir="2700000" algn="tl" rotWithShape="0">
+              <a:prstClr val="black">
+                <a:alpha val="40000"/>
+              </a:prstClr>
+            </a:outerShdw>
+          </a:effectLst>
+        </p:spPr>
+        <p:txBody>
+          <a:bodyPr rtlCol="0" anchor="ctr"/>
+          <a:lstStyle/>
+          <a:p>
+            <a:pPr marL="0" marR="0" lvl="0" indent="0" algn="ctr" defTabSz="914400" eaLnBrk="1" fontAlgn="auto" latinLnBrk="0" hangingPunct="1">
+              <a:lnSpc>
+                <a:spcPct val="100000"/>
+              </a:lnSpc>
+              <a:spcBef>
+                <a:spcPts val="0"/>
+              </a:spcBef>
+              <a:spcAft>
+                <a:spcPts val="0"/>
+              </a:spcAft>
+              <a:buClrTx/>
+              <a:buSzTx/>
+              <a:buFontTx/>
+              <a:buNone/>
+              <a:tabLst/>
+              <a:defRPr/>
+            </a:pPr>
+            <a:r>
+              <a:rPr kumimoji="0" lang="en-US" sz="2000" b="1" i="0" u="none" strike="noStrike" kern="0" cap="none" spc="0" normalizeH="0" baseline="0" noProof="0" dirty="0">
+                <a:ln>
+                  <a:noFill/>
+                </a:ln>
+                <a:solidFill>
+                  <a:prstClr val="white"/>
+                </a:solidFill>
+                <a:effectLst/>
+                <a:uLnTx/>
+                <a:uFillTx/>
+                <a:latin typeface="Calibri" panose="020F0502020204030204"/>
+                <a:ea typeface="+mn-ea"/>
+                <a:cs typeface="+mn-cs"/>
+              </a:rPr>
+              <a:t>FAIR</a:t>
+            </a:r>
+            <a:br>
+              <a:rPr kumimoji="0" lang="en-US" sz="2000" b="1" i="0" u="none" strike="noStrike" kern="0" cap="none" spc="0" normalizeH="0" baseline="0" noProof="0" dirty="0">
+                <a:ln>
+                  <a:noFill/>
+                </a:ln>
+                <a:solidFill>
+                  <a:prstClr val="white"/>
+                </a:solidFill>
+                <a:effectLst/>
+                <a:uLnTx/>
+                <a:uFillTx/>
+                <a:latin typeface="Calibri" panose="020F0502020204030204"/>
+                <a:ea typeface="+mn-ea"/>
+                <a:cs typeface="+mn-cs"/>
+              </a:rPr>
+            </a:br>
+            <a:r>
+              <a:rPr kumimoji="0" lang="en-US" sz="2000" b="1" i="0" u="none" strike="noStrike" kern="0" cap="none" spc="0" normalizeH="0" baseline="0" noProof="0" dirty="0">
+                <a:ln>
+                  <a:noFill/>
+                </a:ln>
+                <a:solidFill>
+                  <a:prstClr val="white"/>
+                </a:solidFill>
+                <a:effectLst/>
+                <a:uLnTx/>
+                <a:uFillTx/>
+                <a:latin typeface="Calibri" panose="020F0502020204030204"/>
+                <a:ea typeface="+mn-ea"/>
+                <a:cs typeface="+mn-cs"/>
+              </a:rPr>
+              <a:t>Records</a:t>
+            </a:r>
+            <a:endParaRPr kumimoji="0" lang="en-US" sz="1600" b="1" i="0" u="none" strike="noStrike" kern="0" cap="none" spc="0" normalizeH="0" baseline="0" noProof="0" dirty="0">
+              <a:ln>
+                <a:noFill/>
+              </a:ln>
+              <a:solidFill>
+                <a:prstClr val="white"/>
+              </a:solidFill>
+              <a:effectLst/>
+              <a:uLnTx/>
+              <a:uFillTx/>
+              <a:latin typeface="Calibri" panose="020F0502020204030204"/>
+              <a:ea typeface="+mn-ea"/>
+              <a:cs typeface="+mn-cs"/>
+            </a:endParaRPr>
+          </a:p>
+        </p:txBody>
+      </p:sp>
+      <p:sp>
+        <p:nvSpPr>
+          <p:cNvPr id="16" name="Arrow: Right 15">
+            <a:extLst>
+              <a:ext uri="{FF2B5EF4-FFF2-40B4-BE49-F238E27FC236}">
+                <a16:creationId xmlns:a16="http://schemas.microsoft.com/office/drawing/2014/main" id="{35699CF6-1BF8-47AB-A0F5-04BE8341A7AD}"/>
+              </a:ext>
+            </a:extLst>
+          </p:cNvPr>
+          <p:cNvSpPr/>
+          <p:nvPr/>
+        </p:nvSpPr>
+        <p:spPr>
+          <a:xfrm rot="5400000">
+            <a:off x="6948427" y="4047605"/>
+            <a:ext cx="1749794" cy="566670"/>
+          </a:xfrm>
+          <a:prstGeom prst="rightArrow">
+            <a:avLst/>
+          </a:prstGeom>
+          <a:solidFill>
+            <a:schemeClr val="tx2">
+              <a:lumMod val="50000"/>
+            </a:schemeClr>
+          </a:solidFill>
+          <a:ln>
+            <a:solidFill>
+              <a:schemeClr val="tx2">
+                <a:lumMod val="50000"/>
+              </a:schemeClr>
+            </a:solidFill>
+          </a:ln>
+          <a:effectLst>
+            <a:outerShdw blurRad="50800" dist="38100" dir="2700000" algn="tl" rotWithShape="0">
+              <a:prstClr val="black">
+                <a:alpha val="40000"/>
+              </a:prstClr>
+            </a:outerShdw>
+          </a:effectLst>
+        </p:spPr>
+        <p:style>
+          <a:lnRef idx="1">
+            <a:schemeClr val="accent1"/>
+          </a:lnRef>
+          <a:fillRef idx="3">
+            <a:schemeClr val="accent1"/>
+          </a:fillRef>
+          <a:effectRef idx="2">
+            <a:schemeClr val="accent1"/>
+          </a:effectRef>
+          <a:fontRef idx="minor">
+            <a:schemeClr val="lt1"/>
+          </a:fontRef>
+        </p:style>
+        <p:txBody>
+          <a:bodyPr rtlCol="0" anchor="ctr"/>
+          <a:lstStyle/>
+          <a:p>
+            <a:pPr algn="ctr"/>
+            <a:r>
+              <a:rPr lang="en-US" dirty="0"/>
+              <a:t>Braid Flows</a:t>
+            </a:r>
+          </a:p>
+        </p:txBody>
+      </p:sp>
+      <p:pic>
+        <p:nvPicPr>
+          <p:cNvPr id="7" name="Picture 6">
+            <a:extLst>
+              <a:ext uri="{FF2B5EF4-FFF2-40B4-BE49-F238E27FC236}">
+                <a16:creationId xmlns:a16="http://schemas.microsoft.com/office/drawing/2014/main" id="{6853B40B-3EA3-4193-9E06-B23EAD6F5A06}"/>
+              </a:ext>
+            </a:extLst>
+          </p:cNvPr>
+          <p:cNvPicPr>
+            <a:picLocks noChangeAspect="1"/>
+          </p:cNvPicPr>
+          <p:nvPr/>
+        </p:nvPicPr>
+        <p:blipFill rotWithShape="1">
+          <a:blip r:embed="rId3" cstate="screen">
+            <a:clrChange>
+              <a:clrFrom>
+                <a:srgbClr val="FFFFFF"/>
+              </a:clrFrom>
+              <a:clrTo>
+                <a:srgbClr val="FFFFFF">
+                  <a:alpha val="0"/>
+                </a:srgbClr>
+              </a:clrTo>
+            </a:clrChange>
+            <a:alphaModFix amt="52000"/>
+            <a:extLst>
+              <a:ext uri="{28A0092B-C50C-407E-A947-70E740481C1C}">
+                <a14:useLocalDpi xmlns:a14="http://schemas.microsoft.com/office/drawing/2010/main"/>
+              </a:ext>
+            </a:extLst>
+          </a:blip>
+          <a:srcRect/>
+          <a:stretch/>
+        </p:blipFill>
+        <p:spPr>
+          <a:xfrm>
+            <a:off x="6991856" y="3893266"/>
+            <a:ext cx="1710434" cy="765041"/>
+          </a:xfrm>
+          <a:prstGeom prst="rect">
+            <a:avLst/>
+          </a:prstGeom>
+          <a:effectLst/>
+        </p:spPr>
+      </p:pic>
+      <p:sp>
+        <p:nvSpPr>
+          <p:cNvPr id="17" name="Rectangle 16">
+            <a:extLst>
+              <a:ext uri="{FF2B5EF4-FFF2-40B4-BE49-F238E27FC236}">
+                <a16:creationId xmlns:a16="http://schemas.microsoft.com/office/drawing/2014/main" id="{9F28B707-62ED-4EE7-AEFA-E3F48840FE96}"/>
+              </a:ext>
+            </a:extLst>
+          </p:cNvPr>
+          <p:cNvSpPr/>
+          <p:nvPr/>
+        </p:nvSpPr>
+        <p:spPr>
+          <a:xfrm>
+            <a:off x="8071971" y="3146074"/>
+            <a:ext cx="902811" cy="369332"/>
+          </a:xfrm>
+          <a:prstGeom prst="rect">
+            <a:avLst/>
+          </a:prstGeom>
+        </p:spPr>
+        <p:txBody>
+          <a:bodyPr wrap="none">
+            <a:spAutoFit/>
+          </a:bodyPr>
+          <a:lstStyle/>
+          <a:p>
+            <a:r>
+              <a:rPr lang="en-US" dirty="0"/>
+              <a:t>Facility</a:t>
+            </a:r>
+          </a:p>
+        </p:txBody>
+      </p:sp>
+      <p:sp>
+        <p:nvSpPr>
+          <p:cNvPr id="18" name="Rectangle 17">
+            <a:extLst>
+              <a:ext uri="{FF2B5EF4-FFF2-40B4-BE49-F238E27FC236}">
+                <a16:creationId xmlns:a16="http://schemas.microsoft.com/office/drawing/2014/main" id="{4A645100-43E6-4675-8B00-340997021C37}"/>
+              </a:ext>
+            </a:extLst>
+          </p:cNvPr>
+          <p:cNvSpPr/>
+          <p:nvPr/>
+        </p:nvSpPr>
+        <p:spPr>
+          <a:xfrm>
+            <a:off x="8158122" y="4744910"/>
+            <a:ext cx="671979" cy="369332"/>
+          </a:xfrm>
+          <a:prstGeom prst="rect">
+            <a:avLst/>
+          </a:prstGeom>
+        </p:spPr>
+        <p:txBody>
+          <a:bodyPr wrap="none">
+            <a:spAutoFit/>
+          </a:bodyPr>
+          <a:lstStyle/>
+          <a:p>
+            <a:r>
+              <a:rPr lang="en-US" dirty="0"/>
+              <a:t>HPC</a:t>
+            </a:r>
+          </a:p>
+        </p:txBody>
+      </p:sp>
     </p:spTree>
     <p:extLst>
       <p:ext uri="{BB962C8B-B14F-4D97-AF65-F5344CB8AC3E}">
-        <p14:creationId xmlns:p14="http://schemas.microsoft.com/office/powerpoint/2010/main" val="1452834671"/>
+        <p14:creationId xmlns:p14="http://schemas.microsoft.com/office/powerpoint/2010/main" val="4027295286"/>
       </p:ext>
     </p:extLst>
   </p:cSld>
@@ -13152,74 +13779,7 @@
       </p:grpSpPr>
       <p:sp>
         <p:nvSpPr>
-          <p:cNvPr id="11" name="Rectangle: Rounded Corners 10">
-            <a:extLst>
-              <a:ext uri="{FF2B5EF4-FFF2-40B4-BE49-F238E27FC236}">
-                <a16:creationId xmlns:a16="http://schemas.microsoft.com/office/drawing/2014/main" id="{441F032C-C5DC-4850-9360-D91BDA89E422}"/>
-              </a:ext>
-            </a:extLst>
-          </p:cNvPr>
-          <p:cNvSpPr/>
-          <p:nvPr/>
-        </p:nvSpPr>
-        <p:spPr>
-          <a:xfrm>
-            <a:off x="457201" y="3642540"/>
-            <a:ext cx="2330388" cy="821081"/>
-          </a:xfrm>
-          <a:prstGeom prst="roundRect">
-            <a:avLst/>
-          </a:prstGeom>
-          <a:solidFill>
-            <a:schemeClr val="tx2"/>
-          </a:solidFill>
-          <a:ln>
-            <a:solidFill>
-              <a:schemeClr val="tx2">
-                <a:lumMod val="50000"/>
-              </a:schemeClr>
-            </a:solidFill>
-          </a:ln>
-          <a:effectLst>
-            <a:outerShdw blurRad="50800" dist="38100" dir="2700000" algn="tl" rotWithShape="0">
-              <a:prstClr val="black">
-                <a:alpha val="40000"/>
-              </a:prstClr>
-            </a:outerShdw>
-          </a:effectLst>
-        </p:spPr>
-        <p:style>
-          <a:lnRef idx="1">
-            <a:schemeClr val="accent1"/>
-          </a:lnRef>
-          <a:fillRef idx="3">
-            <a:schemeClr val="accent1"/>
-          </a:fillRef>
-          <a:effectRef idx="2">
-            <a:schemeClr val="accent1"/>
-          </a:effectRef>
-          <a:fontRef idx="minor">
-            <a:schemeClr val="lt1"/>
-          </a:fontRef>
-        </p:style>
-        <p:txBody>
-          <a:bodyPr rtlCol="0" anchor="ctr"/>
-          <a:lstStyle/>
-          <a:p>
-            <a:pPr algn="ctr"/>
-            <a:endParaRPr lang="en-US" dirty="0"/>
-          </a:p>
-        </p:txBody>
-      </p:sp>
-      <p:sp>
-        <p:nvSpPr>
-          <p:cNvPr id="2" name="Title 1">
-            <a:extLst>
-              <a:ext uri="{FF2B5EF4-FFF2-40B4-BE49-F238E27FC236}">
-                <a16:creationId xmlns:a16="http://schemas.microsoft.com/office/drawing/2014/main" id="{534A75B4-866C-488A-A5B4-1C901C519B5B}"/>
-              </a:ext>
-            </a:extLst>
-          </p:cNvPr>
+          <p:cNvPr id="2" name="Title 1"/>
           <p:cNvSpPr>
             <a:spLocks noGrp="1"/>
           </p:cNvSpPr>
@@ -13233,100 +13793,42 @@
           <a:lstStyle/>
           <a:p>
             <a:r>
-              <a:rPr lang="en-US" dirty="0"/>
-              <a:t>Braid provenance prototype</a:t>
-            </a:r>
-          </a:p>
-        </p:txBody>
-      </p:sp>
-      <p:sp>
-        <p:nvSpPr>
-          <p:cNvPr id="3" name="Content Placeholder 2">
-            <a:extLst>
-              <a:ext uri="{FF2B5EF4-FFF2-40B4-BE49-F238E27FC236}">
-                <a16:creationId xmlns:a16="http://schemas.microsoft.com/office/drawing/2014/main" id="{9A5E5FFC-2AE0-45F6-8507-2F2AE65BDD3B}"/>
-              </a:ext>
-            </a:extLst>
-          </p:cNvPr>
+              <a:rPr lang="en-US" dirty="0">
+                <a:solidFill>
+                  <a:prstClr val="black"/>
+                </a:solidFill>
+              </a:rPr>
+              <a:t>Braid Provenance GOALS</a:t>
+            </a:r>
+            <a:endParaRPr lang="en-US" dirty="0"/>
+          </a:p>
+        </p:txBody>
+      </p:sp>
+      <p:sp>
+        <p:nvSpPr>
+          <p:cNvPr id="4" name="Text Placeholder 3"/>
           <p:cNvSpPr>
             <a:spLocks noGrp="1"/>
           </p:cNvSpPr>
           <p:nvPr>
-            <p:ph idx="1"/>
-          </p:nvPr>
-        </p:nvSpPr>
-        <p:spPr>
-          <a:xfrm>
-            <a:off x="457200" y="1699996"/>
-            <a:ext cx="8372901" cy="1646372"/>
-          </a:xfrm>
-        </p:spPr>
+            <p:ph type="body" sz="quarter" idx="12"/>
+          </p:nvPr>
+        </p:nvSpPr>
+        <p:spPr/>
         <p:txBody>
           <a:bodyPr/>
           <a:lstStyle/>
           <a:p>
             <a:r>
               <a:rPr lang="en-US" dirty="0"/>
-              <a:t>Simple client/server model for initial evaluation and requirements testing</a:t>
-            </a:r>
-          </a:p>
-          <a:p>
-            <a:r>
-              <a:rPr lang="en-US" dirty="0"/>
-              <a:t>Usable on one site at a time with import/merge tools for multi-site cases</a:t>
-            </a:r>
-          </a:p>
-          <a:p>
-            <a:r>
-              <a:rPr lang="en-US" dirty="0"/>
-              <a:t>Abstraction over Postgres/SQLite as needed for site restrictions</a:t>
-            </a:r>
-          </a:p>
-          <a:p>
-            <a:r>
-              <a:rPr lang="en-US" dirty="0"/>
-              <a:t>Provide API that can be integrated into workflow frameworks or called directly</a:t>
-            </a:r>
-          </a:p>
-        </p:txBody>
-      </p:sp>
-      <p:sp>
-        <p:nvSpPr>
-          <p:cNvPr id="4" name="Text Placeholder 3">
-            <a:extLst>
-              <a:ext uri="{FF2B5EF4-FFF2-40B4-BE49-F238E27FC236}">
-                <a16:creationId xmlns:a16="http://schemas.microsoft.com/office/drawing/2014/main" id="{691C20A0-DBED-4B8A-A26C-DDFBDC0E1DEC}"/>
-              </a:ext>
-            </a:extLst>
-          </p:cNvPr>
-          <p:cNvSpPr>
-            <a:spLocks noGrp="1"/>
-          </p:cNvSpPr>
-          <p:nvPr>
-            <p:ph type="body" sz="quarter" idx="12"/>
-          </p:nvPr>
-        </p:nvSpPr>
-        <p:spPr/>
-        <p:txBody>
-          <a:bodyPr/>
-          <a:lstStyle/>
-          <a:p>
-            <a:r>
-              <a:rPr lang="en-US" dirty="0"/>
-              <a:t>Prototype Python/SQL implementation for initial tests</a:t>
-            </a:r>
-          </a:p>
-        </p:txBody>
-      </p:sp>
-      <p:sp>
-        <p:nvSpPr>
-          <p:cNvPr id="5" name="Slide Number Placeholder 4">
-            <a:extLst>
-              <a:ext uri="{FF2B5EF4-FFF2-40B4-BE49-F238E27FC236}">
-                <a16:creationId xmlns:a16="http://schemas.microsoft.com/office/drawing/2014/main" id="{4B532A66-D3E8-4A95-847E-C49714F0A866}"/>
-              </a:ext>
-            </a:extLst>
-          </p:cNvPr>
+              <a:t>Capture provenance needs of </a:t>
+            </a:r>
+          </a:p>
+        </p:txBody>
+      </p:sp>
+      <p:sp>
+        <p:nvSpPr>
+          <p:cNvPr id="5" name="Slide Number Placeholder 4"/>
           <p:cNvSpPr>
             <a:spLocks noGrp="1"/>
           </p:cNvSpPr>
@@ -13350,624 +13852,145 @@
       </p:sp>
       <p:sp>
         <p:nvSpPr>
-          <p:cNvPr id="6" name="Rectangle: Rounded Corners 5">
+          <p:cNvPr id="7" name="Content Placeholder 6"/>
+          <p:cNvSpPr>
+            <a:spLocks noGrp="1"/>
+          </p:cNvSpPr>
+          <p:nvPr>
+            <p:ph idx="1"/>
+          </p:nvPr>
+        </p:nvSpPr>
+        <p:spPr>
+          <a:xfrm>
+            <a:off x="457201" y="1699995"/>
+            <a:ext cx="8590546" cy="2111609"/>
+          </a:xfrm>
+        </p:spPr>
+        <p:txBody>
+          <a:bodyPr/>
+          <a:lstStyle/>
+          <a:p>
+            <a:pPr>
+              <a:lnSpc>
+                <a:spcPct val="90000"/>
+              </a:lnSpc>
+            </a:pPr>
+            <a:r>
+              <a:rPr lang="en-US" dirty="0">
+                <a:solidFill>
+                  <a:prstClr val="black"/>
+                </a:solidFill>
+              </a:rPr>
+              <a:t>Embrace automation in data analysis, retention, decision-making</a:t>
+            </a:r>
+          </a:p>
+          <a:p>
+            <a:pPr>
+              <a:lnSpc>
+                <a:spcPct val="90000"/>
+              </a:lnSpc>
+            </a:pPr>
+            <a:r>
+              <a:rPr lang="en-US" dirty="0">
+                <a:solidFill>
+                  <a:prstClr val="black"/>
+                </a:solidFill>
+              </a:rPr>
+              <a:t>Enable users to trace back to how decisions were made</a:t>
+            </a:r>
+          </a:p>
+          <a:p>
+            <a:pPr>
+              <a:lnSpc>
+                <a:spcPct val="90000"/>
+              </a:lnSpc>
+            </a:pPr>
+            <a:r>
+              <a:rPr lang="en-US" dirty="0">
+                <a:solidFill>
+                  <a:prstClr val="black"/>
+                </a:solidFill>
+              </a:rPr>
+              <a:t>Necessitates recording what went into model training, including external data, simulations, and structures of other learning and analysis activity</a:t>
+            </a:r>
+          </a:p>
+          <a:p>
+            <a:pPr>
+              <a:lnSpc>
+                <a:spcPct val="90000"/>
+              </a:lnSpc>
+            </a:pPr>
+            <a:r>
+              <a:rPr lang="en-US" dirty="0">
+                <a:solidFill>
+                  <a:prstClr val="black"/>
+                </a:solidFill>
+              </a:rPr>
+              <a:t>Envision a versioned database for ML model states with HPC interfaces</a:t>
+            </a:r>
+          </a:p>
+          <a:p>
+            <a:pPr>
+              <a:lnSpc>
+                <a:spcPct val="90000"/>
+              </a:lnSpc>
+            </a:pPr>
+            <a:r>
+              <a:rPr lang="en-US" dirty="0">
+                <a:solidFill>
+                  <a:prstClr val="black"/>
+                </a:solidFill>
+              </a:rPr>
+              <a:t>Integrate with other Braid components</a:t>
+            </a:r>
+          </a:p>
+        </p:txBody>
+      </p:sp>
+      <p:pic>
+        <p:nvPicPr>
+          <p:cNvPr id="1026" name="Picture 2" descr="C:\cygwin\home\wozniak\mcs\slides\2020\Braid\Provenance.png"/>
+          <p:cNvPicPr>
+            <a:picLocks noChangeAspect="1" noChangeArrowheads="1"/>
+          </p:cNvPicPr>
+          <p:nvPr/>
+        </p:nvPicPr>
+        <p:blipFill>
+          <a:blip r:embed="rId2">
             <a:extLst>
-              <a:ext uri="{FF2B5EF4-FFF2-40B4-BE49-F238E27FC236}">
-                <a16:creationId xmlns:a16="http://schemas.microsoft.com/office/drawing/2014/main" id="{DC27C061-530B-4EDD-BEF5-488549CA3DF6}"/>
+              <a:ext uri="{28A0092B-C50C-407E-A947-70E740481C1C}">
+                <a14:useLocalDpi xmlns:a14="http://schemas.microsoft.com/office/drawing/2010/main" val="0"/>
               </a:ext>
             </a:extLst>
-          </p:cNvPr>
-          <p:cNvSpPr/>
-          <p:nvPr/>
-        </p:nvSpPr>
-        <p:spPr>
-          <a:xfrm>
-            <a:off x="457200" y="3429000"/>
-            <a:ext cx="8372900" cy="499715"/>
-          </a:xfrm>
-          <a:prstGeom prst="roundRect">
-            <a:avLst/>
-          </a:prstGeom>
-          <a:solidFill>
-            <a:schemeClr val="tx2"/>
-          </a:solidFill>
-          <a:ln>
-            <a:solidFill>
-              <a:schemeClr val="tx2">
-                <a:lumMod val="50000"/>
-              </a:schemeClr>
-            </a:solidFill>
-          </a:ln>
-          <a:effectLst>
-            <a:outerShdw blurRad="50800" dist="38100" dir="2700000" algn="tl" rotWithShape="0">
-              <a:prstClr val="black">
-                <a:alpha val="40000"/>
-              </a:prstClr>
-            </a:outerShdw>
-          </a:effectLst>
-        </p:spPr>
-        <p:style>
-          <a:lnRef idx="1">
-            <a:schemeClr val="accent1"/>
-          </a:lnRef>
-          <a:fillRef idx="3">
-            <a:schemeClr val="accent1"/>
-          </a:fillRef>
-          <a:effectRef idx="2">
-            <a:schemeClr val="accent1"/>
-          </a:effectRef>
-          <a:fontRef idx="minor">
-            <a:schemeClr val="lt1"/>
-          </a:fontRef>
-        </p:style>
-        <p:txBody>
-          <a:bodyPr rtlCol="0" anchor="ctr"/>
-          <a:lstStyle/>
-          <a:p>
-            <a:pPr algn="ctr"/>
-            <a:r>
-              <a:rPr lang="en-US" dirty="0"/>
-              <a:t>Applications and/or workflow systems</a:t>
-            </a:r>
-          </a:p>
-        </p:txBody>
-      </p:sp>
-      <p:sp>
-        <p:nvSpPr>
-          <p:cNvPr id="7" name="Rectangle: Rounded Corners 6">
-            <a:extLst>
-              <a:ext uri="{FF2B5EF4-FFF2-40B4-BE49-F238E27FC236}">
-                <a16:creationId xmlns:a16="http://schemas.microsoft.com/office/drawing/2014/main" id="{C50183BE-7E77-4B5A-84A7-0901AFC6B53E}"/>
-              </a:ext>
-            </a:extLst>
-          </p:cNvPr>
-          <p:cNvSpPr/>
-          <p:nvPr/>
-        </p:nvSpPr>
-        <p:spPr>
-          <a:xfrm>
-            <a:off x="457200" y="4564559"/>
-            <a:ext cx="8372900" cy="499715"/>
-          </a:xfrm>
-          <a:prstGeom prst="roundRect">
-            <a:avLst/>
-          </a:prstGeom>
-          <a:solidFill>
-            <a:schemeClr val="tx2"/>
-          </a:solidFill>
-          <a:ln>
-            <a:solidFill>
-              <a:schemeClr val="tx2">
-                <a:lumMod val="50000"/>
-              </a:schemeClr>
-            </a:solidFill>
-          </a:ln>
-          <a:effectLst>
-            <a:outerShdw blurRad="50800" dist="38100" dir="2700000" algn="tl" rotWithShape="0">
-              <a:prstClr val="black">
-                <a:alpha val="40000"/>
-              </a:prstClr>
-            </a:outerShdw>
-          </a:effectLst>
-        </p:spPr>
-        <p:style>
-          <a:lnRef idx="1">
-            <a:schemeClr val="accent1"/>
-          </a:lnRef>
-          <a:fillRef idx="3">
-            <a:schemeClr val="accent1"/>
-          </a:fillRef>
-          <a:effectRef idx="2">
-            <a:schemeClr val="accent1"/>
-          </a:effectRef>
-          <a:fontRef idx="minor">
-            <a:schemeClr val="lt1"/>
-          </a:fontRef>
-        </p:style>
-        <p:txBody>
-          <a:bodyPr rtlCol="0" anchor="ctr"/>
-          <a:lstStyle/>
-          <a:p>
-            <a:pPr algn="ctr"/>
-            <a:r>
-              <a:rPr lang="en-US" dirty="0"/>
-              <a:t>Recursive, versioned model record structures</a:t>
-            </a:r>
-          </a:p>
-        </p:txBody>
-      </p:sp>
-      <p:sp>
-        <p:nvSpPr>
-          <p:cNvPr id="8" name="Rectangle: Rounded Corners 7">
-            <a:extLst>
-              <a:ext uri="{FF2B5EF4-FFF2-40B4-BE49-F238E27FC236}">
-                <a16:creationId xmlns:a16="http://schemas.microsoft.com/office/drawing/2014/main" id="{A9C00DD1-FDD2-4761-A30D-4D8A98AFCFEB}"/>
-              </a:ext>
-            </a:extLst>
-          </p:cNvPr>
-          <p:cNvSpPr/>
-          <p:nvPr/>
-        </p:nvSpPr>
-        <p:spPr>
-          <a:xfrm>
-            <a:off x="457200" y="5146907"/>
-            <a:ext cx="8372900" cy="499715"/>
-          </a:xfrm>
-          <a:prstGeom prst="roundRect">
-            <a:avLst/>
-          </a:prstGeom>
-          <a:solidFill>
-            <a:schemeClr val="tx2"/>
-          </a:solidFill>
-          <a:ln>
-            <a:solidFill>
-              <a:schemeClr val="tx2">
-                <a:lumMod val="50000"/>
-              </a:schemeClr>
-            </a:solidFill>
-          </a:ln>
-          <a:effectLst>
-            <a:outerShdw blurRad="50800" dist="38100" dir="2700000" algn="tl" rotWithShape="0">
-              <a:prstClr val="black">
-                <a:alpha val="40000"/>
-              </a:prstClr>
-            </a:outerShdw>
-          </a:effectLst>
-        </p:spPr>
-        <p:style>
-          <a:lnRef idx="1">
-            <a:schemeClr val="accent1"/>
-          </a:lnRef>
-          <a:fillRef idx="3">
-            <a:schemeClr val="accent1"/>
-          </a:fillRef>
-          <a:effectRef idx="2">
-            <a:schemeClr val="accent1"/>
-          </a:effectRef>
-          <a:fontRef idx="minor">
-            <a:schemeClr val="lt1"/>
-          </a:fontRef>
-        </p:style>
-        <p:txBody>
-          <a:bodyPr rtlCol="0" anchor="ctr"/>
-          <a:lstStyle/>
-          <a:p>
-            <a:pPr algn="ctr"/>
-            <a:r>
-              <a:rPr lang="en-US" dirty="0"/>
-              <a:t>Data storage model</a:t>
-            </a:r>
-          </a:p>
-        </p:txBody>
-      </p:sp>
-      <p:sp>
-        <p:nvSpPr>
-          <p:cNvPr id="9" name="Rectangle: Rounded Corners 8">
-            <a:extLst>
-              <a:ext uri="{FF2B5EF4-FFF2-40B4-BE49-F238E27FC236}">
-                <a16:creationId xmlns:a16="http://schemas.microsoft.com/office/drawing/2014/main" id="{8162E1CB-D3F9-4EFE-927B-9A0F82D0B0FB}"/>
-              </a:ext>
-            </a:extLst>
-          </p:cNvPr>
-          <p:cNvSpPr/>
-          <p:nvPr/>
-        </p:nvSpPr>
-        <p:spPr>
-          <a:xfrm>
-            <a:off x="2851951" y="3972900"/>
-            <a:ext cx="2982897" cy="499715"/>
-          </a:xfrm>
-          <a:prstGeom prst="roundRect">
-            <a:avLst/>
-          </a:prstGeom>
-          <a:solidFill>
-            <a:schemeClr val="tx2"/>
-          </a:solidFill>
-          <a:ln>
-            <a:solidFill>
-              <a:schemeClr val="tx2">
-                <a:lumMod val="50000"/>
-              </a:schemeClr>
-            </a:solidFill>
-          </a:ln>
-          <a:effectLst>
-            <a:outerShdw blurRad="50800" dist="38100" dir="2700000" algn="tl" rotWithShape="0">
-              <a:prstClr val="black">
-                <a:alpha val="40000"/>
-              </a:prstClr>
-            </a:outerShdw>
-          </a:effectLst>
-        </p:spPr>
-        <p:style>
-          <a:lnRef idx="1">
-            <a:schemeClr val="accent1"/>
-          </a:lnRef>
-          <a:fillRef idx="3">
-            <a:schemeClr val="accent1"/>
-          </a:fillRef>
-          <a:effectRef idx="2">
-            <a:schemeClr val="accent1"/>
-          </a:effectRef>
-          <a:fontRef idx="minor">
-            <a:schemeClr val="lt1"/>
-          </a:fontRef>
-        </p:style>
-        <p:txBody>
-          <a:bodyPr rtlCol="0" anchor="ctr"/>
-          <a:lstStyle/>
-          <a:p>
-            <a:pPr algn="ctr"/>
-            <a:r>
-              <a:rPr lang="en-US" dirty="0"/>
-              <a:t>Optional HPC cache</a:t>
-            </a:r>
-          </a:p>
-        </p:txBody>
-      </p:sp>
-      <p:sp>
-        <p:nvSpPr>
-          <p:cNvPr id="10" name="Rectangle: Rounded Corners 9">
-            <a:extLst>
-              <a:ext uri="{FF2B5EF4-FFF2-40B4-BE49-F238E27FC236}">
-                <a16:creationId xmlns:a16="http://schemas.microsoft.com/office/drawing/2014/main" id="{1E682F49-F9E9-46DA-BFC9-B4C432C2DFAB}"/>
-              </a:ext>
-            </a:extLst>
-          </p:cNvPr>
-          <p:cNvSpPr/>
-          <p:nvPr/>
-        </p:nvSpPr>
-        <p:spPr>
-          <a:xfrm>
-            <a:off x="457200" y="5737056"/>
-            <a:ext cx="2791438" cy="499715"/>
-          </a:xfrm>
-          <a:prstGeom prst="roundRect">
-            <a:avLst/>
-          </a:prstGeom>
-          <a:solidFill>
-            <a:schemeClr val="tx2"/>
-          </a:solidFill>
-          <a:ln>
-            <a:solidFill>
-              <a:schemeClr val="tx2">
-                <a:lumMod val="50000"/>
-              </a:schemeClr>
-            </a:solidFill>
-          </a:ln>
-          <a:effectLst>
-            <a:outerShdw blurRad="50800" dist="38100" dir="2700000" algn="tl" rotWithShape="0">
-              <a:prstClr val="black">
-                <a:alpha val="40000"/>
-              </a:prstClr>
-            </a:outerShdw>
-          </a:effectLst>
-        </p:spPr>
-        <p:style>
-          <a:lnRef idx="1">
-            <a:schemeClr val="accent1"/>
-          </a:lnRef>
-          <a:fillRef idx="3">
-            <a:schemeClr val="accent1"/>
-          </a:fillRef>
-          <a:effectRef idx="2">
-            <a:schemeClr val="accent1"/>
-          </a:effectRef>
-          <a:fontRef idx="minor">
-            <a:schemeClr val="lt1"/>
-          </a:fontRef>
-        </p:style>
-        <p:txBody>
-          <a:bodyPr rtlCol="0" anchor="ctr"/>
-          <a:lstStyle/>
-          <a:p>
-            <a:pPr algn="ctr"/>
-            <a:r>
-              <a:rPr lang="en-US" dirty="0"/>
-              <a:t>Postgres</a:t>
-            </a:r>
-          </a:p>
-        </p:txBody>
-      </p:sp>
-      <p:sp>
-        <p:nvSpPr>
-          <p:cNvPr id="12" name="Rectangle 11">
-            <a:extLst>
-              <a:ext uri="{FF2B5EF4-FFF2-40B4-BE49-F238E27FC236}">
-                <a16:creationId xmlns:a16="http://schemas.microsoft.com/office/drawing/2014/main" id="{BE78FB42-EF18-4031-900E-44B759BE7E20}"/>
-              </a:ext>
-            </a:extLst>
-          </p:cNvPr>
-          <p:cNvSpPr/>
-          <p:nvPr/>
-        </p:nvSpPr>
-        <p:spPr>
-          <a:xfrm>
-            <a:off x="-905522" y="1699995"/>
-            <a:ext cx="585926" cy="581566"/>
+          </a:blip>
+          <a:srcRect/>
+          <a:stretch>
+            <a:fillRect/>
+          </a:stretch>
+        </p:blipFill>
+        <p:spPr bwMode="auto">
+          <a:xfrm>
+            <a:off x="2050181" y="4019130"/>
+            <a:ext cx="5601903" cy="2684866"/>
           </a:xfrm>
           <a:prstGeom prst="rect">
             <a:avLst/>
           </a:prstGeom>
-          <a:solidFill>
-            <a:schemeClr val="accent1"/>
-          </a:solidFill>
-          <a:effectLst/>
-        </p:spPr>
-        <p:style>
-          <a:lnRef idx="1">
-            <a:schemeClr val="accent1"/>
-          </a:lnRef>
-          <a:fillRef idx="3">
-            <a:schemeClr val="accent1"/>
-          </a:fillRef>
-          <a:effectRef idx="2">
-            <a:schemeClr val="accent1"/>
-          </a:effectRef>
-          <a:fontRef idx="minor">
-            <a:schemeClr val="lt1"/>
-          </a:fontRef>
-        </p:style>
-        <p:txBody>
-          <a:bodyPr rtlCol="0" anchor="ctr"/>
-          <a:lstStyle/>
-          <a:p>
-            <a:pPr algn="ctr"/>
-            <a:endParaRPr lang="en-US"/>
-          </a:p>
-        </p:txBody>
-      </p:sp>
-      <p:sp>
-        <p:nvSpPr>
-          <p:cNvPr id="13" name="Rectangle 12">
-            <a:extLst>
-              <a:ext uri="{FF2B5EF4-FFF2-40B4-BE49-F238E27FC236}">
-                <a16:creationId xmlns:a16="http://schemas.microsoft.com/office/drawing/2014/main" id="{5040D358-081F-4811-BF45-8E06CD5D6DCB}"/>
-              </a:ext>
-            </a:extLst>
-          </p:cNvPr>
-          <p:cNvSpPr/>
-          <p:nvPr/>
-        </p:nvSpPr>
-        <p:spPr>
-          <a:xfrm>
-            <a:off x="490538" y="3835629"/>
-            <a:ext cx="2262187" cy="367561"/>
-          </a:xfrm>
-          <a:prstGeom prst="rect">
-            <a:avLst/>
-          </a:prstGeom>
-          <a:solidFill>
-            <a:schemeClr val="tx2"/>
-          </a:solidFill>
-          <a:ln>
-            <a:noFill/>
-          </a:ln>
-          <a:effectLst/>
-        </p:spPr>
-        <p:style>
-          <a:lnRef idx="1">
-            <a:schemeClr val="accent1"/>
-          </a:lnRef>
-          <a:fillRef idx="3">
-            <a:schemeClr val="accent1"/>
-          </a:fillRef>
-          <a:effectRef idx="2">
-            <a:schemeClr val="accent1"/>
-          </a:effectRef>
-          <a:fontRef idx="minor">
-            <a:schemeClr val="lt1"/>
-          </a:fontRef>
-        </p:style>
-        <p:txBody>
-          <a:bodyPr rot="0" spcFirstLastPara="0" vertOverflow="overflow" horzOverflow="overflow" vert="horz" wrap="square" lIns="91440" tIns="45720" rIns="91440" bIns="45720" numCol="1" spcCol="0" rtlCol="0" fromWordArt="0" anchor="ctr" anchorCtr="0" forceAA="0" compatLnSpc="1">
-            <a:prstTxWarp prst="textNoShape">
-              <a:avLst/>
-            </a:prstTxWarp>
-            <a:noAutofit/>
-          </a:bodyPr>
-          <a:lstStyle/>
-          <a:p>
-            <a:pPr algn="ctr"/>
-            <a:endParaRPr lang="en-US" dirty="0"/>
-          </a:p>
-        </p:txBody>
-      </p:sp>
-      <p:sp>
-        <p:nvSpPr>
-          <p:cNvPr id="14" name="Rectangle: Rounded Corners 13">
-            <a:extLst>
-              <a:ext uri="{FF2B5EF4-FFF2-40B4-BE49-F238E27FC236}">
-                <a16:creationId xmlns:a16="http://schemas.microsoft.com/office/drawing/2014/main" id="{50DBAC30-1094-4D16-9F6E-0D8B79865014}"/>
-              </a:ext>
-            </a:extLst>
-          </p:cNvPr>
-          <p:cNvSpPr/>
-          <p:nvPr/>
-        </p:nvSpPr>
-        <p:spPr>
-          <a:xfrm>
-            <a:off x="5899211" y="3972899"/>
-            <a:ext cx="2930890" cy="499715"/>
-          </a:xfrm>
-          <a:prstGeom prst="roundRect">
-            <a:avLst/>
-          </a:prstGeom>
-          <a:solidFill>
-            <a:schemeClr val="tx2"/>
-          </a:solidFill>
-          <a:ln>
-            <a:solidFill>
-              <a:schemeClr val="tx2">
-                <a:lumMod val="50000"/>
-              </a:schemeClr>
-            </a:solidFill>
-          </a:ln>
-          <a:effectLst>
-            <a:outerShdw blurRad="50800" dist="38100" dir="2700000" algn="tl" rotWithShape="0">
-              <a:prstClr val="black">
-                <a:alpha val="40000"/>
-              </a:prstClr>
-            </a:outerShdw>
-          </a:effectLst>
-        </p:spPr>
-        <p:style>
-          <a:lnRef idx="1">
-            <a:schemeClr val="accent1"/>
-          </a:lnRef>
-          <a:fillRef idx="3">
-            <a:schemeClr val="accent1"/>
-          </a:fillRef>
-          <a:effectRef idx="2">
-            <a:schemeClr val="accent1"/>
-          </a:effectRef>
-          <a:fontRef idx="minor">
-            <a:schemeClr val="lt1"/>
-          </a:fontRef>
-        </p:style>
-        <p:txBody>
-          <a:bodyPr rtlCol="0" anchor="ctr"/>
-          <a:lstStyle/>
-          <a:p>
-            <a:pPr algn="ctr"/>
-            <a:r>
-              <a:rPr lang="en-US" dirty="0"/>
-              <a:t>Import/merge tools</a:t>
-            </a:r>
-          </a:p>
-        </p:txBody>
-      </p:sp>
-      <p:sp>
-        <p:nvSpPr>
-          <p:cNvPr id="15" name="Rectangle: Rounded Corners 14">
-            <a:extLst>
-              <a:ext uri="{FF2B5EF4-FFF2-40B4-BE49-F238E27FC236}">
-                <a16:creationId xmlns:a16="http://schemas.microsoft.com/office/drawing/2014/main" id="{3A08E232-1CA0-4A96-B318-37B12FFF087D}"/>
-              </a:ext>
-            </a:extLst>
-          </p:cNvPr>
-          <p:cNvSpPr/>
-          <p:nvPr/>
-        </p:nvSpPr>
-        <p:spPr>
-          <a:xfrm>
-            <a:off x="3353531" y="5748009"/>
-            <a:ext cx="2580237" cy="499715"/>
-          </a:xfrm>
-          <a:prstGeom prst="roundRect">
-            <a:avLst/>
-          </a:prstGeom>
-          <a:solidFill>
-            <a:schemeClr val="tx2"/>
-          </a:solidFill>
-          <a:ln>
-            <a:solidFill>
-              <a:schemeClr val="tx2">
-                <a:lumMod val="50000"/>
-              </a:schemeClr>
-            </a:solidFill>
-          </a:ln>
-          <a:effectLst>
-            <a:outerShdw blurRad="50800" dist="38100" dir="2700000" algn="tl" rotWithShape="0">
-              <a:prstClr val="black">
-                <a:alpha val="40000"/>
-              </a:prstClr>
-            </a:outerShdw>
-          </a:effectLst>
-        </p:spPr>
-        <p:style>
-          <a:lnRef idx="1">
-            <a:schemeClr val="accent1"/>
-          </a:lnRef>
-          <a:fillRef idx="3">
-            <a:schemeClr val="accent1"/>
-          </a:fillRef>
-          <a:effectRef idx="2">
-            <a:schemeClr val="accent1"/>
-          </a:effectRef>
-          <a:fontRef idx="minor">
-            <a:schemeClr val="lt1"/>
-          </a:fontRef>
-        </p:style>
-        <p:txBody>
-          <a:bodyPr rtlCol="0" anchor="ctr"/>
-          <a:lstStyle/>
-          <a:p>
-            <a:pPr algn="ctr"/>
-            <a:r>
-              <a:rPr lang="en-US" dirty="0"/>
-              <a:t>SQLite</a:t>
-            </a:r>
-          </a:p>
-        </p:txBody>
-      </p:sp>
-      <p:sp>
-        <p:nvSpPr>
-          <p:cNvPr id="16" name="Rectangle: Rounded Corners 15">
-            <a:extLst>
-              <a:ext uri="{FF2B5EF4-FFF2-40B4-BE49-F238E27FC236}">
-                <a16:creationId xmlns:a16="http://schemas.microsoft.com/office/drawing/2014/main" id="{1E33CE98-5CFD-4DE9-9EC6-DD8CF898B17C}"/>
-              </a:ext>
-            </a:extLst>
-          </p:cNvPr>
-          <p:cNvSpPr/>
-          <p:nvPr/>
-        </p:nvSpPr>
-        <p:spPr>
-          <a:xfrm>
-            <a:off x="6038661" y="5748009"/>
-            <a:ext cx="2791439" cy="499715"/>
-          </a:xfrm>
-          <a:prstGeom prst="roundRect">
-            <a:avLst/>
-          </a:prstGeom>
-          <a:solidFill>
-            <a:schemeClr val="tx2"/>
-          </a:solidFill>
-          <a:ln>
-            <a:solidFill>
-              <a:schemeClr val="tx2">
-                <a:lumMod val="50000"/>
-              </a:schemeClr>
-            </a:solidFill>
-          </a:ln>
-          <a:effectLst>
-            <a:outerShdw blurRad="50800" dist="38100" dir="2700000" algn="tl" rotWithShape="0">
-              <a:prstClr val="black">
-                <a:alpha val="40000"/>
-              </a:prstClr>
-            </a:outerShdw>
-          </a:effectLst>
-        </p:spPr>
-        <p:style>
-          <a:lnRef idx="1">
-            <a:schemeClr val="accent1"/>
-          </a:lnRef>
-          <a:fillRef idx="3">
-            <a:schemeClr val="accent1"/>
-          </a:fillRef>
-          <a:effectRef idx="2">
-            <a:schemeClr val="accent1"/>
-          </a:effectRef>
-          <a:fontRef idx="minor">
-            <a:schemeClr val="lt1"/>
-          </a:fontRef>
-        </p:style>
-        <p:txBody>
-          <a:bodyPr rtlCol="0" anchor="ctr"/>
-          <a:lstStyle/>
-          <a:p>
-            <a:pPr algn="ctr"/>
-            <a:r>
-              <a:rPr lang="en-US" dirty="0"/>
-              <a:t>Other?</a:t>
-            </a:r>
-          </a:p>
-        </p:txBody>
-      </p:sp>
+          <a:noFill/>
+          <a:extLst>
+            <a:ext uri="{909E8E84-426E-40DD-AFC4-6F175D3DCCD1}">
+              <a14:hiddenFill xmlns:a14="http://schemas.microsoft.com/office/drawing/2010/main">
+                <a:solidFill>
+                  <a:srgbClr val="FFFFFF"/>
+                </a:solidFill>
+              </a14:hiddenFill>
+            </a:ext>
+          </a:extLst>
+        </p:spPr>
+      </p:pic>
     </p:spTree>
     <p:extLst>
       <p:ext uri="{BB962C8B-B14F-4D97-AF65-F5344CB8AC3E}">
-        <p14:creationId xmlns:p14="http://schemas.microsoft.com/office/powerpoint/2010/main" val="1844894547"/>
+        <p14:creationId xmlns:p14="http://schemas.microsoft.com/office/powerpoint/2010/main" val="1691531177"/>
       </p:ext>
     </p:extLst>
   </p:cSld>
@@ -14008,7 +14031,13 @@
       </p:grpSpPr>
       <p:sp>
         <p:nvSpPr>
-          <p:cNvPr id="2" name="Title 1"/>
+          <p:cNvPr id="2" name="Title 1">
+            <a:extLst>
+              <a:ext uri="{FF2B5EF4-FFF2-40B4-BE49-F238E27FC236}">
+                <a16:creationId xmlns:a16="http://schemas.microsoft.com/office/drawing/2014/main" id="{9DEEE36A-DB32-42F8-92C4-CBC77DB41106}"/>
+              </a:ext>
+            </a:extLst>
+          </p:cNvPr>
           <p:cNvSpPr>
             <a:spLocks noGrp="1"/>
           </p:cNvSpPr>
@@ -14023,14 +14052,20 @@
           <a:p>
             <a:r>
               <a:rPr lang="en-US" dirty="0"/>
-              <a:t>PROVENANCE Subproject MILESTONES</a:t>
-            </a:r>
-          </a:p>
-        </p:txBody>
-      </p:sp>
-      <p:sp>
-        <p:nvSpPr>
-          <p:cNvPr id="3" name="Content Placeholder 2"/>
+              <a:t>Braid provenance features</a:t>
+            </a:r>
+          </a:p>
+        </p:txBody>
+      </p:sp>
+      <p:sp>
+        <p:nvSpPr>
+          <p:cNvPr id="3" name="Content Placeholder 2">
+            <a:extLst>
+              <a:ext uri="{FF2B5EF4-FFF2-40B4-BE49-F238E27FC236}">
+                <a16:creationId xmlns:a16="http://schemas.microsoft.com/office/drawing/2014/main" id="{C7F404FF-6338-4E35-9F6B-AFEAD31BB6B7}"/>
+              </a:ext>
+            </a:extLst>
+          </p:cNvPr>
           <p:cNvSpPr>
             <a:spLocks noGrp="1"/>
           </p:cNvSpPr>
@@ -14040,8 +14075,8 @@
         </p:nvSpPr>
         <p:spPr>
           <a:xfrm>
-            <a:off x="457200" y="1699994"/>
-            <a:ext cx="8372901" cy="4758557"/>
+            <a:off x="457200" y="1699995"/>
+            <a:ext cx="8372901" cy="4773714"/>
           </a:xfrm>
         </p:spPr>
         <p:txBody>
@@ -14050,68 +14085,135 @@
           <a:p>
             <a:r>
               <a:rPr lang="en-US" dirty="0"/>
-              <a:t>Survey about 3 “key apps” for use cases and requirements</a:t>
-            </a:r>
-          </a:p>
-          <a:p>
-            <a:endParaRPr lang="en-US" dirty="0"/>
-          </a:p>
-          <a:p>
-            <a:r>
-              <a:rPr lang="en-US" dirty="0"/>
-              <a:t>Sketch Python data structure, persistent format, and APIs</a:t>
-            </a:r>
-          </a:p>
-          <a:p>
-            <a:endParaRPr lang="en-US" dirty="0"/>
-          </a:p>
-          <a:p>
-            <a:r>
-              <a:rPr lang="en-US" dirty="0"/>
-              <a:t>Construct synthetic “Mascot” app to flex data structures and performance</a:t>
-            </a:r>
-          </a:p>
-          <a:p>
-            <a:endParaRPr lang="en-US" dirty="0"/>
-          </a:p>
-          <a:p>
-            <a:r>
-              <a:rPr lang="en-US" dirty="0"/>
-              <a:t>Iterate to maintain compatibility with other Braid products and FAIR conventions</a:t>
-            </a:r>
-          </a:p>
-          <a:p>
-            <a:endParaRPr lang="en-US" dirty="0"/>
-          </a:p>
-          <a:p>
-            <a:r>
-              <a:rPr lang="en-US" dirty="0"/>
-              <a:t>Investigate efficient representations of versioned ML state </a:t>
-            </a:r>
-          </a:p>
-          <a:p>
-            <a:endParaRPr lang="en-US" dirty="0"/>
-          </a:p>
-          <a:p>
-            <a:r>
-              <a:rPr lang="en-US" dirty="0"/>
-              <a:t>Achieve target performance metrics (33 records/second, 20M records/week)</a:t>
-            </a:r>
-          </a:p>
-          <a:p>
-            <a:endParaRPr lang="en-US" dirty="0"/>
-          </a:p>
-          <a:p>
-            <a:r>
-              <a:rPr lang="en-US" dirty="0"/>
-              <a:t>Circle back to key apps for validation</a:t>
-            </a:r>
-          </a:p>
-        </p:txBody>
-      </p:sp>
-      <p:sp>
-        <p:nvSpPr>
-          <p:cNvPr id="4" name="Text Placeholder 3"/>
+              <a:t>Embrace automation in how and when to analyze and retain data, and when to alter experimental configuration</a:t>
+            </a:r>
+          </a:p>
+          <a:p>
+            <a:r>
+              <a:rPr lang="en-US" dirty="0"/>
+              <a:t>Automate also the record-keeping so that humans and/or machines can recover how a particular result was obtained</a:t>
+            </a:r>
+          </a:p>
+          <a:p>
+            <a:r>
+              <a:rPr lang="fr-FR" dirty="0" err="1"/>
+              <a:t>When</a:t>
+            </a:r>
+            <a:r>
+              <a:rPr lang="fr-FR" dirty="0"/>
+              <a:t> </a:t>
+            </a:r>
+            <a:r>
+              <a:rPr lang="fr-FR" dirty="0" err="1"/>
+              <a:t>failures</a:t>
+            </a:r>
+            <a:r>
+              <a:rPr lang="fr-FR" dirty="0"/>
+              <a:t> </a:t>
+            </a:r>
+            <a:r>
+              <a:rPr lang="fr-FR" dirty="0" err="1"/>
+              <a:t>occur</a:t>
+            </a:r>
+            <a:r>
+              <a:rPr lang="fr-FR" dirty="0"/>
+              <a:t>, diagnose causes, enable </a:t>
+            </a:r>
+            <a:r>
+              <a:rPr lang="fr-FR" dirty="0" err="1"/>
+              <a:t>rapid</a:t>
+            </a:r>
+            <a:r>
+              <a:rPr lang="fr-FR" dirty="0"/>
+              <a:t> restart</a:t>
+            </a:r>
+          </a:p>
+          <a:p>
+            <a:r>
+              <a:rPr lang="en-US" dirty="0"/>
+              <a:t>Develop recursive and versioned provenance structures:</a:t>
+            </a:r>
+          </a:p>
+          <a:p>
+            <a:pPr lvl="1"/>
+            <a:r>
+              <a:rPr lang="en-US" dirty="0"/>
+              <a:t>Models may be constructed via other models (estimates, surrogates)</a:t>
+            </a:r>
+          </a:p>
+          <a:p>
+            <a:pPr lvl="1"/>
+            <a:r>
+              <a:rPr lang="en-US" dirty="0"/>
+              <a:t>Models are constantly updated (track past decisions and allow updates)</a:t>
+            </a:r>
+          </a:p>
+          <a:p>
+            <a:r>
+              <a:rPr lang="en-US" dirty="0"/>
+              <a:t>Enable runs at scale: CANDLE reference example:</a:t>
+            </a:r>
+          </a:p>
+          <a:p>
+            <a:pPr lvl="1"/>
+            <a:r>
+              <a:rPr lang="en-US" dirty="0"/>
+              <a:t>One training epoch is completed per node every five minutes. </a:t>
+            </a:r>
+          </a:p>
+          <a:p>
+            <a:pPr lvl="1"/>
+            <a:r>
+              <a:rPr lang="en-US" dirty="0"/>
+              <a:t>On an </a:t>
+            </a:r>
+            <a:r>
+              <a:rPr lang="en-US" dirty="0" err="1"/>
+              <a:t>exascale</a:t>
+            </a:r>
+            <a:r>
+              <a:rPr lang="en-US" dirty="0"/>
+              <a:t> system of 10K nodes, that is 33 records/second</a:t>
+            </a:r>
+          </a:p>
+          <a:p>
+            <a:pPr lvl="1"/>
+            <a:r>
+              <a:rPr lang="en-US" dirty="0"/>
+              <a:t>Ensure capacity for a week’s worth of experimental data collection</a:t>
+            </a:r>
+          </a:p>
+          <a:p>
+            <a:r>
+              <a:rPr lang="en-US" dirty="0"/>
+              <a:t>Be comprehensive: capture data transformations through to publication</a:t>
+            </a:r>
+          </a:p>
+          <a:p>
+            <a:r>
+              <a:rPr lang="en-US" dirty="0"/>
+              <a:t>Build toward defensible automated </a:t>
+            </a:r>
+            <a:r>
+              <a:rPr lang="en-US" i="1" dirty="0"/>
+              <a:t>statements</a:t>
+            </a:r>
+            <a:r>
+              <a:rPr lang="en-US" dirty="0"/>
+              <a:t>: tools for AI science</a:t>
+            </a:r>
+          </a:p>
+        </p:txBody>
+      </p:sp>
+      <p:sp>
+        <p:nvSpPr>
+          <p:cNvPr id="4" name="Text Placeholder 3">
+            <a:extLst>
+              <a:ext uri="{FF2B5EF4-FFF2-40B4-BE49-F238E27FC236}">
+                <a16:creationId xmlns:a16="http://schemas.microsoft.com/office/drawing/2014/main" id="{39C9F269-869E-4FC6-8D55-7710FC2FCC05}"/>
+              </a:ext>
+            </a:extLst>
+          </p:cNvPr>
           <p:cNvSpPr>
             <a:spLocks noGrp="1"/>
           </p:cNvSpPr>
@@ -14124,13 +14226,22 @@
           <a:bodyPr/>
           <a:lstStyle/>
           <a:p>
-            <a:endParaRPr lang="en-US" dirty="0"/>
-          </a:p>
-        </p:txBody>
-      </p:sp>
-      <p:sp>
-        <p:nvSpPr>
-          <p:cNvPr id="5" name="Slide Number Placeholder 4"/>
+            <a:r>
+              <a:rPr lang="en-US" dirty="0"/>
+              <a:t>Accelerate interpretable ML-driven science</a:t>
+            </a:r>
+          </a:p>
+        </p:txBody>
+      </p:sp>
+      <p:sp>
+        <p:nvSpPr>
+          <p:cNvPr id="5" name="Slide Number Placeholder 4">
+            <a:extLst>
+              <a:ext uri="{FF2B5EF4-FFF2-40B4-BE49-F238E27FC236}">
+                <a16:creationId xmlns:a16="http://schemas.microsoft.com/office/drawing/2014/main" id="{7657A2CA-4E7A-43B1-A899-D925FD4FB2E0}"/>
+              </a:ext>
+            </a:extLst>
+          </p:cNvPr>
           <p:cNvSpPr>
             <a:spLocks noGrp="1"/>
           </p:cNvSpPr>
@@ -14147,6 +14258,1262 @@
               <a:rPr lang="en-US" smtClean="0"/>
               <a:pPr/>
               <a:t>4</a:t>
+            </a:fld>
+            <a:endParaRPr lang="en-US" dirty="0"/>
+          </a:p>
+        </p:txBody>
+      </p:sp>
+    </p:spTree>
+    <p:extLst>
+      <p:ext uri="{BB962C8B-B14F-4D97-AF65-F5344CB8AC3E}">
+        <p14:creationId xmlns:p14="http://schemas.microsoft.com/office/powerpoint/2010/main" val="1452834671"/>
+      </p:ext>
+    </p:extLst>
+  </p:cSld>
+  <p:clrMapOvr>
+    <a:masterClrMapping/>
+  </p:clrMapOvr>
+  <mc:AlternateContent xmlns:mc="http://schemas.openxmlformats.org/markup-compatibility/2006" xmlns:p14="http://schemas.microsoft.com/office/powerpoint/2010/main">
+    <mc:Choice Requires="p14">
+      <p:transition p14:dur="250">
+        <p:fade/>
+      </p:transition>
+    </mc:Choice>
+    <mc:Fallback xmlns="">
+      <p:transition>
+        <p:fade/>
+      </p:transition>
+    </mc:Fallback>
+  </mc:AlternateContent>
+</p:sld>
+</file>
+
+<file path=ppt/slides/slide5.xml><?xml version="1.0" encoding="utf-8"?>
+<p:sld xmlns:a="http://schemas.openxmlformats.org/drawingml/2006/main" xmlns:r="http://schemas.openxmlformats.org/officeDocument/2006/relationships" xmlns:p="http://schemas.openxmlformats.org/presentationml/2006/main">
+  <p:cSld>
+    <p:spTree>
+      <p:nvGrpSpPr>
+        <p:cNvPr id="1" name=""/>
+        <p:cNvGrpSpPr/>
+        <p:nvPr/>
+      </p:nvGrpSpPr>
+      <p:grpSpPr>
+        <a:xfrm>
+          <a:off x="0" y="0"/>
+          <a:ext cx="0" cy="0"/>
+          <a:chOff x="0" y="0"/>
+          <a:chExt cx="0" cy="0"/>
+        </a:xfrm>
+      </p:grpSpPr>
+      <p:sp>
+        <p:nvSpPr>
+          <p:cNvPr id="2" name="Title 1">
+            <a:extLst>
+              <a:ext uri="{FF2B5EF4-FFF2-40B4-BE49-F238E27FC236}">
+                <a16:creationId xmlns:a16="http://schemas.microsoft.com/office/drawing/2014/main" id="{974F2C5B-BC36-46E0-9C0F-FA561B73A866}"/>
+              </a:ext>
+            </a:extLst>
+          </p:cNvPr>
+          <p:cNvSpPr>
+            <a:spLocks noGrp="1"/>
+          </p:cNvSpPr>
+          <p:nvPr>
+            <p:ph type="title"/>
+          </p:nvPr>
+        </p:nvSpPr>
+        <p:spPr/>
+        <p:txBody>
+          <a:bodyPr/>
+          <a:lstStyle/>
+          <a:p>
+            <a:r>
+              <a:rPr lang="en-US" dirty="0"/>
+              <a:t>BRAID-DB Concepts</a:t>
+            </a:r>
+          </a:p>
+        </p:txBody>
+      </p:sp>
+      <p:sp>
+        <p:nvSpPr>
+          <p:cNvPr id="3" name="Content Placeholder 2">
+            <a:extLst>
+              <a:ext uri="{FF2B5EF4-FFF2-40B4-BE49-F238E27FC236}">
+                <a16:creationId xmlns:a16="http://schemas.microsoft.com/office/drawing/2014/main" id="{4D529137-5BDA-422A-9E12-98DCF4FC9033}"/>
+              </a:ext>
+            </a:extLst>
+          </p:cNvPr>
+          <p:cNvSpPr>
+            <a:spLocks noGrp="1"/>
+          </p:cNvSpPr>
+          <p:nvPr>
+            <p:ph idx="1"/>
+          </p:nvPr>
+        </p:nvSpPr>
+        <p:spPr/>
+        <p:txBody>
+          <a:bodyPr/>
+          <a:lstStyle/>
+          <a:p>
+            <a:r>
+              <a:rPr lang="en-US" dirty="0"/>
+              <a:t>Approach: mix and match concepts from the provenance literature with popular version control concepts to provide a robust and usable solution</a:t>
+            </a:r>
+          </a:p>
+          <a:p>
+            <a:endParaRPr lang="en-US" dirty="0"/>
+          </a:p>
+          <a:p>
+            <a:r>
+              <a:rPr lang="en-US" dirty="0"/>
+              <a:t>Developing small SQL database with high-level Python API</a:t>
+            </a:r>
+          </a:p>
+          <a:p>
+            <a:endParaRPr lang="en-US" dirty="0"/>
+          </a:p>
+          <a:p>
+            <a:r>
+              <a:rPr lang="en-US" dirty="0"/>
+              <a:t>Braid data types:</a:t>
+            </a:r>
+          </a:p>
+          <a:p>
+            <a:pPr lvl="1"/>
+            <a:r>
+              <a:rPr lang="en-US" dirty="0"/>
+              <a:t>Facts: External, static data.  E.g., reference data, software</a:t>
+            </a:r>
+          </a:p>
+          <a:p>
+            <a:pPr lvl="1"/>
+            <a:r>
+              <a:rPr lang="en-US" dirty="0"/>
+              <a:t>Records: Data produced by Braid-visible processes</a:t>
+            </a:r>
+          </a:p>
+          <a:p>
+            <a:pPr lvl="1"/>
+            <a:r>
+              <a:rPr lang="en-US" dirty="0"/>
+              <a:t>Models: Versioned objects that depend on Facts, Records, and other Models</a:t>
+            </a:r>
+          </a:p>
+          <a:p>
+            <a:pPr lvl="1"/>
+            <a:r>
+              <a:rPr lang="en-US" dirty="0"/>
+              <a:t>Statements: Externally visible inferences and predictions</a:t>
+            </a:r>
+          </a:p>
+          <a:p>
+            <a:pPr lvl="1"/>
+            <a:endParaRPr lang="en-US" dirty="0"/>
+          </a:p>
+          <a:p>
+            <a:r>
+              <a:rPr lang="en-US" dirty="0"/>
+              <a:t>Plan to keep core data structures simple, while offering interfaces and interoperation for local, wide area, and HPC infrastructures</a:t>
+            </a:r>
+          </a:p>
+          <a:p>
+            <a:endParaRPr lang="en-US" dirty="0"/>
+          </a:p>
+        </p:txBody>
+      </p:sp>
+      <p:sp>
+        <p:nvSpPr>
+          <p:cNvPr id="4" name="Text Placeholder 3">
+            <a:extLst>
+              <a:ext uri="{FF2B5EF4-FFF2-40B4-BE49-F238E27FC236}">
+                <a16:creationId xmlns:a16="http://schemas.microsoft.com/office/drawing/2014/main" id="{96787E16-4B76-4F3D-8AAC-6A7299DCB547}"/>
+              </a:ext>
+            </a:extLst>
+          </p:cNvPr>
+          <p:cNvSpPr>
+            <a:spLocks noGrp="1"/>
+          </p:cNvSpPr>
+          <p:nvPr>
+            <p:ph type="body" sz="quarter" idx="12"/>
+          </p:nvPr>
+        </p:nvSpPr>
+        <p:spPr/>
+        <p:txBody>
+          <a:bodyPr/>
+          <a:lstStyle/>
+          <a:p>
+            <a:endParaRPr lang="en-US" dirty="0"/>
+          </a:p>
+        </p:txBody>
+      </p:sp>
+      <p:sp>
+        <p:nvSpPr>
+          <p:cNvPr id="5" name="Slide Number Placeholder 4">
+            <a:extLst>
+              <a:ext uri="{FF2B5EF4-FFF2-40B4-BE49-F238E27FC236}">
+                <a16:creationId xmlns:a16="http://schemas.microsoft.com/office/drawing/2014/main" id="{74ECD26B-7CDA-4A2E-B760-1FBCDB6C6523}"/>
+              </a:ext>
+            </a:extLst>
+          </p:cNvPr>
+          <p:cNvSpPr>
+            <a:spLocks noGrp="1"/>
+          </p:cNvSpPr>
+          <p:nvPr>
+            <p:ph type="sldNum" sz="quarter" idx="13"/>
+          </p:nvPr>
+        </p:nvSpPr>
+        <p:spPr/>
+        <p:txBody>
+          <a:bodyPr/>
+          <a:lstStyle/>
+          <a:p>
+            <a:fld id="{AEFAAC5A-9C4F-4278-920D-DF2BAB595749}" type="slidenum">
+              <a:rPr lang="en-US" smtClean="0"/>
+              <a:pPr/>
+              <a:t>5</a:t>
+            </a:fld>
+            <a:endParaRPr lang="en-US" dirty="0"/>
+          </a:p>
+        </p:txBody>
+      </p:sp>
+    </p:spTree>
+    <p:extLst>
+      <p:ext uri="{BB962C8B-B14F-4D97-AF65-F5344CB8AC3E}">
+        <p14:creationId xmlns:p14="http://schemas.microsoft.com/office/powerpoint/2010/main" val="469336396"/>
+      </p:ext>
+    </p:extLst>
+  </p:cSld>
+  <p:clrMapOvr>
+    <a:masterClrMapping/>
+  </p:clrMapOvr>
+  <mc:AlternateContent xmlns:mc="http://schemas.openxmlformats.org/markup-compatibility/2006" xmlns:p14="http://schemas.microsoft.com/office/powerpoint/2010/main">
+    <mc:Choice Requires="p14">
+      <p:transition p14:dur="250">
+        <p:fade/>
+      </p:transition>
+    </mc:Choice>
+    <mc:Fallback xmlns="">
+      <p:transition>
+        <p:fade/>
+      </p:transition>
+    </mc:Fallback>
+  </mc:AlternateContent>
+</p:sld>
+</file>
+
+<file path=ppt/slides/slide6.xml><?xml version="1.0" encoding="utf-8"?>
+<p:sld xmlns:a="http://schemas.openxmlformats.org/drawingml/2006/main" xmlns:r="http://schemas.openxmlformats.org/officeDocument/2006/relationships" xmlns:p="http://schemas.openxmlformats.org/presentationml/2006/main">
+  <p:cSld>
+    <p:spTree>
+      <p:nvGrpSpPr>
+        <p:cNvPr id="1" name=""/>
+        <p:cNvGrpSpPr/>
+        <p:nvPr/>
+      </p:nvGrpSpPr>
+      <p:grpSpPr>
+        <a:xfrm>
+          <a:off x="0" y="0"/>
+          <a:ext cx="0" cy="0"/>
+          <a:chOff x="0" y="0"/>
+          <a:chExt cx="0" cy="0"/>
+        </a:xfrm>
+      </p:grpSpPr>
+      <p:sp>
+        <p:nvSpPr>
+          <p:cNvPr id="11" name="Rectangle: Rounded Corners 10">
+            <a:extLst>
+              <a:ext uri="{FF2B5EF4-FFF2-40B4-BE49-F238E27FC236}">
+                <a16:creationId xmlns:a16="http://schemas.microsoft.com/office/drawing/2014/main" id="{441F032C-C5DC-4850-9360-D91BDA89E422}"/>
+              </a:ext>
+            </a:extLst>
+          </p:cNvPr>
+          <p:cNvSpPr/>
+          <p:nvPr/>
+        </p:nvSpPr>
+        <p:spPr>
+          <a:xfrm>
+            <a:off x="457201" y="3642540"/>
+            <a:ext cx="2330388" cy="821081"/>
+          </a:xfrm>
+          <a:prstGeom prst="roundRect">
+            <a:avLst/>
+          </a:prstGeom>
+          <a:solidFill>
+            <a:schemeClr val="tx2"/>
+          </a:solidFill>
+          <a:ln>
+            <a:solidFill>
+              <a:schemeClr val="tx2">
+                <a:lumMod val="50000"/>
+              </a:schemeClr>
+            </a:solidFill>
+          </a:ln>
+          <a:effectLst>
+            <a:outerShdw blurRad="50800" dist="38100" dir="2700000" algn="tl" rotWithShape="0">
+              <a:prstClr val="black">
+                <a:alpha val="40000"/>
+              </a:prstClr>
+            </a:outerShdw>
+          </a:effectLst>
+        </p:spPr>
+        <p:style>
+          <a:lnRef idx="1">
+            <a:schemeClr val="accent1"/>
+          </a:lnRef>
+          <a:fillRef idx="3">
+            <a:schemeClr val="accent1"/>
+          </a:fillRef>
+          <a:effectRef idx="2">
+            <a:schemeClr val="accent1"/>
+          </a:effectRef>
+          <a:fontRef idx="minor">
+            <a:schemeClr val="lt1"/>
+          </a:fontRef>
+        </p:style>
+        <p:txBody>
+          <a:bodyPr rtlCol="0" anchor="ctr"/>
+          <a:lstStyle/>
+          <a:p>
+            <a:pPr algn="ctr"/>
+            <a:endParaRPr lang="en-US" dirty="0"/>
+          </a:p>
+        </p:txBody>
+      </p:sp>
+      <p:sp>
+        <p:nvSpPr>
+          <p:cNvPr id="2" name="Title 1">
+            <a:extLst>
+              <a:ext uri="{FF2B5EF4-FFF2-40B4-BE49-F238E27FC236}">
+                <a16:creationId xmlns:a16="http://schemas.microsoft.com/office/drawing/2014/main" id="{534A75B4-866C-488A-A5B4-1C901C519B5B}"/>
+              </a:ext>
+            </a:extLst>
+          </p:cNvPr>
+          <p:cNvSpPr>
+            <a:spLocks noGrp="1"/>
+          </p:cNvSpPr>
+          <p:nvPr>
+            <p:ph type="title"/>
+          </p:nvPr>
+        </p:nvSpPr>
+        <p:spPr/>
+        <p:txBody>
+          <a:bodyPr/>
+          <a:lstStyle/>
+          <a:p>
+            <a:r>
+              <a:rPr lang="en-US" dirty="0"/>
+              <a:t>Braid provenance prototype</a:t>
+            </a:r>
+          </a:p>
+        </p:txBody>
+      </p:sp>
+      <p:sp>
+        <p:nvSpPr>
+          <p:cNvPr id="3" name="Content Placeholder 2">
+            <a:extLst>
+              <a:ext uri="{FF2B5EF4-FFF2-40B4-BE49-F238E27FC236}">
+                <a16:creationId xmlns:a16="http://schemas.microsoft.com/office/drawing/2014/main" id="{9A5E5FFC-2AE0-45F6-8507-2F2AE65BDD3B}"/>
+              </a:ext>
+            </a:extLst>
+          </p:cNvPr>
+          <p:cNvSpPr>
+            <a:spLocks noGrp="1"/>
+          </p:cNvSpPr>
+          <p:nvPr>
+            <p:ph idx="1"/>
+          </p:nvPr>
+        </p:nvSpPr>
+        <p:spPr>
+          <a:xfrm>
+            <a:off x="457200" y="1699996"/>
+            <a:ext cx="8372901" cy="1646372"/>
+          </a:xfrm>
+        </p:spPr>
+        <p:txBody>
+          <a:bodyPr/>
+          <a:lstStyle/>
+          <a:p>
+            <a:r>
+              <a:rPr lang="en-US" dirty="0"/>
+              <a:t>Simple client/server model for initial evaluation and requirements testing</a:t>
+            </a:r>
+          </a:p>
+          <a:p>
+            <a:r>
+              <a:rPr lang="en-US" dirty="0"/>
+              <a:t>Usable on one site at a time with import/merge tools for multi-site cases</a:t>
+            </a:r>
+          </a:p>
+          <a:p>
+            <a:r>
+              <a:rPr lang="en-US" dirty="0"/>
+              <a:t>Abstraction over Postgres/SQLite as needed for site restrictions</a:t>
+            </a:r>
+          </a:p>
+          <a:p>
+            <a:r>
+              <a:rPr lang="en-US" dirty="0"/>
+              <a:t>Provide API that can be integrated into workflow frameworks or called directly</a:t>
+            </a:r>
+          </a:p>
+        </p:txBody>
+      </p:sp>
+      <p:sp>
+        <p:nvSpPr>
+          <p:cNvPr id="4" name="Text Placeholder 3">
+            <a:extLst>
+              <a:ext uri="{FF2B5EF4-FFF2-40B4-BE49-F238E27FC236}">
+                <a16:creationId xmlns:a16="http://schemas.microsoft.com/office/drawing/2014/main" id="{691C20A0-DBED-4B8A-A26C-DDFBDC0E1DEC}"/>
+              </a:ext>
+            </a:extLst>
+          </p:cNvPr>
+          <p:cNvSpPr>
+            <a:spLocks noGrp="1"/>
+          </p:cNvSpPr>
+          <p:nvPr>
+            <p:ph type="body" sz="quarter" idx="12"/>
+          </p:nvPr>
+        </p:nvSpPr>
+        <p:spPr/>
+        <p:txBody>
+          <a:bodyPr/>
+          <a:lstStyle/>
+          <a:p>
+            <a:r>
+              <a:rPr lang="en-US" dirty="0"/>
+              <a:t>Prototype Python/SQL implementation for initial tests</a:t>
+            </a:r>
+          </a:p>
+        </p:txBody>
+      </p:sp>
+      <p:sp>
+        <p:nvSpPr>
+          <p:cNvPr id="5" name="Slide Number Placeholder 4">
+            <a:extLst>
+              <a:ext uri="{FF2B5EF4-FFF2-40B4-BE49-F238E27FC236}">
+                <a16:creationId xmlns:a16="http://schemas.microsoft.com/office/drawing/2014/main" id="{4B532A66-D3E8-4A95-847E-C49714F0A866}"/>
+              </a:ext>
+            </a:extLst>
+          </p:cNvPr>
+          <p:cNvSpPr>
+            <a:spLocks noGrp="1"/>
+          </p:cNvSpPr>
+          <p:nvPr>
+            <p:ph type="sldNum" sz="quarter" idx="13"/>
+          </p:nvPr>
+        </p:nvSpPr>
+        <p:spPr/>
+        <p:txBody>
+          <a:bodyPr/>
+          <a:lstStyle/>
+          <a:p>
+            <a:fld id="{AEFAAC5A-9C4F-4278-920D-DF2BAB595749}" type="slidenum">
+              <a:rPr lang="en-US" smtClean="0"/>
+              <a:pPr/>
+              <a:t>6</a:t>
+            </a:fld>
+            <a:endParaRPr lang="en-US" dirty="0"/>
+          </a:p>
+        </p:txBody>
+      </p:sp>
+      <p:sp>
+        <p:nvSpPr>
+          <p:cNvPr id="6" name="Rectangle: Rounded Corners 5">
+            <a:extLst>
+              <a:ext uri="{FF2B5EF4-FFF2-40B4-BE49-F238E27FC236}">
+                <a16:creationId xmlns:a16="http://schemas.microsoft.com/office/drawing/2014/main" id="{DC27C061-530B-4EDD-BEF5-488549CA3DF6}"/>
+              </a:ext>
+            </a:extLst>
+          </p:cNvPr>
+          <p:cNvSpPr/>
+          <p:nvPr/>
+        </p:nvSpPr>
+        <p:spPr>
+          <a:xfrm>
+            <a:off x="457200" y="3429000"/>
+            <a:ext cx="8372900" cy="499715"/>
+          </a:xfrm>
+          <a:prstGeom prst="roundRect">
+            <a:avLst/>
+          </a:prstGeom>
+          <a:solidFill>
+            <a:schemeClr val="tx2"/>
+          </a:solidFill>
+          <a:ln>
+            <a:solidFill>
+              <a:schemeClr val="tx2">
+                <a:lumMod val="50000"/>
+              </a:schemeClr>
+            </a:solidFill>
+          </a:ln>
+          <a:effectLst>
+            <a:outerShdw blurRad="50800" dist="38100" dir="2700000" algn="tl" rotWithShape="0">
+              <a:prstClr val="black">
+                <a:alpha val="40000"/>
+              </a:prstClr>
+            </a:outerShdw>
+          </a:effectLst>
+        </p:spPr>
+        <p:style>
+          <a:lnRef idx="1">
+            <a:schemeClr val="accent1"/>
+          </a:lnRef>
+          <a:fillRef idx="3">
+            <a:schemeClr val="accent1"/>
+          </a:fillRef>
+          <a:effectRef idx="2">
+            <a:schemeClr val="accent1"/>
+          </a:effectRef>
+          <a:fontRef idx="minor">
+            <a:schemeClr val="lt1"/>
+          </a:fontRef>
+        </p:style>
+        <p:txBody>
+          <a:bodyPr rtlCol="0" anchor="ctr"/>
+          <a:lstStyle/>
+          <a:p>
+            <a:pPr algn="ctr"/>
+            <a:r>
+              <a:rPr lang="en-US" dirty="0"/>
+              <a:t>Applications and/or workflow systems</a:t>
+            </a:r>
+          </a:p>
+        </p:txBody>
+      </p:sp>
+      <p:sp>
+        <p:nvSpPr>
+          <p:cNvPr id="7" name="Rectangle: Rounded Corners 6">
+            <a:extLst>
+              <a:ext uri="{FF2B5EF4-FFF2-40B4-BE49-F238E27FC236}">
+                <a16:creationId xmlns:a16="http://schemas.microsoft.com/office/drawing/2014/main" id="{C50183BE-7E77-4B5A-84A7-0901AFC6B53E}"/>
+              </a:ext>
+            </a:extLst>
+          </p:cNvPr>
+          <p:cNvSpPr/>
+          <p:nvPr/>
+        </p:nvSpPr>
+        <p:spPr>
+          <a:xfrm>
+            <a:off x="457200" y="4564559"/>
+            <a:ext cx="8372900" cy="499715"/>
+          </a:xfrm>
+          <a:prstGeom prst="roundRect">
+            <a:avLst/>
+          </a:prstGeom>
+          <a:solidFill>
+            <a:schemeClr val="tx2"/>
+          </a:solidFill>
+          <a:ln>
+            <a:solidFill>
+              <a:schemeClr val="tx2">
+                <a:lumMod val="50000"/>
+              </a:schemeClr>
+            </a:solidFill>
+          </a:ln>
+          <a:effectLst>
+            <a:outerShdw blurRad="50800" dist="38100" dir="2700000" algn="tl" rotWithShape="0">
+              <a:prstClr val="black">
+                <a:alpha val="40000"/>
+              </a:prstClr>
+            </a:outerShdw>
+          </a:effectLst>
+        </p:spPr>
+        <p:style>
+          <a:lnRef idx="1">
+            <a:schemeClr val="accent1"/>
+          </a:lnRef>
+          <a:fillRef idx="3">
+            <a:schemeClr val="accent1"/>
+          </a:fillRef>
+          <a:effectRef idx="2">
+            <a:schemeClr val="accent1"/>
+          </a:effectRef>
+          <a:fontRef idx="minor">
+            <a:schemeClr val="lt1"/>
+          </a:fontRef>
+        </p:style>
+        <p:txBody>
+          <a:bodyPr rtlCol="0" anchor="ctr"/>
+          <a:lstStyle/>
+          <a:p>
+            <a:pPr algn="ctr"/>
+            <a:r>
+              <a:rPr lang="en-US" dirty="0"/>
+              <a:t>Recursive, versioned model record structures</a:t>
+            </a:r>
+          </a:p>
+        </p:txBody>
+      </p:sp>
+      <p:sp>
+        <p:nvSpPr>
+          <p:cNvPr id="8" name="Rectangle: Rounded Corners 7">
+            <a:extLst>
+              <a:ext uri="{FF2B5EF4-FFF2-40B4-BE49-F238E27FC236}">
+                <a16:creationId xmlns:a16="http://schemas.microsoft.com/office/drawing/2014/main" id="{A9C00DD1-FDD2-4761-A30D-4D8A98AFCFEB}"/>
+              </a:ext>
+            </a:extLst>
+          </p:cNvPr>
+          <p:cNvSpPr/>
+          <p:nvPr/>
+        </p:nvSpPr>
+        <p:spPr>
+          <a:xfrm>
+            <a:off x="457200" y="5146907"/>
+            <a:ext cx="8372900" cy="499715"/>
+          </a:xfrm>
+          <a:prstGeom prst="roundRect">
+            <a:avLst/>
+          </a:prstGeom>
+          <a:solidFill>
+            <a:schemeClr val="tx2"/>
+          </a:solidFill>
+          <a:ln>
+            <a:solidFill>
+              <a:schemeClr val="tx2">
+                <a:lumMod val="50000"/>
+              </a:schemeClr>
+            </a:solidFill>
+          </a:ln>
+          <a:effectLst>
+            <a:outerShdw blurRad="50800" dist="38100" dir="2700000" algn="tl" rotWithShape="0">
+              <a:prstClr val="black">
+                <a:alpha val="40000"/>
+              </a:prstClr>
+            </a:outerShdw>
+          </a:effectLst>
+        </p:spPr>
+        <p:style>
+          <a:lnRef idx="1">
+            <a:schemeClr val="accent1"/>
+          </a:lnRef>
+          <a:fillRef idx="3">
+            <a:schemeClr val="accent1"/>
+          </a:fillRef>
+          <a:effectRef idx="2">
+            <a:schemeClr val="accent1"/>
+          </a:effectRef>
+          <a:fontRef idx="minor">
+            <a:schemeClr val="lt1"/>
+          </a:fontRef>
+        </p:style>
+        <p:txBody>
+          <a:bodyPr rtlCol="0" anchor="ctr"/>
+          <a:lstStyle/>
+          <a:p>
+            <a:pPr algn="ctr"/>
+            <a:r>
+              <a:rPr lang="en-US" dirty="0"/>
+              <a:t>Data storage model</a:t>
+            </a:r>
+          </a:p>
+        </p:txBody>
+      </p:sp>
+      <p:sp>
+        <p:nvSpPr>
+          <p:cNvPr id="9" name="Rectangle: Rounded Corners 8">
+            <a:extLst>
+              <a:ext uri="{FF2B5EF4-FFF2-40B4-BE49-F238E27FC236}">
+                <a16:creationId xmlns:a16="http://schemas.microsoft.com/office/drawing/2014/main" id="{8162E1CB-D3F9-4EFE-927B-9A0F82D0B0FB}"/>
+              </a:ext>
+            </a:extLst>
+          </p:cNvPr>
+          <p:cNvSpPr/>
+          <p:nvPr/>
+        </p:nvSpPr>
+        <p:spPr>
+          <a:xfrm>
+            <a:off x="2851951" y="3972900"/>
+            <a:ext cx="2982897" cy="499715"/>
+          </a:xfrm>
+          <a:prstGeom prst="roundRect">
+            <a:avLst/>
+          </a:prstGeom>
+          <a:solidFill>
+            <a:schemeClr val="tx2"/>
+          </a:solidFill>
+          <a:ln>
+            <a:solidFill>
+              <a:schemeClr val="tx2">
+                <a:lumMod val="50000"/>
+              </a:schemeClr>
+            </a:solidFill>
+          </a:ln>
+          <a:effectLst>
+            <a:outerShdw blurRad="50800" dist="38100" dir="2700000" algn="tl" rotWithShape="0">
+              <a:prstClr val="black">
+                <a:alpha val="40000"/>
+              </a:prstClr>
+            </a:outerShdw>
+          </a:effectLst>
+        </p:spPr>
+        <p:style>
+          <a:lnRef idx="1">
+            <a:schemeClr val="accent1"/>
+          </a:lnRef>
+          <a:fillRef idx="3">
+            <a:schemeClr val="accent1"/>
+          </a:fillRef>
+          <a:effectRef idx="2">
+            <a:schemeClr val="accent1"/>
+          </a:effectRef>
+          <a:fontRef idx="minor">
+            <a:schemeClr val="lt1"/>
+          </a:fontRef>
+        </p:style>
+        <p:txBody>
+          <a:bodyPr rtlCol="0" anchor="ctr"/>
+          <a:lstStyle/>
+          <a:p>
+            <a:pPr algn="ctr"/>
+            <a:r>
+              <a:rPr lang="en-US" dirty="0"/>
+              <a:t>Optional HPC cache</a:t>
+            </a:r>
+          </a:p>
+        </p:txBody>
+      </p:sp>
+      <p:sp>
+        <p:nvSpPr>
+          <p:cNvPr id="10" name="Rectangle: Rounded Corners 9">
+            <a:extLst>
+              <a:ext uri="{FF2B5EF4-FFF2-40B4-BE49-F238E27FC236}">
+                <a16:creationId xmlns:a16="http://schemas.microsoft.com/office/drawing/2014/main" id="{1E682F49-F9E9-46DA-BFC9-B4C432C2DFAB}"/>
+              </a:ext>
+            </a:extLst>
+          </p:cNvPr>
+          <p:cNvSpPr/>
+          <p:nvPr/>
+        </p:nvSpPr>
+        <p:spPr>
+          <a:xfrm>
+            <a:off x="457200" y="5737056"/>
+            <a:ext cx="2791438" cy="499715"/>
+          </a:xfrm>
+          <a:prstGeom prst="roundRect">
+            <a:avLst/>
+          </a:prstGeom>
+          <a:solidFill>
+            <a:schemeClr val="tx2"/>
+          </a:solidFill>
+          <a:ln>
+            <a:solidFill>
+              <a:schemeClr val="tx2">
+                <a:lumMod val="50000"/>
+              </a:schemeClr>
+            </a:solidFill>
+          </a:ln>
+          <a:effectLst>
+            <a:outerShdw blurRad="50800" dist="38100" dir="2700000" algn="tl" rotWithShape="0">
+              <a:prstClr val="black">
+                <a:alpha val="40000"/>
+              </a:prstClr>
+            </a:outerShdw>
+          </a:effectLst>
+        </p:spPr>
+        <p:style>
+          <a:lnRef idx="1">
+            <a:schemeClr val="accent1"/>
+          </a:lnRef>
+          <a:fillRef idx="3">
+            <a:schemeClr val="accent1"/>
+          </a:fillRef>
+          <a:effectRef idx="2">
+            <a:schemeClr val="accent1"/>
+          </a:effectRef>
+          <a:fontRef idx="minor">
+            <a:schemeClr val="lt1"/>
+          </a:fontRef>
+        </p:style>
+        <p:txBody>
+          <a:bodyPr rtlCol="0" anchor="ctr"/>
+          <a:lstStyle/>
+          <a:p>
+            <a:pPr algn="ctr"/>
+            <a:r>
+              <a:rPr lang="en-US" dirty="0"/>
+              <a:t>Postgres</a:t>
+            </a:r>
+          </a:p>
+        </p:txBody>
+      </p:sp>
+      <p:sp>
+        <p:nvSpPr>
+          <p:cNvPr id="12" name="Rectangle 11">
+            <a:extLst>
+              <a:ext uri="{FF2B5EF4-FFF2-40B4-BE49-F238E27FC236}">
+                <a16:creationId xmlns:a16="http://schemas.microsoft.com/office/drawing/2014/main" id="{BE78FB42-EF18-4031-900E-44B759BE7E20}"/>
+              </a:ext>
+            </a:extLst>
+          </p:cNvPr>
+          <p:cNvSpPr/>
+          <p:nvPr/>
+        </p:nvSpPr>
+        <p:spPr>
+          <a:xfrm>
+            <a:off x="-905522" y="1699995"/>
+            <a:ext cx="585926" cy="581566"/>
+          </a:xfrm>
+          <a:prstGeom prst="rect">
+            <a:avLst/>
+          </a:prstGeom>
+          <a:solidFill>
+            <a:schemeClr val="accent1"/>
+          </a:solidFill>
+          <a:effectLst/>
+        </p:spPr>
+        <p:style>
+          <a:lnRef idx="1">
+            <a:schemeClr val="accent1"/>
+          </a:lnRef>
+          <a:fillRef idx="3">
+            <a:schemeClr val="accent1"/>
+          </a:fillRef>
+          <a:effectRef idx="2">
+            <a:schemeClr val="accent1"/>
+          </a:effectRef>
+          <a:fontRef idx="minor">
+            <a:schemeClr val="lt1"/>
+          </a:fontRef>
+        </p:style>
+        <p:txBody>
+          <a:bodyPr rtlCol="0" anchor="ctr"/>
+          <a:lstStyle/>
+          <a:p>
+            <a:pPr algn="ctr"/>
+            <a:endParaRPr lang="en-US"/>
+          </a:p>
+        </p:txBody>
+      </p:sp>
+      <p:sp>
+        <p:nvSpPr>
+          <p:cNvPr id="13" name="Rectangle 12">
+            <a:extLst>
+              <a:ext uri="{FF2B5EF4-FFF2-40B4-BE49-F238E27FC236}">
+                <a16:creationId xmlns:a16="http://schemas.microsoft.com/office/drawing/2014/main" id="{5040D358-081F-4811-BF45-8E06CD5D6DCB}"/>
+              </a:ext>
+            </a:extLst>
+          </p:cNvPr>
+          <p:cNvSpPr/>
+          <p:nvPr/>
+        </p:nvSpPr>
+        <p:spPr>
+          <a:xfrm>
+            <a:off x="490538" y="3835629"/>
+            <a:ext cx="2262187" cy="367561"/>
+          </a:xfrm>
+          <a:prstGeom prst="rect">
+            <a:avLst/>
+          </a:prstGeom>
+          <a:solidFill>
+            <a:schemeClr val="tx2"/>
+          </a:solidFill>
+          <a:ln>
+            <a:noFill/>
+          </a:ln>
+          <a:effectLst/>
+        </p:spPr>
+        <p:style>
+          <a:lnRef idx="1">
+            <a:schemeClr val="accent1"/>
+          </a:lnRef>
+          <a:fillRef idx="3">
+            <a:schemeClr val="accent1"/>
+          </a:fillRef>
+          <a:effectRef idx="2">
+            <a:schemeClr val="accent1"/>
+          </a:effectRef>
+          <a:fontRef idx="minor">
+            <a:schemeClr val="lt1"/>
+          </a:fontRef>
+        </p:style>
+        <p:txBody>
+          <a:bodyPr rot="0" spcFirstLastPara="0" vertOverflow="overflow" horzOverflow="overflow" vert="horz" wrap="square" lIns="91440" tIns="45720" rIns="91440" bIns="45720" numCol="1" spcCol="0" rtlCol="0" fromWordArt="0" anchor="ctr" anchorCtr="0" forceAA="0" compatLnSpc="1">
+            <a:prstTxWarp prst="textNoShape">
+              <a:avLst/>
+            </a:prstTxWarp>
+            <a:noAutofit/>
+          </a:bodyPr>
+          <a:lstStyle/>
+          <a:p>
+            <a:pPr algn="ctr"/>
+            <a:endParaRPr lang="en-US" dirty="0"/>
+          </a:p>
+        </p:txBody>
+      </p:sp>
+      <p:sp>
+        <p:nvSpPr>
+          <p:cNvPr id="14" name="Rectangle: Rounded Corners 13">
+            <a:extLst>
+              <a:ext uri="{FF2B5EF4-FFF2-40B4-BE49-F238E27FC236}">
+                <a16:creationId xmlns:a16="http://schemas.microsoft.com/office/drawing/2014/main" id="{50DBAC30-1094-4D16-9F6E-0D8B79865014}"/>
+              </a:ext>
+            </a:extLst>
+          </p:cNvPr>
+          <p:cNvSpPr/>
+          <p:nvPr/>
+        </p:nvSpPr>
+        <p:spPr>
+          <a:xfrm>
+            <a:off x="5899211" y="3972899"/>
+            <a:ext cx="2930890" cy="499715"/>
+          </a:xfrm>
+          <a:prstGeom prst="roundRect">
+            <a:avLst/>
+          </a:prstGeom>
+          <a:solidFill>
+            <a:schemeClr val="tx2"/>
+          </a:solidFill>
+          <a:ln>
+            <a:solidFill>
+              <a:schemeClr val="tx2">
+                <a:lumMod val="50000"/>
+              </a:schemeClr>
+            </a:solidFill>
+          </a:ln>
+          <a:effectLst>
+            <a:outerShdw blurRad="50800" dist="38100" dir="2700000" algn="tl" rotWithShape="0">
+              <a:prstClr val="black">
+                <a:alpha val="40000"/>
+              </a:prstClr>
+            </a:outerShdw>
+          </a:effectLst>
+        </p:spPr>
+        <p:style>
+          <a:lnRef idx="1">
+            <a:schemeClr val="accent1"/>
+          </a:lnRef>
+          <a:fillRef idx="3">
+            <a:schemeClr val="accent1"/>
+          </a:fillRef>
+          <a:effectRef idx="2">
+            <a:schemeClr val="accent1"/>
+          </a:effectRef>
+          <a:fontRef idx="minor">
+            <a:schemeClr val="lt1"/>
+          </a:fontRef>
+        </p:style>
+        <p:txBody>
+          <a:bodyPr rtlCol="0" anchor="ctr"/>
+          <a:lstStyle/>
+          <a:p>
+            <a:pPr algn="ctr"/>
+            <a:r>
+              <a:rPr lang="en-US" dirty="0"/>
+              <a:t>Import/merge tools</a:t>
+            </a:r>
+          </a:p>
+        </p:txBody>
+      </p:sp>
+      <p:sp>
+        <p:nvSpPr>
+          <p:cNvPr id="15" name="Rectangle: Rounded Corners 14">
+            <a:extLst>
+              <a:ext uri="{FF2B5EF4-FFF2-40B4-BE49-F238E27FC236}">
+                <a16:creationId xmlns:a16="http://schemas.microsoft.com/office/drawing/2014/main" id="{3A08E232-1CA0-4A96-B318-37B12FFF087D}"/>
+              </a:ext>
+            </a:extLst>
+          </p:cNvPr>
+          <p:cNvSpPr/>
+          <p:nvPr/>
+        </p:nvSpPr>
+        <p:spPr>
+          <a:xfrm>
+            <a:off x="3353531" y="5748009"/>
+            <a:ext cx="2580237" cy="499715"/>
+          </a:xfrm>
+          <a:prstGeom prst="roundRect">
+            <a:avLst/>
+          </a:prstGeom>
+          <a:solidFill>
+            <a:schemeClr val="tx2"/>
+          </a:solidFill>
+          <a:ln>
+            <a:solidFill>
+              <a:schemeClr val="tx2">
+                <a:lumMod val="50000"/>
+              </a:schemeClr>
+            </a:solidFill>
+          </a:ln>
+          <a:effectLst>
+            <a:outerShdw blurRad="50800" dist="38100" dir="2700000" algn="tl" rotWithShape="0">
+              <a:prstClr val="black">
+                <a:alpha val="40000"/>
+              </a:prstClr>
+            </a:outerShdw>
+          </a:effectLst>
+        </p:spPr>
+        <p:style>
+          <a:lnRef idx="1">
+            <a:schemeClr val="accent1"/>
+          </a:lnRef>
+          <a:fillRef idx="3">
+            <a:schemeClr val="accent1"/>
+          </a:fillRef>
+          <a:effectRef idx="2">
+            <a:schemeClr val="accent1"/>
+          </a:effectRef>
+          <a:fontRef idx="minor">
+            <a:schemeClr val="lt1"/>
+          </a:fontRef>
+        </p:style>
+        <p:txBody>
+          <a:bodyPr rtlCol="0" anchor="ctr"/>
+          <a:lstStyle/>
+          <a:p>
+            <a:pPr algn="ctr"/>
+            <a:r>
+              <a:rPr lang="en-US" dirty="0"/>
+              <a:t>SQLite</a:t>
+            </a:r>
+          </a:p>
+        </p:txBody>
+      </p:sp>
+      <p:sp>
+        <p:nvSpPr>
+          <p:cNvPr id="16" name="Rectangle: Rounded Corners 15">
+            <a:extLst>
+              <a:ext uri="{FF2B5EF4-FFF2-40B4-BE49-F238E27FC236}">
+                <a16:creationId xmlns:a16="http://schemas.microsoft.com/office/drawing/2014/main" id="{1E33CE98-5CFD-4DE9-9EC6-DD8CF898B17C}"/>
+              </a:ext>
+            </a:extLst>
+          </p:cNvPr>
+          <p:cNvSpPr/>
+          <p:nvPr/>
+        </p:nvSpPr>
+        <p:spPr>
+          <a:xfrm>
+            <a:off x="6038661" y="5748009"/>
+            <a:ext cx="2791439" cy="499715"/>
+          </a:xfrm>
+          <a:prstGeom prst="roundRect">
+            <a:avLst/>
+          </a:prstGeom>
+          <a:solidFill>
+            <a:schemeClr val="tx2"/>
+          </a:solidFill>
+          <a:ln>
+            <a:solidFill>
+              <a:schemeClr val="tx2">
+                <a:lumMod val="50000"/>
+              </a:schemeClr>
+            </a:solidFill>
+          </a:ln>
+          <a:effectLst>
+            <a:outerShdw blurRad="50800" dist="38100" dir="2700000" algn="tl" rotWithShape="0">
+              <a:prstClr val="black">
+                <a:alpha val="40000"/>
+              </a:prstClr>
+            </a:outerShdw>
+          </a:effectLst>
+        </p:spPr>
+        <p:style>
+          <a:lnRef idx="1">
+            <a:schemeClr val="accent1"/>
+          </a:lnRef>
+          <a:fillRef idx="3">
+            <a:schemeClr val="accent1"/>
+          </a:fillRef>
+          <a:effectRef idx="2">
+            <a:schemeClr val="accent1"/>
+          </a:effectRef>
+          <a:fontRef idx="minor">
+            <a:schemeClr val="lt1"/>
+          </a:fontRef>
+        </p:style>
+        <p:txBody>
+          <a:bodyPr rtlCol="0" anchor="ctr"/>
+          <a:lstStyle/>
+          <a:p>
+            <a:pPr algn="ctr"/>
+            <a:r>
+              <a:rPr lang="en-US" dirty="0"/>
+              <a:t>Other?</a:t>
+            </a:r>
+          </a:p>
+        </p:txBody>
+      </p:sp>
+    </p:spTree>
+    <p:extLst>
+      <p:ext uri="{BB962C8B-B14F-4D97-AF65-F5344CB8AC3E}">
+        <p14:creationId xmlns:p14="http://schemas.microsoft.com/office/powerpoint/2010/main" val="1844894547"/>
+      </p:ext>
+    </p:extLst>
+  </p:cSld>
+  <p:clrMapOvr>
+    <a:masterClrMapping/>
+  </p:clrMapOvr>
+  <mc:AlternateContent xmlns:mc="http://schemas.openxmlformats.org/markup-compatibility/2006" xmlns:p14="http://schemas.microsoft.com/office/powerpoint/2010/main">
+    <mc:Choice Requires="p14">
+      <p:transition p14:dur="250">
+        <p:fade/>
+      </p:transition>
+    </mc:Choice>
+    <mc:Fallback xmlns="">
+      <p:transition>
+        <p:fade/>
+      </p:transition>
+    </mc:Fallback>
+  </mc:AlternateContent>
+</p:sld>
+</file>
+
+<file path=ppt/slides/slide7.xml><?xml version="1.0" encoding="utf-8"?>
+<p:sld xmlns:a="http://schemas.openxmlformats.org/drawingml/2006/main" xmlns:r="http://schemas.openxmlformats.org/officeDocument/2006/relationships" xmlns:p="http://schemas.openxmlformats.org/presentationml/2006/main">
+  <p:cSld>
+    <p:spTree>
+      <p:nvGrpSpPr>
+        <p:cNvPr id="1" name=""/>
+        <p:cNvGrpSpPr/>
+        <p:nvPr/>
+      </p:nvGrpSpPr>
+      <p:grpSpPr>
+        <a:xfrm>
+          <a:off x="0" y="0"/>
+          <a:ext cx="0" cy="0"/>
+          <a:chOff x="0" y="0"/>
+          <a:chExt cx="0" cy="0"/>
+        </a:xfrm>
+      </p:grpSpPr>
+      <p:sp>
+        <p:nvSpPr>
+          <p:cNvPr id="2" name="Title 1"/>
+          <p:cNvSpPr>
+            <a:spLocks noGrp="1"/>
+          </p:cNvSpPr>
+          <p:nvPr>
+            <p:ph type="title"/>
+          </p:nvPr>
+        </p:nvSpPr>
+        <p:spPr/>
+        <p:txBody>
+          <a:bodyPr/>
+          <a:lstStyle/>
+          <a:p>
+            <a:r>
+              <a:rPr lang="en-US" dirty="0"/>
+              <a:t>PROVENANCE Subproject MILESTONES</a:t>
+            </a:r>
+          </a:p>
+        </p:txBody>
+      </p:sp>
+      <p:sp>
+        <p:nvSpPr>
+          <p:cNvPr id="3" name="Content Placeholder 2"/>
+          <p:cNvSpPr>
+            <a:spLocks noGrp="1"/>
+          </p:cNvSpPr>
+          <p:nvPr>
+            <p:ph idx="1"/>
+          </p:nvPr>
+        </p:nvSpPr>
+        <p:spPr>
+          <a:xfrm>
+            <a:off x="457200" y="1699994"/>
+            <a:ext cx="8372901" cy="4758557"/>
+          </a:xfrm>
+        </p:spPr>
+        <p:txBody>
+          <a:bodyPr/>
+          <a:lstStyle/>
+          <a:p>
+            <a:r>
+              <a:rPr lang="en-US" dirty="0"/>
+              <a:t>Survey about 3 “key apps” for use cases and requirements</a:t>
+            </a:r>
+          </a:p>
+          <a:p>
+            <a:endParaRPr lang="en-US" dirty="0"/>
+          </a:p>
+          <a:p>
+            <a:r>
+              <a:rPr lang="en-US" dirty="0"/>
+              <a:t>Sketch Python data structure, persistent format, and APIs</a:t>
+            </a:r>
+          </a:p>
+          <a:p>
+            <a:endParaRPr lang="en-US" dirty="0"/>
+          </a:p>
+          <a:p>
+            <a:r>
+              <a:rPr lang="en-US" dirty="0"/>
+              <a:t>Construct synthetic “Mascot” app to flex data structures and performance</a:t>
+            </a:r>
+          </a:p>
+          <a:p>
+            <a:endParaRPr lang="en-US" dirty="0"/>
+          </a:p>
+          <a:p>
+            <a:r>
+              <a:rPr lang="en-US" dirty="0"/>
+              <a:t>Iterate to maintain compatibility with other Braid products and FAIR conventions</a:t>
+            </a:r>
+          </a:p>
+          <a:p>
+            <a:endParaRPr lang="en-US" dirty="0"/>
+          </a:p>
+          <a:p>
+            <a:r>
+              <a:rPr lang="en-US" dirty="0"/>
+              <a:t>Investigate efficient representations of versioned ML state </a:t>
+            </a:r>
+          </a:p>
+          <a:p>
+            <a:endParaRPr lang="en-US" dirty="0"/>
+          </a:p>
+          <a:p>
+            <a:r>
+              <a:rPr lang="en-US" dirty="0"/>
+              <a:t>Achieve target performance metrics (33 records/second, 20M records/week)</a:t>
+            </a:r>
+          </a:p>
+          <a:p>
+            <a:endParaRPr lang="en-US" dirty="0"/>
+          </a:p>
+          <a:p>
+            <a:r>
+              <a:rPr lang="en-US" dirty="0"/>
+              <a:t>Circle back to key apps for validation</a:t>
+            </a:r>
+          </a:p>
+        </p:txBody>
+      </p:sp>
+      <p:sp>
+        <p:nvSpPr>
+          <p:cNvPr id="4" name="Text Placeholder 3"/>
+          <p:cNvSpPr>
+            <a:spLocks noGrp="1"/>
+          </p:cNvSpPr>
+          <p:nvPr>
+            <p:ph type="body" sz="quarter" idx="12"/>
+          </p:nvPr>
+        </p:nvSpPr>
+        <p:spPr/>
+        <p:txBody>
+          <a:bodyPr/>
+          <a:lstStyle/>
+          <a:p>
+            <a:endParaRPr lang="en-US" dirty="0"/>
+          </a:p>
+        </p:txBody>
+      </p:sp>
+      <p:sp>
+        <p:nvSpPr>
+          <p:cNvPr id="5" name="Slide Number Placeholder 4"/>
+          <p:cNvSpPr>
+            <a:spLocks noGrp="1"/>
+          </p:cNvSpPr>
+          <p:nvPr>
+            <p:ph type="sldNum" sz="quarter" idx="13"/>
+          </p:nvPr>
+        </p:nvSpPr>
+        <p:spPr/>
+        <p:txBody>
+          <a:bodyPr/>
+          <a:lstStyle/>
+          <a:p>
+            <a:fld id="{AEFAAC5A-9C4F-4278-920D-DF2BAB595749}" type="slidenum">
+              <a:rPr lang="en-US" smtClean="0"/>
+              <a:pPr/>
+              <a:t>7</a:t>
             </a:fld>
             <a:endParaRPr lang="en-US" dirty="0"/>
           </a:p>
@@ -14174,6 +15541,4463 @@
       </p:transition>
     </mc:Fallback>
   </mc:AlternateContent>
+</p:sld>
+</file>
+
+<file path=ppt/slides/slide8.xml><?xml version="1.0" encoding="utf-8"?>
+<p:sld xmlns:a="http://schemas.openxmlformats.org/drawingml/2006/main" xmlns:r="http://schemas.openxmlformats.org/officeDocument/2006/relationships" xmlns:p="http://schemas.openxmlformats.org/presentationml/2006/main">
+  <p:cSld>
+    <p:spTree>
+      <p:nvGrpSpPr>
+        <p:cNvPr id="1" name=""/>
+        <p:cNvGrpSpPr/>
+        <p:nvPr/>
+      </p:nvGrpSpPr>
+      <p:grpSpPr>
+        <a:xfrm>
+          <a:off x="0" y="0"/>
+          <a:ext cx="0" cy="0"/>
+          <a:chOff x="0" y="0"/>
+          <a:chExt cx="0" cy="0"/>
+        </a:xfrm>
+      </p:grpSpPr>
+      <p:sp>
+        <p:nvSpPr>
+          <p:cNvPr id="2" name="Title 1">
+            <a:extLst>
+              <a:ext uri="{FF2B5EF4-FFF2-40B4-BE49-F238E27FC236}">
+                <a16:creationId xmlns:a16="http://schemas.microsoft.com/office/drawing/2014/main" id="{21BBEA69-0B57-4559-9AEF-A1A534DF94E1}"/>
+              </a:ext>
+            </a:extLst>
+          </p:cNvPr>
+          <p:cNvSpPr>
+            <a:spLocks noGrp="1"/>
+          </p:cNvSpPr>
+          <p:nvPr>
+            <p:ph type="title"/>
+          </p:nvPr>
+        </p:nvSpPr>
+        <p:spPr/>
+        <p:txBody>
+          <a:bodyPr/>
+          <a:lstStyle/>
+          <a:p>
+            <a:r>
+              <a:rPr lang="en-US" dirty="0"/>
+              <a:t>partner applications</a:t>
+            </a:r>
+          </a:p>
+        </p:txBody>
+      </p:sp>
+      <p:sp>
+        <p:nvSpPr>
+          <p:cNvPr id="3" name="Content Placeholder 2">
+            <a:extLst>
+              <a:ext uri="{FF2B5EF4-FFF2-40B4-BE49-F238E27FC236}">
+                <a16:creationId xmlns:a16="http://schemas.microsoft.com/office/drawing/2014/main" id="{526969B1-19ED-40B9-8DA9-7D89AD6225BA}"/>
+              </a:ext>
+            </a:extLst>
+          </p:cNvPr>
+          <p:cNvSpPr>
+            <a:spLocks noGrp="1"/>
+          </p:cNvSpPr>
+          <p:nvPr>
+            <p:ph idx="1"/>
+          </p:nvPr>
+        </p:nvSpPr>
+        <p:spPr>
+          <a:xfrm>
+            <a:off x="457201" y="1699995"/>
+            <a:ext cx="4114800" cy="4610318"/>
+          </a:xfrm>
+        </p:spPr>
+        <p:txBody>
+          <a:bodyPr/>
+          <a:lstStyle/>
+          <a:p>
+            <a:pPr marL="0" indent="0">
+              <a:spcBef>
+                <a:spcPts val="0"/>
+              </a:spcBef>
+              <a:buNone/>
+            </a:pPr>
+            <a:r>
+              <a:rPr lang="en-US" sz="1200" b="1" dirty="0"/>
+              <a:t>SLAC FPGA workflow </a:t>
+            </a:r>
+          </a:p>
+          <a:p>
+            <a:pPr>
+              <a:spcBef>
+                <a:spcPts val="0"/>
+              </a:spcBef>
+            </a:pPr>
+            <a:r>
+              <a:rPr lang="en-US" sz="1200" dirty="0"/>
+              <a:t>Goal: Perform data reduction at the edge</a:t>
+            </a:r>
+          </a:p>
+          <a:p>
+            <a:pPr>
+              <a:spcBef>
+                <a:spcPts val="0"/>
+              </a:spcBef>
+            </a:pPr>
+            <a:r>
+              <a:rPr lang="en-US" sz="1200" dirty="0"/>
+              <a:t>Scientist configures experiment parameters</a:t>
+            </a:r>
+          </a:p>
+          <a:p>
+            <a:pPr>
+              <a:spcBef>
+                <a:spcPts val="0"/>
+              </a:spcBef>
+            </a:pPr>
+            <a:r>
+              <a:rPr lang="en-US" sz="1200" dirty="0"/>
+              <a:t>Workflow launches simulations with experiment parameters</a:t>
+            </a:r>
+          </a:p>
+          <a:p>
+            <a:pPr>
+              <a:spcBef>
+                <a:spcPts val="0"/>
+              </a:spcBef>
+            </a:pPr>
+            <a:r>
+              <a:rPr lang="en-US" sz="1200" dirty="0"/>
+              <a:t>Complete simulations by time experiment data collection is complete</a:t>
+            </a:r>
+          </a:p>
+          <a:p>
+            <a:pPr>
+              <a:spcBef>
+                <a:spcPts val="0"/>
+              </a:spcBef>
+            </a:pPr>
+            <a:r>
+              <a:rPr lang="en-US" sz="1200" dirty="0"/>
+              <a:t>Train model on simulation and experiment data</a:t>
+            </a:r>
+          </a:p>
+          <a:p>
+            <a:pPr>
+              <a:spcBef>
+                <a:spcPts val="0"/>
+              </a:spcBef>
+            </a:pPr>
+            <a:r>
+              <a:rPr lang="en-US" sz="1200" dirty="0"/>
+              <a:t>Run model on an FPGA to perform data reduction in production</a:t>
+            </a:r>
+          </a:p>
+          <a:p>
+            <a:pPr>
+              <a:spcBef>
+                <a:spcPts val="0"/>
+              </a:spcBef>
+            </a:pPr>
+            <a:endParaRPr lang="en-US" sz="1200" b="1" dirty="0"/>
+          </a:p>
+          <a:p>
+            <a:pPr marL="0" indent="0">
+              <a:spcBef>
+                <a:spcPts val="0"/>
+              </a:spcBef>
+              <a:buNone/>
+            </a:pPr>
+            <a:r>
+              <a:rPr lang="en-US" sz="1200" b="1" dirty="0" err="1"/>
+              <a:t>BraggNN</a:t>
+            </a:r>
+            <a:r>
+              <a:rPr lang="en-US" sz="1200" b="1" dirty="0"/>
+              <a:t> workflow</a:t>
+            </a:r>
+          </a:p>
+          <a:p>
+            <a:pPr>
+              <a:spcBef>
+                <a:spcPts val="0"/>
+              </a:spcBef>
+            </a:pPr>
+            <a:r>
+              <a:rPr lang="en-US" sz="1200" dirty="0"/>
+              <a:t>Goal: Improve peak finding</a:t>
+            </a:r>
+          </a:p>
+          <a:p>
+            <a:pPr>
+              <a:spcBef>
+                <a:spcPts val="0"/>
+              </a:spcBef>
+            </a:pPr>
+            <a:r>
+              <a:rPr lang="en-US" sz="1200" dirty="0"/>
+              <a:t>Train model to represent Bragg peaks</a:t>
+            </a:r>
+          </a:p>
+          <a:p>
+            <a:pPr>
+              <a:spcBef>
+                <a:spcPts val="0"/>
+              </a:spcBef>
+            </a:pPr>
+            <a:r>
+              <a:rPr lang="en-US" sz="1200" dirty="0"/>
+              <a:t>APS collects raw scattering data</a:t>
+            </a:r>
+          </a:p>
+          <a:p>
+            <a:pPr>
+              <a:spcBef>
+                <a:spcPts val="0"/>
+              </a:spcBef>
+            </a:pPr>
+            <a:r>
+              <a:rPr lang="en-US" sz="1200" dirty="0"/>
+              <a:t>Run peak finding on raw data, label peaks</a:t>
+            </a:r>
+          </a:p>
+          <a:p>
+            <a:pPr>
+              <a:spcBef>
+                <a:spcPts val="0"/>
+              </a:spcBef>
+            </a:pPr>
+            <a:r>
+              <a:rPr lang="en-US" sz="1200" dirty="0"/>
+              <a:t>Train model on peaks to represent raw data</a:t>
+            </a:r>
+          </a:p>
+          <a:p>
+            <a:pPr>
+              <a:spcBef>
+                <a:spcPts val="0"/>
+              </a:spcBef>
+            </a:pPr>
+            <a:r>
+              <a:rPr lang="en-US" sz="1200" dirty="0"/>
+              <a:t>Reproduce and save peak locations</a:t>
+            </a:r>
+          </a:p>
+          <a:p>
+            <a:pPr>
+              <a:spcBef>
+                <a:spcPts val="0"/>
+              </a:spcBef>
+            </a:pPr>
+            <a:endParaRPr lang="en-US" sz="1200" dirty="0"/>
+          </a:p>
+          <a:p>
+            <a:pPr marL="0" indent="0">
+              <a:spcBef>
+                <a:spcPts val="0"/>
+              </a:spcBef>
+              <a:buNone/>
+            </a:pPr>
+            <a:r>
+              <a:rPr lang="en-US" sz="1200" b="1" dirty="0"/>
+              <a:t>SSX workflow</a:t>
+            </a:r>
+          </a:p>
+          <a:p>
+            <a:pPr>
+              <a:spcBef>
+                <a:spcPts val="0"/>
+              </a:spcBef>
+            </a:pPr>
+            <a:r>
+              <a:rPr lang="en-US" sz="1200" dirty="0"/>
+              <a:t>Goal: Track the provenance of SSX crystal structures</a:t>
+            </a:r>
+          </a:p>
+          <a:p>
+            <a:pPr>
+              <a:spcBef>
+                <a:spcPts val="0"/>
+              </a:spcBef>
+            </a:pPr>
+            <a:r>
+              <a:rPr lang="en-US" sz="1200" dirty="0"/>
+              <a:t>Structures can come from multiple experiments</a:t>
+            </a:r>
+          </a:p>
+          <a:p>
+            <a:pPr>
+              <a:spcBef>
+                <a:spcPts val="0"/>
+              </a:spcBef>
+            </a:pPr>
+            <a:r>
+              <a:rPr lang="en-US" sz="1200" dirty="0"/>
+              <a:t>Analysis is performed on the input data using these configs to create </a:t>
+            </a:r>
+            <a:r>
+              <a:rPr lang="en-US" sz="1200" i="1" dirty="0"/>
+              <a:t>int</a:t>
+            </a:r>
+            <a:r>
+              <a:rPr lang="en-US" sz="1200" dirty="0"/>
+              <a:t> files</a:t>
+            </a:r>
+          </a:p>
+          <a:p>
+            <a:pPr>
+              <a:spcBef>
+                <a:spcPts val="0"/>
+              </a:spcBef>
+            </a:pPr>
+            <a:r>
+              <a:rPr lang="en-US" sz="1200" dirty="0"/>
+              <a:t>The </a:t>
+            </a:r>
+            <a:r>
+              <a:rPr lang="en-US" sz="1200" i="1" dirty="0"/>
+              <a:t>int </a:t>
+            </a:r>
+            <a:r>
+              <a:rPr lang="en-US" sz="1200" dirty="0"/>
+              <a:t>files are used to create a structure</a:t>
+            </a:r>
+          </a:p>
+          <a:p>
+            <a:pPr>
+              <a:spcBef>
+                <a:spcPts val="0"/>
+              </a:spcBef>
+            </a:pPr>
+            <a:r>
+              <a:rPr lang="en-US" sz="1200" dirty="0"/>
+              <a:t>Track experimental config files and derived structures</a:t>
+            </a:r>
+          </a:p>
+          <a:p>
+            <a:pPr>
+              <a:spcBef>
+                <a:spcPts val="0"/>
+              </a:spcBef>
+            </a:pPr>
+            <a:endParaRPr lang="en-US" sz="1200" dirty="0"/>
+          </a:p>
+        </p:txBody>
+      </p:sp>
+      <p:sp>
+        <p:nvSpPr>
+          <p:cNvPr id="4" name="Text Placeholder 3">
+            <a:extLst>
+              <a:ext uri="{FF2B5EF4-FFF2-40B4-BE49-F238E27FC236}">
+                <a16:creationId xmlns:a16="http://schemas.microsoft.com/office/drawing/2014/main" id="{14FB6AFD-760A-451E-851E-2070139D822D}"/>
+              </a:ext>
+            </a:extLst>
+          </p:cNvPr>
+          <p:cNvSpPr>
+            <a:spLocks noGrp="1"/>
+          </p:cNvSpPr>
+          <p:nvPr>
+            <p:ph type="body" sz="quarter" idx="12"/>
+          </p:nvPr>
+        </p:nvSpPr>
+        <p:spPr/>
+        <p:txBody>
+          <a:bodyPr/>
+          <a:lstStyle/>
+          <a:p>
+            <a:r>
+              <a:rPr lang="en-US" dirty="0"/>
+              <a:t>Initial collaborations with skeleton workflows</a:t>
+            </a:r>
+          </a:p>
+        </p:txBody>
+      </p:sp>
+      <p:sp>
+        <p:nvSpPr>
+          <p:cNvPr id="5" name="Slide Number Placeholder 4">
+            <a:extLst>
+              <a:ext uri="{FF2B5EF4-FFF2-40B4-BE49-F238E27FC236}">
+                <a16:creationId xmlns:a16="http://schemas.microsoft.com/office/drawing/2014/main" id="{3C5C3F62-099E-424C-B24C-163ABDEA7A68}"/>
+              </a:ext>
+            </a:extLst>
+          </p:cNvPr>
+          <p:cNvSpPr>
+            <a:spLocks noGrp="1"/>
+          </p:cNvSpPr>
+          <p:nvPr>
+            <p:ph type="sldNum" sz="quarter" idx="13"/>
+          </p:nvPr>
+        </p:nvSpPr>
+        <p:spPr/>
+        <p:txBody>
+          <a:bodyPr/>
+          <a:lstStyle/>
+          <a:p>
+            <a:fld id="{AEFAAC5A-9C4F-4278-920D-DF2BAB595749}" type="slidenum">
+              <a:rPr lang="en-US" smtClean="0"/>
+              <a:pPr/>
+              <a:t>8</a:t>
+            </a:fld>
+            <a:endParaRPr lang="en-US" dirty="0"/>
+          </a:p>
+        </p:txBody>
+      </p:sp>
+      <p:sp>
+        <p:nvSpPr>
+          <p:cNvPr id="6" name="Content Placeholder 2">
+            <a:extLst>
+              <a:ext uri="{FF2B5EF4-FFF2-40B4-BE49-F238E27FC236}">
+                <a16:creationId xmlns:a16="http://schemas.microsoft.com/office/drawing/2014/main" id="{E100F0AF-14A1-4701-88B8-16995D570BDE}"/>
+              </a:ext>
+            </a:extLst>
+          </p:cNvPr>
+          <p:cNvSpPr txBox="1">
+            <a:spLocks/>
+          </p:cNvSpPr>
+          <p:nvPr/>
+        </p:nvSpPr>
+        <p:spPr>
+          <a:xfrm>
+            <a:off x="4638888" y="2333625"/>
+            <a:ext cx="4114800" cy="3789146"/>
+          </a:xfrm>
+          <a:prstGeom prst="rect">
+            <a:avLst/>
+          </a:prstGeom>
+        </p:spPr>
+        <p:txBody>
+          <a:bodyPr vert="horz" lIns="0" tIns="0" rIns="0" bIns="45720" rtlCol="0">
+            <a:noAutofit/>
+          </a:bodyPr>
+          <a:lstStyle>
+            <a:lvl1pPr marL="173038" indent="-173038" algn="l" defTabSz="457200" rtl="0" eaLnBrk="1" latinLnBrk="0" hangingPunct="1">
+              <a:spcBef>
+                <a:spcPts val="600"/>
+              </a:spcBef>
+              <a:spcAft>
+                <a:spcPts val="0"/>
+              </a:spcAft>
+              <a:buFont typeface="Wingdings" pitchFamily="2" charset="2"/>
+              <a:buChar char="§"/>
+              <a:defRPr sz="1800" kern="1200" baseline="0">
+                <a:solidFill>
+                  <a:schemeClr val="tx1">
+                    <a:lumMod val="50000"/>
+                  </a:schemeClr>
+                </a:solidFill>
+                <a:latin typeface="+mn-lt"/>
+                <a:ea typeface="+mn-ea"/>
+                <a:cs typeface="+mn-cs"/>
+              </a:defRPr>
+            </a:lvl1pPr>
+            <a:lvl2pPr marL="520700" indent="-236538" algn="l" defTabSz="457200" rtl="0" eaLnBrk="1" latinLnBrk="0" hangingPunct="1">
+              <a:spcBef>
+                <a:spcPts val="0"/>
+              </a:spcBef>
+              <a:spcAft>
+                <a:spcPts val="0"/>
+              </a:spcAft>
+              <a:buFont typeface="Arial"/>
+              <a:buChar char="–"/>
+              <a:defRPr sz="1800" kern="1200">
+                <a:solidFill>
+                  <a:schemeClr val="tx1">
+                    <a:lumMod val="50000"/>
+                  </a:schemeClr>
+                </a:solidFill>
+                <a:latin typeface="+mn-lt"/>
+                <a:ea typeface="+mn-ea"/>
+                <a:cs typeface="+mn-cs"/>
+              </a:defRPr>
+            </a:lvl2pPr>
+            <a:lvl3pPr marL="803275" indent="-187325" algn="l" defTabSz="457200" rtl="0" eaLnBrk="1" latinLnBrk="0" hangingPunct="1">
+              <a:spcBef>
+                <a:spcPts val="0"/>
+              </a:spcBef>
+              <a:spcAft>
+                <a:spcPts val="0"/>
+              </a:spcAft>
+              <a:buFont typeface="Arial"/>
+              <a:buChar char="•"/>
+              <a:defRPr sz="1800" kern="1200">
+                <a:solidFill>
+                  <a:schemeClr val="tx1">
+                    <a:lumMod val="50000"/>
+                  </a:schemeClr>
+                </a:solidFill>
+                <a:latin typeface="+mn-lt"/>
+                <a:ea typeface="+mn-ea"/>
+                <a:cs typeface="+mn-cs"/>
+              </a:defRPr>
+            </a:lvl3pPr>
+            <a:lvl4pPr marL="1087438" indent="-171450" algn="l" defTabSz="457200" rtl="0" eaLnBrk="1" latinLnBrk="0" hangingPunct="1">
+              <a:spcBef>
+                <a:spcPts val="0"/>
+              </a:spcBef>
+              <a:spcAft>
+                <a:spcPts val="0"/>
+              </a:spcAft>
+              <a:buFont typeface="Arial"/>
+              <a:buChar char="–"/>
+              <a:defRPr sz="1600" kern="1200">
+                <a:solidFill>
+                  <a:schemeClr val="tx1">
+                    <a:lumMod val="50000"/>
+                  </a:schemeClr>
+                </a:solidFill>
+                <a:latin typeface="+mn-lt"/>
+                <a:ea typeface="+mn-ea"/>
+                <a:cs typeface="+mn-cs"/>
+              </a:defRPr>
+            </a:lvl4pPr>
+            <a:lvl5pPr marL="1371600" indent="-171450" algn="l" defTabSz="457200" rtl="0" eaLnBrk="1" latinLnBrk="0" hangingPunct="1">
+              <a:spcBef>
+                <a:spcPts val="0"/>
+              </a:spcBef>
+              <a:spcAft>
+                <a:spcPts val="0"/>
+              </a:spcAft>
+              <a:buFont typeface="Arial"/>
+              <a:buChar char="»"/>
+              <a:defRPr sz="1600" kern="1200">
+                <a:solidFill>
+                  <a:schemeClr val="tx1">
+                    <a:lumMod val="50000"/>
+                  </a:schemeClr>
+                </a:solidFill>
+                <a:latin typeface="+mn-lt"/>
+                <a:ea typeface="+mn-ea"/>
+                <a:cs typeface="+mn-cs"/>
+              </a:defRPr>
+            </a:lvl5pPr>
+            <a:lvl6pPr marL="2514600" indent="-228600" algn="l" defTabSz="457200" rtl="0" eaLnBrk="1" latinLnBrk="0" hangingPunct="1">
+              <a:spcBef>
+                <a:spcPct val="20000"/>
+              </a:spcBef>
+              <a:buFont typeface="Arial"/>
+              <a:buChar char="•"/>
+              <a:defRPr sz="2000" kern="1200">
+                <a:solidFill>
+                  <a:schemeClr val="tx1"/>
+                </a:solidFill>
+                <a:latin typeface="+mn-lt"/>
+                <a:ea typeface="+mn-ea"/>
+                <a:cs typeface="+mn-cs"/>
+              </a:defRPr>
+            </a:lvl6pPr>
+            <a:lvl7pPr marL="2971800" indent="-228600" algn="l" defTabSz="457200" rtl="0" eaLnBrk="1" latinLnBrk="0" hangingPunct="1">
+              <a:spcBef>
+                <a:spcPct val="20000"/>
+              </a:spcBef>
+              <a:buFont typeface="Arial"/>
+              <a:buChar char="•"/>
+              <a:defRPr sz="2000" kern="1200">
+                <a:solidFill>
+                  <a:schemeClr val="tx1"/>
+                </a:solidFill>
+                <a:latin typeface="+mn-lt"/>
+                <a:ea typeface="+mn-ea"/>
+                <a:cs typeface="+mn-cs"/>
+              </a:defRPr>
+            </a:lvl7pPr>
+            <a:lvl8pPr marL="3429000" indent="-228600" algn="l" defTabSz="457200" rtl="0" eaLnBrk="1" latinLnBrk="0" hangingPunct="1">
+              <a:spcBef>
+                <a:spcPct val="20000"/>
+              </a:spcBef>
+              <a:buFont typeface="Arial"/>
+              <a:buChar char="•"/>
+              <a:defRPr sz="2000" kern="1200">
+                <a:solidFill>
+                  <a:schemeClr val="tx1"/>
+                </a:solidFill>
+                <a:latin typeface="+mn-lt"/>
+                <a:ea typeface="+mn-ea"/>
+                <a:cs typeface="+mn-cs"/>
+              </a:defRPr>
+            </a:lvl8pPr>
+            <a:lvl9pPr marL="3886200" indent="-228600" algn="l" defTabSz="457200" rtl="0" eaLnBrk="1" latinLnBrk="0" hangingPunct="1">
+              <a:spcBef>
+                <a:spcPct val="20000"/>
+              </a:spcBef>
+              <a:buFont typeface="Arial"/>
+              <a:buChar char="•"/>
+              <a:defRPr sz="2000" kern="1200">
+                <a:solidFill>
+                  <a:schemeClr val="tx1"/>
+                </a:solidFill>
+                <a:latin typeface="+mn-lt"/>
+                <a:ea typeface="+mn-ea"/>
+                <a:cs typeface="+mn-cs"/>
+              </a:defRPr>
+            </a:lvl9pPr>
+          </a:lstStyle>
+          <a:p>
+            <a:pPr marL="0" indent="0">
+              <a:spcBef>
+                <a:spcPts val="0"/>
+              </a:spcBef>
+              <a:buNone/>
+            </a:pPr>
+            <a:r>
+              <a:rPr lang="en-US" sz="1200" b="1" dirty="0"/>
+              <a:t>CTSegNet workflow</a:t>
+            </a:r>
+          </a:p>
+          <a:p>
+            <a:pPr>
+              <a:spcBef>
+                <a:spcPts val="0"/>
+              </a:spcBef>
+            </a:pPr>
+            <a:r>
+              <a:rPr lang="en-US" sz="1200" dirty="0"/>
+              <a:t>Goal: Track the history of various U-Net-like models used for trial-and-error image segmentation</a:t>
+            </a:r>
+          </a:p>
+          <a:p>
+            <a:pPr>
+              <a:spcBef>
+                <a:spcPts val="0"/>
+              </a:spcBef>
+            </a:pPr>
+            <a:r>
+              <a:rPr lang="en-US" sz="1200" dirty="0"/>
+              <a:t>Obtain tomo scan</a:t>
+            </a:r>
+          </a:p>
+          <a:p>
+            <a:pPr>
+              <a:spcBef>
+                <a:spcPts val="0"/>
+              </a:spcBef>
+            </a:pPr>
+            <a:r>
+              <a:rPr lang="en-US" sz="1200" dirty="0"/>
+              <a:t>Perform image processing, contrast adjustment, etc.</a:t>
+            </a:r>
+          </a:p>
+          <a:p>
+            <a:pPr>
+              <a:spcBef>
+                <a:spcPts val="0"/>
+              </a:spcBef>
+            </a:pPr>
+            <a:r>
+              <a:rPr lang="en-US" sz="1200" dirty="0"/>
+              <a:t>Apply (labeling) "masks"</a:t>
+            </a:r>
+          </a:p>
+          <a:p>
+            <a:pPr>
+              <a:spcBef>
+                <a:spcPts val="0"/>
+              </a:spcBef>
+            </a:pPr>
+            <a:r>
+              <a:rPr lang="en-US" sz="1200" dirty="0"/>
+              <a:t>Run ensemble models in inference mode</a:t>
+            </a:r>
+          </a:p>
+          <a:p>
+            <a:pPr>
+              <a:spcBef>
+                <a:spcPts val="0"/>
+              </a:spcBef>
+            </a:pPr>
+            <a:r>
+              <a:rPr lang="en-US" sz="1200" dirty="0"/>
+              <a:t>Get new segmentations</a:t>
+            </a:r>
+          </a:p>
+          <a:p>
+            <a:pPr>
+              <a:spcBef>
+                <a:spcPts val="0"/>
+              </a:spcBef>
+            </a:pPr>
+            <a:r>
+              <a:rPr lang="en-US" sz="1200" dirty="0"/>
+              <a:t>Aggregate segmentation results</a:t>
+            </a:r>
+          </a:p>
+          <a:p>
+            <a:pPr>
+              <a:spcBef>
+                <a:spcPts val="0"/>
+              </a:spcBef>
+            </a:pPr>
+            <a:r>
+              <a:rPr lang="en-US" sz="1200" dirty="0"/>
+              <a:t>Re-train models and loop…​</a:t>
+            </a:r>
+          </a:p>
+          <a:p>
+            <a:pPr>
+              <a:spcBef>
+                <a:spcPts val="0"/>
+              </a:spcBef>
+            </a:pPr>
+            <a:endParaRPr lang="en-US" sz="1200" dirty="0"/>
+          </a:p>
+          <a:p>
+            <a:pPr marL="0" indent="0">
+              <a:spcBef>
+                <a:spcPts val="0"/>
+              </a:spcBef>
+              <a:buNone/>
+            </a:pPr>
+            <a:r>
+              <a:rPr lang="en-US" sz="1200" b="1" dirty="0"/>
+              <a:t>Samarakoon/Osborn workflow</a:t>
+            </a:r>
+          </a:p>
+          <a:p>
+            <a:pPr>
+              <a:spcBef>
+                <a:spcPts val="0"/>
+              </a:spcBef>
+            </a:pPr>
+            <a:r>
+              <a:rPr lang="en-US" sz="1200" dirty="0"/>
+              <a:t>Goals: Fit simulated crystal structure to scattering data</a:t>
+            </a:r>
+          </a:p>
+          <a:p>
+            <a:pPr>
+              <a:spcBef>
+                <a:spcPts val="0"/>
+              </a:spcBef>
+            </a:pPr>
+            <a:r>
+              <a:rPr lang="en-US" sz="1200" dirty="0"/>
+              <a:t>Obtain neutron scattering data</a:t>
+            </a:r>
+          </a:p>
+          <a:p>
+            <a:pPr>
+              <a:spcBef>
+                <a:spcPts val="0"/>
+              </a:spcBef>
+            </a:pPr>
+            <a:r>
+              <a:rPr lang="en-US" sz="1200" dirty="0"/>
+              <a:t>Train and apply auto-encoder to identify important features</a:t>
+            </a:r>
+          </a:p>
+          <a:p>
+            <a:pPr>
+              <a:spcBef>
+                <a:spcPts val="0"/>
+              </a:spcBef>
+            </a:pPr>
+            <a:r>
+              <a:rPr lang="en-US" sz="1200" dirty="0"/>
+              <a:t>Apply dimensionality reduction</a:t>
+            </a:r>
+          </a:p>
+          <a:p>
+            <a:pPr>
+              <a:spcBef>
+                <a:spcPts val="0"/>
+              </a:spcBef>
+            </a:pPr>
+            <a:r>
+              <a:rPr lang="en-US" sz="1200" dirty="0"/>
+              <a:t>Fit to data, repeat until convergence</a:t>
+            </a:r>
+          </a:p>
+          <a:p>
+            <a:pPr>
+              <a:spcBef>
+                <a:spcPts val="0"/>
+              </a:spcBef>
+            </a:pPr>
+            <a:endParaRPr lang="en-US" sz="1200" dirty="0"/>
+          </a:p>
+        </p:txBody>
+      </p:sp>
+    </p:spTree>
+    <p:extLst>
+      <p:ext uri="{BB962C8B-B14F-4D97-AF65-F5344CB8AC3E}">
+        <p14:creationId xmlns:p14="http://schemas.microsoft.com/office/powerpoint/2010/main" val="3565337360"/>
+      </p:ext>
+    </p:extLst>
+  </p:cSld>
+  <p:clrMapOvr>
+    <a:masterClrMapping/>
+  </p:clrMapOvr>
+  <mc:AlternateContent xmlns:mc="http://schemas.openxmlformats.org/markup-compatibility/2006" xmlns:p14="http://schemas.microsoft.com/office/powerpoint/2010/main">
+    <mc:Choice Requires="p14">
+      <p:transition p14:dur="250">
+        <p:fade/>
+      </p:transition>
+    </mc:Choice>
+    <mc:Fallback xmlns="">
+      <p:transition>
+        <p:fade/>
+      </p:transition>
+    </mc:Fallback>
+  </mc:AlternateContent>
+</p:sld>
+</file>
+
+<file path=ppt/slides/slide9.xml><?xml version="1.0" encoding="utf-8"?>
+<p:sld xmlns:a="http://schemas.openxmlformats.org/drawingml/2006/main" xmlns:r="http://schemas.openxmlformats.org/officeDocument/2006/relationships" xmlns:p="http://schemas.openxmlformats.org/presentationml/2006/main">
+  <p:cSld>
+    <p:spTree>
+      <p:nvGrpSpPr>
+        <p:cNvPr id="1" name=""/>
+        <p:cNvGrpSpPr/>
+        <p:nvPr/>
+      </p:nvGrpSpPr>
+      <p:grpSpPr>
+        <a:xfrm>
+          <a:off x="0" y="0"/>
+          <a:ext cx="0" cy="0"/>
+          <a:chOff x="0" y="0"/>
+          <a:chExt cx="0" cy="0"/>
+        </a:xfrm>
+      </p:grpSpPr>
+      <p:sp>
+        <p:nvSpPr>
+          <p:cNvPr id="85" name="Content Placeholder 84"/>
+          <p:cNvSpPr>
+            <a:spLocks noGrp="1"/>
+          </p:cNvSpPr>
+          <p:nvPr>
+            <p:ph idx="1"/>
+          </p:nvPr>
+        </p:nvSpPr>
+        <p:spPr>
+          <a:xfrm>
+            <a:off x="337558" y="1512993"/>
+            <a:ext cx="5198322" cy="2638671"/>
+          </a:xfrm>
+          <a:prstGeom prst="rect">
+            <a:avLst/>
+          </a:prstGeom>
+          <a:solidFill>
+            <a:schemeClr val="bg1"/>
+          </a:solidFill>
+          <a:ln>
+            <a:noFill/>
+          </a:ln>
+          <a:effectLst/>
+        </p:spPr>
+        <p:style>
+          <a:lnRef idx="1">
+            <a:schemeClr val="accent1"/>
+          </a:lnRef>
+          <a:fillRef idx="3">
+            <a:schemeClr val="accent1"/>
+          </a:fillRef>
+          <a:effectRef idx="2">
+            <a:schemeClr val="accent1"/>
+          </a:effectRef>
+          <a:fontRef idx="minor">
+            <a:schemeClr val="lt1"/>
+          </a:fontRef>
+        </p:style>
+        <p:txBody>
+          <a:bodyPr rtlCol="0" anchor="t" anchorCtr="0"/>
+          <a:lstStyle/>
+          <a:p>
+            <a:pPr marL="342900" lvl="0" indent="-342900" defTabSz="914400" eaLnBrk="0" fontAlgn="base" hangingPunct="0">
+              <a:spcBef>
+                <a:spcPct val="20000"/>
+              </a:spcBef>
+              <a:spcAft>
+                <a:spcPct val="0"/>
+              </a:spcAft>
+              <a:buFont typeface="Wingdings" charset="2"/>
+              <a:buChar char="§"/>
+            </a:pPr>
+            <a:r>
+              <a:rPr lang="en-US" sz="1600" kern="0" dirty="0">
+                <a:solidFill>
+                  <a:srgbClr val="1B1B1B"/>
+                </a:solidFill>
+                <a:ea typeface="ＭＳ Ｐゴシック" charset="-128"/>
+              </a:rPr>
+              <a:t>Large ensemble of </a:t>
+            </a:r>
+            <a:r>
+              <a:rPr lang="en-US" sz="1600" kern="0" dirty="0" err="1">
+                <a:solidFill>
+                  <a:srgbClr val="1B1B1B"/>
+                </a:solidFill>
+                <a:ea typeface="ＭＳ Ｐゴシック" charset="-128"/>
+              </a:rPr>
+              <a:t>RepastHPC</a:t>
+            </a:r>
+            <a:r>
+              <a:rPr lang="en-US" sz="1600" kern="0" dirty="0">
+                <a:solidFill>
+                  <a:srgbClr val="1B1B1B"/>
+                </a:solidFill>
+                <a:ea typeface="ＭＳ Ｐゴシック" charset="-128"/>
+              </a:rPr>
+              <a:t>-based C++/MPI simulations over 10 million simulated persons, modeling COVID transmission in Chicago </a:t>
+            </a:r>
+          </a:p>
+          <a:p>
+            <a:pPr marL="342900" lvl="0" indent="-342900" defTabSz="914400" eaLnBrk="0" fontAlgn="base" hangingPunct="0">
+              <a:spcBef>
+                <a:spcPct val="20000"/>
+              </a:spcBef>
+              <a:spcAft>
+                <a:spcPct val="0"/>
+              </a:spcAft>
+              <a:buFont typeface="Wingdings" charset="2"/>
+              <a:buChar char="§"/>
+            </a:pPr>
+            <a:r>
+              <a:rPr lang="en-US" sz="1600" kern="0" dirty="0">
+                <a:solidFill>
+                  <a:srgbClr val="1B1B1B"/>
+                </a:solidFill>
+                <a:ea typeface="ＭＳ Ｐゴシック" charset="-128"/>
+              </a:rPr>
+              <a:t>R-based ML libraries (+MKL) propose and evaluate simulation parameters, also using parallel resources, fitting against real-world data reports</a:t>
+            </a:r>
+          </a:p>
+          <a:p>
+            <a:pPr marL="342900" lvl="0" indent="-342900" defTabSz="914400" eaLnBrk="0" fontAlgn="base" hangingPunct="0">
+              <a:spcBef>
+                <a:spcPct val="20000"/>
+              </a:spcBef>
+              <a:spcAft>
+                <a:spcPct val="0"/>
+              </a:spcAft>
+              <a:buFont typeface="Wingdings" charset="2"/>
+              <a:buChar char="§"/>
+            </a:pPr>
+            <a:r>
+              <a:rPr lang="en-US" sz="1600" kern="0" dirty="0">
+                <a:solidFill>
+                  <a:srgbClr val="1B1B1B"/>
+                </a:solidFill>
+                <a:ea typeface="ＭＳ Ｐゴシック" charset="-128"/>
+              </a:rPr>
+              <a:t>Python-based DB API posts results to Postgres for real-time human monitoring from remote sites</a:t>
+            </a:r>
+          </a:p>
+          <a:p>
+            <a:pPr marL="342900" lvl="0" indent="-342900" defTabSz="914400" eaLnBrk="0" fontAlgn="base" hangingPunct="0">
+              <a:spcBef>
+                <a:spcPct val="20000"/>
+              </a:spcBef>
+              <a:spcAft>
+                <a:spcPct val="0"/>
+              </a:spcAft>
+              <a:buFont typeface="Wingdings" charset="2"/>
+              <a:buChar char="§"/>
+            </a:pPr>
+            <a:r>
+              <a:rPr lang="en-US" sz="1600" kern="0" dirty="0">
+                <a:solidFill>
+                  <a:srgbClr val="1B1B1B"/>
+                </a:solidFill>
+                <a:ea typeface="ＭＳ Ｐゴシック" charset="-128"/>
+              </a:rPr>
+              <a:t>Transforms Theta into a data pipeline</a:t>
+            </a:r>
+            <a:endParaRPr lang="en-US" sz="1600" dirty="0"/>
+          </a:p>
+        </p:txBody>
+      </p:sp>
+      <p:sp>
+        <p:nvSpPr>
+          <p:cNvPr id="2" name="Title 1"/>
+          <p:cNvSpPr>
+            <a:spLocks noGrp="1"/>
+          </p:cNvSpPr>
+          <p:nvPr>
+            <p:ph type="title"/>
+          </p:nvPr>
+        </p:nvSpPr>
+        <p:spPr>
+          <a:xfrm>
+            <a:off x="457200" y="274638"/>
+            <a:ext cx="7134443" cy="828948"/>
+          </a:xfrm>
+        </p:spPr>
+        <p:txBody>
+          <a:bodyPr/>
+          <a:lstStyle/>
+          <a:p>
+            <a:r>
+              <a:rPr lang="en-US" dirty="0">
+                <a:solidFill>
+                  <a:srgbClr val="000000"/>
+                </a:solidFill>
+              </a:rPr>
+              <a:t>RELATED EXAMPLE: MONITORING </a:t>
+            </a:r>
+            <a:br>
+              <a:rPr lang="en-US" dirty="0">
+                <a:solidFill>
+                  <a:srgbClr val="000000"/>
+                </a:solidFill>
+              </a:rPr>
+            </a:br>
+            <a:r>
+              <a:rPr lang="en-US" dirty="0">
+                <a:solidFill>
+                  <a:srgbClr val="000000"/>
+                </a:solidFill>
+              </a:rPr>
+              <a:t>ML-driven workflows</a:t>
+            </a:r>
+          </a:p>
+        </p:txBody>
+      </p:sp>
+      <p:sp>
+        <p:nvSpPr>
+          <p:cNvPr id="4" name="Text Placeholder 3"/>
+          <p:cNvSpPr>
+            <a:spLocks noGrp="1"/>
+          </p:cNvSpPr>
+          <p:nvPr>
+            <p:ph type="body" sz="quarter" idx="12"/>
+          </p:nvPr>
+        </p:nvSpPr>
+        <p:spPr/>
+        <p:txBody>
+          <a:bodyPr/>
+          <a:lstStyle/>
+          <a:p>
+            <a:r>
+              <a:rPr lang="en-US" dirty="0"/>
+              <a:t>ML-driven parameter fitting monitored by DB</a:t>
+            </a:r>
+          </a:p>
+        </p:txBody>
+      </p:sp>
+      <p:grpSp>
+        <p:nvGrpSpPr>
+          <p:cNvPr id="44" name="Group 43"/>
+          <p:cNvGrpSpPr/>
+          <p:nvPr/>
+        </p:nvGrpSpPr>
+        <p:grpSpPr>
+          <a:xfrm>
+            <a:off x="4965042" y="3487196"/>
+            <a:ext cx="1215128" cy="1256937"/>
+            <a:chOff x="863065" y="3200017"/>
+            <a:chExt cx="1933008" cy="1738987"/>
+          </a:xfrm>
+        </p:grpSpPr>
+        <p:sp>
+          <p:nvSpPr>
+            <p:cNvPr id="45" name="Rectangle 44"/>
+            <p:cNvSpPr/>
+            <p:nvPr/>
+          </p:nvSpPr>
+          <p:spPr>
+            <a:xfrm>
+              <a:off x="1181877" y="3508310"/>
+              <a:ext cx="1614196" cy="1430694"/>
+            </a:xfrm>
+            <a:prstGeom prst="rect">
+              <a:avLst/>
+            </a:prstGeom>
+            <a:solidFill>
+              <a:srgbClr val="1F497D">
+                <a:lumMod val="20000"/>
+                <a:lumOff val="80000"/>
+              </a:srgbClr>
+            </a:solidFill>
+            <a:ln w="25400" cap="flat" cmpd="sng" algn="ctr">
+              <a:solidFill>
+                <a:srgbClr val="A6C4DE">
+                  <a:shade val="50000"/>
+                </a:srgbClr>
+              </a:solidFill>
+              <a:prstDash val="solid"/>
+            </a:ln>
+            <a:effectLst/>
+          </p:spPr>
+          <p:txBody>
+            <a:bodyPr rtlCol="0" anchor="ctr"/>
+            <a:lstStyle/>
+            <a:p>
+              <a:pPr marL="0" marR="0" lvl="0" indent="0" algn="ctr" defTabSz="914400" eaLnBrk="1" fontAlgn="base" latinLnBrk="0" hangingPunct="1">
+                <a:lnSpc>
+                  <a:spcPct val="100000"/>
+                </a:lnSpc>
+                <a:spcBef>
+                  <a:spcPct val="0"/>
+                </a:spcBef>
+                <a:spcAft>
+                  <a:spcPct val="0"/>
+                </a:spcAft>
+                <a:buClrTx/>
+                <a:buSzTx/>
+                <a:buFontTx/>
+                <a:buNone/>
+                <a:tabLst/>
+                <a:defRPr/>
+              </a:pPr>
+              <a:endParaRPr kumimoji="0" lang="en-US" sz="1600" b="0" i="0" u="none" strike="noStrike" kern="0" cap="none" spc="0" normalizeH="0" baseline="0" noProof="0" dirty="0">
+                <a:ln>
+                  <a:noFill/>
+                </a:ln>
+                <a:solidFill>
+                  <a:srgbClr val="404040"/>
+                </a:solidFill>
+                <a:effectLst/>
+                <a:uLnTx/>
+                <a:uFillTx/>
+                <a:latin typeface="Calibri"/>
+                <a:ea typeface="+mn-ea"/>
+                <a:cs typeface="+mn-cs"/>
+              </a:endParaRPr>
+            </a:p>
+          </p:txBody>
+        </p:sp>
+        <p:sp>
+          <p:nvSpPr>
+            <p:cNvPr id="46" name="Rectangle 45"/>
+            <p:cNvSpPr/>
+            <p:nvPr/>
+          </p:nvSpPr>
+          <p:spPr>
+            <a:xfrm>
+              <a:off x="1029477" y="3355910"/>
+              <a:ext cx="1614196" cy="1430694"/>
+            </a:xfrm>
+            <a:prstGeom prst="rect">
+              <a:avLst/>
+            </a:prstGeom>
+            <a:solidFill>
+              <a:srgbClr val="1F497D">
+                <a:lumMod val="20000"/>
+                <a:lumOff val="80000"/>
+              </a:srgbClr>
+            </a:solidFill>
+            <a:ln w="25400" cap="flat" cmpd="sng" algn="ctr">
+              <a:solidFill>
+                <a:srgbClr val="A6C4DE">
+                  <a:shade val="50000"/>
+                </a:srgbClr>
+              </a:solidFill>
+              <a:prstDash val="solid"/>
+            </a:ln>
+            <a:effectLst/>
+          </p:spPr>
+          <p:txBody>
+            <a:bodyPr rtlCol="0" anchor="ctr"/>
+            <a:lstStyle/>
+            <a:p>
+              <a:pPr marL="0" marR="0" lvl="0" indent="0" algn="ctr" defTabSz="914400" eaLnBrk="1" fontAlgn="base" latinLnBrk="0" hangingPunct="1">
+                <a:lnSpc>
+                  <a:spcPct val="100000"/>
+                </a:lnSpc>
+                <a:spcBef>
+                  <a:spcPct val="0"/>
+                </a:spcBef>
+                <a:spcAft>
+                  <a:spcPct val="0"/>
+                </a:spcAft>
+                <a:buClrTx/>
+                <a:buSzTx/>
+                <a:buFontTx/>
+                <a:buNone/>
+                <a:tabLst/>
+                <a:defRPr/>
+              </a:pPr>
+              <a:endParaRPr kumimoji="0" lang="en-US" sz="1600" b="0" i="0" u="none" strike="noStrike" kern="0" cap="none" spc="0" normalizeH="0" baseline="0" noProof="0" dirty="0">
+                <a:ln>
+                  <a:noFill/>
+                </a:ln>
+                <a:solidFill>
+                  <a:srgbClr val="404040"/>
+                </a:solidFill>
+                <a:effectLst/>
+                <a:uLnTx/>
+                <a:uFillTx/>
+                <a:latin typeface="Calibri"/>
+                <a:ea typeface="+mn-ea"/>
+                <a:cs typeface="+mn-cs"/>
+              </a:endParaRPr>
+            </a:p>
+          </p:txBody>
+        </p:sp>
+        <p:sp>
+          <p:nvSpPr>
+            <p:cNvPr id="47" name="Rectangle 46"/>
+            <p:cNvSpPr/>
+            <p:nvPr/>
+          </p:nvSpPr>
+          <p:spPr>
+            <a:xfrm>
+              <a:off x="863065" y="3200017"/>
+              <a:ext cx="1614196" cy="1430693"/>
+            </a:xfrm>
+            <a:prstGeom prst="rect">
+              <a:avLst/>
+            </a:prstGeom>
+            <a:solidFill>
+              <a:srgbClr val="1F497D">
+                <a:lumMod val="20000"/>
+                <a:lumOff val="80000"/>
+              </a:srgbClr>
+            </a:solidFill>
+            <a:ln w="25400" cap="flat" cmpd="sng" algn="ctr">
+              <a:solidFill>
+                <a:srgbClr val="A6C4DE">
+                  <a:shade val="50000"/>
+                </a:srgbClr>
+              </a:solidFill>
+              <a:prstDash val="solid"/>
+            </a:ln>
+            <a:effectLst/>
+          </p:spPr>
+          <p:txBody>
+            <a:bodyPr rtlCol="0" anchor="ctr"/>
+            <a:lstStyle/>
+            <a:p>
+              <a:pPr marL="0" marR="0" lvl="0" indent="0" algn="ctr" defTabSz="914400" eaLnBrk="1" fontAlgn="base" latinLnBrk="0" hangingPunct="1">
+                <a:lnSpc>
+                  <a:spcPct val="100000"/>
+                </a:lnSpc>
+                <a:spcBef>
+                  <a:spcPct val="0"/>
+                </a:spcBef>
+                <a:spcAft>
+                  <a:spcPct val="0"/>
+                </a:spcAft>
+                <a:buClrTx/>
+                <a:buSzTx/>
+                <a:buFontTx/>
+                <a:buNone/>
+                <a:tabLst/>
+                <a:defRPr/>
+              </a:pPr>
+              <a:r>
+                <a:rPr kumimoji="0" lang="en-US" sz="1600" b="1" i="0" u="none" strike="noStrike" kern="0" cap="none" spc="0" normalizeH="0" baseline="0" noProof="0" dirty="0">
+                  <a:ln>
+                    <a:noFill/>
+                  </a:ln>
+                  <a:solidFill>
+                    <a:srgbClr val="404040"/>
+                  </a:solidFill>
+                  <a:effectLst/>
+                  <a:uLnTx/>
+                  <a:uFillTx/>
+                  <a:latin typeface="Calibri"/>
+                  <a:ea typeface="+mn-ea"/>
+                  <a:cs typeface="+mn-cs"/>
+                </a:rPr>
+                <a:t>Swift/T control process</a:t>
+              </a:r>
+            </a:p>
+          </p:txBody>
+        </p:sp>
+      </p:grpSp>
+      <p:grpSp>
+        <p:nvGrpSpPr>
+          <p:cNvPr id="49" name="Group 48"/>
+          <p:cNvGrpSpPr/>
+          <p:nvPr/>
+        </p:nvGrpSpPr>
+        <p:grpSpPr>
+          <a:xfrm>
+            <a:off x="6516353" y="3689706"/>
+            <a:ext cx="2588630" cy="1447516"/>
+            <a:chOff x="3200400" y="3200400"/>
+            <a:chExt cx="3581400" cy="3200400"/>
+          </a:xfrm>
+        </p:grpSpPr>
+        <p:sp>
+          <p:nvSpPr>
+            <p:cNvPr id="66" name="Rectangle 65"/>
+            <p:cNvSpPr/>
+            <p:nvPr/>
+          </p:nvSpPr>
+          <p:spPr>
+            <a:xfrm>
+              <a:off x="3200400" y="3200400"/>
+              <a:ext cx="3581400" cy="3200400"/>
+            </a:xfrm>
+            <a:prstGeom prst="rect">
+              <a:avLst/>
+            </a:prstGeom>
+            <a:solidFill>
+              <a:srgbClr val="1F497D">
+                <a:lumMod val="20000"/>
+                <a:lumOff val="80000"/>
+              </a:srgbClr>
+            </a:solidFill>
+            <a:ln w="25400" cap="flat" cmpd="sng" algn="ctr">
+              <a:solidFill>
+                <a:srgbClr val="A6C4DE">
+                  <a:shade val="50000"/>
+                </a:srgbClr>
+              </a:solidFill>
+              <a:prstDash val="solid"/>
+            </a:ln>
+            <a:effectLst/>
+          </p:spPr>
+          <p:txBody>
+            <a:bodyPr rtlCol="0" anchor="ctr"/>
+            <a:lstStyle/>
+            <a:p>
+              <a:pPr marL="0" marR="0" lvl="0" indent="0" algn="ctr" defTabSz="914400" eaLnBrk="1" fontAlgn="base" latinLnBrk="0" hangingPunct="1">
+                <a:lnSpc>
+                  <a:spcPct val="100000"/>
+                </a:lnSpc>
+                <a:spcBef>
+                  <a:spcPct val="0"/>
+                </a:spcBef>
+                <a:spcAft>
+                  <a:spcPct val="0"/>
+                </a:spcAft>
+                <a:buClrTx/>
+                <a:buSzTx/>
+                <a:buFontTx/>
+                <a:buNone/>
+                <a:tabLst/>
+                <a:defRPr/>
+              </a:pPr>
+              <a:endParaRPr kumimoji="0" lang="en-US" sz="2400" b="0" i="0" u="none" strike="noStrike" kern="0" cap="none" spc="0" normalizeH="0" baseline="0" noProof="0" dirty="0">
+                <a:ln>
+                  <a:noFill/>
+                </a:ln>
+                <a:solidFill>
+                  <a:srgbClr val="404040"/>
+                </a:solidFill>
+                <a:effectLst/>
+                <a:uLnTx/>
+                <a:uFillTx/>
+                <a:latin typeface="Calibri"/>
+                <a:ea typeface="+mn-ea"/>
+                <a:cs typeface="+mn-cs"/>
+              </a:endParaRPr>
+            </a:p>
+            <a:p>
+              <a:pPr marL="0" marR="0" lvl="0" indent="0" algn="ctr" defTabSz="914400" eaLnBrk="1" fontAlgn="base" latinLnBrk="0" hangingPunct="1">
+                <a:lnSpc>
+                  <a:spcPct val="100000"/>
+                </a:lnSpc>
+                <a:spcBef>
+                  <a:spcPct val="0"/>
+                </a:spcBef>
+                <a:spcAft>
+                  <a:spcPct val="0"/>
+                </a:spcAft>
+                <a:buClrTx/>
+                <a:buSzTx/>
+                <a:buFontTx/>
+                <a:buNone/>
+                <a:tabLst/>
+                <a:defRPr/>
+              </a:pPr>
+              <a:endParaRPr kumimoji="0" lang="en-US" sz="2400" b="0" i="0" u="none" strike="noStrike" kern="0" cap="none" spc="0" normalizeH="0" baseline="0" noProof="0" dirty="0">
+                <a:ln>
+                  <a:noFill/>
+                </a:ln>
+                <a:solidFill>
+                  <a:srgbClr val="404040"/>
+                </a:solidFill>
+                <a:effectLst/>
+                <a:uLnTx/>
+                <a:uFillTx/>
+                <a:latin typeface="Calibri"/>
+                <a:ea typeface="+mn-ea"/>
+                <a:cs typeface="+mn-cs"/>
+              </a:endParaRPr>
+            </a:p>
+            <a:p>
+              <a:pPr marL="0" marR="0" lvl="0" indent="0" algn="ctr" defTabSz="914400" eaLnBrk="1" fontAlgn="base" latinLnBrk="0" hangingPunct="1">
+                <a:lnSpc>
+                  <a:spcPct val="100000"/>
+                </a:lnSpc>
+                <a:spcBef>
+                  <a:spcPct val="0"/>
+                </a:spcBef>
+                <a:spcAft>
+                  <a:spcPct val="0"/>
+                </a:spcAft>
+                <a:buClrTx/>
+                <a:buSzTx/>
+                <a:buFontTx/>
+                <a:buNone/>
+                <a:tabLst/>
+                <a:defRPr/>
+              </a:pPr>
+              <a:endParaRPr kumimoji="0" lang="en-US" sz="2400" b="0" i="0" u="none" strike="noStrike" kern="0" cap="none" spc="0" normalizeH="0" baseline="0" noProof="0" dirty="0">
+                <a:ln>
+                  <a:noFill/>
+                </a:ln>
+                <a:solidFill>
+                  <a:srgbClr val="404040"/>
+                </a:solidFill>
+                <a:effectLst/>
+                <a:uLnTx/>
+                <a:uFillTx/>
+                <a:latin typeface="Calibri"/>
+                <a:ea typeface="+mn-ea"/>
+                <a:cs typeface="+mn-cs"/>
+              </a:endParaRPr>
+            </a:p>
+            <a:p>
+              <a:pPr marL="0" marR="0" lvl="0" indent="0" algn="ctr" defTabSz="914400" eaLnBrk="1" fontAlgn="base" latinLnBrk="0" hangingPunct="1">
+                <a:lnSpc>
+                  <a:spcPct val="100000"/>
+                </a:lnSpc>
+                <a:spcBef>
+                  <a:spcPct val="0"/>
+                </a:spcBef>
+                <a:spcAft>
+                  <a:spcPct val="0"/>
+                </a:spcAft>
+                <a:buClrTx/>
+                <a:buSzTx/>
+                <a:buFontTx/>
+                <a:buNone/>
+                <a:tabLst/>
+                <a:defRPr/>
+              </a:pPr>
+              <a:endParaRPr kumimoji="0" lang="en-US" sz="2400" b="0" i="0" u="none" strike="noStrike" kern="0" cap="none" spc="0" normalizeH="0" baseline="0" noProof="0" dirty="0">
+                <a:ln>
+                  <a:noFill/>
+                </a:ln>
+                <a:solidFill>
+                  <a:srgbClr val="404040"/>
+                </a:solidFill>
+                <a:effectLst/>
+                <a:uLnTx/>
+                <a:uFillTx/>
+                <a:latin typeface="Calibri"/>
+                <a:ea typeface="+mn-ea"/>
+                <a:cs typeface="+mn-cs"/>
+              </a:endParaRPr>
+            </a:p>
+            <a:p>
+              <a:pPr marL="0" marR="0" lvl="0" indent="0" algn="ctr" defTabSz="914400" eaLnBrk="1" fontAlgn="base" latinLnBrk="0" hangingPunct="1">
+                <a:lnSpc>
+                  <a:spcPct val="100000"/>
+                </a:lnSpc>
+                <a:spcBef>
+                  <a:spcPct val="0"/>
+                </a:spcBef>
+                <a:spcAft>
+                  <a:spcPct val="0"/>
+                </a:spcAft>
+                <a:buClrTx/>
+                <a:buSzTx/>
+                <a:buFontTx/>
+                <a:buNone/>
+                <a:tabLst/>
+                <a:defRPr/>
+              </a:pPr>
+              <a:endParaRPr kumimoji="0" lang="en-US" sz="2400" b="0" i="0" u="none" strike="noStrike" kern="0" cap="none" spc="0" normalizeH="0" baseline="0" noProof="0" dirty="0">
+                <a:ln>
+                  <a:noFill/>
+                </a:ln>
+                <a:solidFill>
+                  <a:srgbClr val="404040"/>
+                </a:solidFill>
+                <a:effectLst/>
+                <a:uLnTx/>
+                <a:uFillTx/>
+                <a:latin typeface="Calibri"/>
+                <a:ea typeface="+mn-ea"/>
+                <a:cs typeface="+mn-cs"/>
+              </a:endParaRPr>
+            </a:p>
+            <a:p>
+              <a:pPr marL="0" marR="0" lvl="0" indent="0" algn="ctr" defTabSz="914400" eaLnBrk="1" fontAlgn="base" latinLnBrk="0" hangingPunct="1">
+                <a:lnSpc>
+                  <a:spcPct val="100000"/>
+                </a:lnSpc>
+                <a:spcBef>
+                  <a:spcPct val="0"/>
+                </a:spcBef>
+                <a:spcAft>
+                  <a:spcPct val="0"/>
+                </a:spcAft>
+                <a:buClrTx/>
+                <a:buSzTx/>
+                <a:buFontTx/>
+                <a:buNone/>
+                <a:tabLst/>
+                <a:defRPr/>
+              </a:pPr>
+              <a:endParaRPr kumimoji="0" lang="en-US" sz="2400" b="0" i="0" u="none" strike="noStrike" kern="0" cap="none" spc="0" normalizeH="0" baseline="0" noProof="0" dirty="0">
+                <a:ln>
+                  <a:noFill/>
+                </a:ln>
+                <a:solidFill>
+                  <a:srgbClr val="404040"/>
+                </a:solidFill>
+                <a:effectLst/>
+                <a:uLnTx/>
+                <a:uFillTx/>
+                <a:latin typeface="Calibri"/>
+                <a:ea typeface="+mn-ea"/>
+                <a:cs typeface="+mn-cs"/>
+              </a:endParaRPr>
+            </a:p>
+          </p:txBody>
+        </p:sp>
+        <p:pic>
+          <p:nvPicPr>
+            <p:cNvPr id="67" name="Picture 2" descr="C:\cygwin\home\justin\ATPESC_2013-08-06\part11-swift-py-r\slides\python-powered-h-50x65.png"/>
+            <p:cNvPicPr>
+              <a:picLocks noChangeAspect="1" noChangeArrowheads="1"/>
+            </p:cNvPicPr>
+            <p:nvPr/>
+          </p:nvPicPr>
+          <p:blipFill>
+            <a:blip r:embed="rId2">
+              <a:extLst>
+                <a:ext uri="{28A0092B-C50C-407E-A947-70E740481C1C}">
+                  <a14:useLocalDpi xmlns:a14="http://schemas.microsoft.com/office/drawing/2010/main" val="0"/>
+                </a:ext>
+              </a:extLst>
+            </a:blip>
+            <a:srcRect/>
+            <a:stretch>
+              <a:fillRect/>
+            </a:stretch>
+          </p:blipFill>
+          <p:spPr bwMode="auto">
+            <a:xfrm>
+              <a:off x="3407226" y="5114037"/>
+              <a:ext cx="749559" cy="974427"/>
+            </a:xfrm>
+            <a:prstGeom prst="rect">
+              <a:avLst/>
+            </a:prstGeom>
+            <a:noFill/>
+            <a:extLst>
+              <a:ext uri="{909E8E84-426E-40DD-AFC4-6F175D3DCCD1}">
+                <a14:hiddenFill xmlns:a14="http://schemas.microsoft.com/office/drawing/2010/main">
+                  <a:solidFill>
+                    <a:srgbClr val="FFFFFF"/>
+                  </a:solidFill>
+                </a14:hiddenFill>
+              </a:ext>
+            </a:extLst>
+          </p:spPr>
+        </p:pic>
+        <p:pic>
+          <p:nvPicPr>
+            <p:cNvPr id="68" name="Picture 3" descr="C:\cygwin\home\justin\ATPESC_2013-08-06\part11-swift-py-r\slides\Rlogo.jpg"/>
+            <p:cNvPicPr>
+              <a:picLocks noChangeAspect="1" noChangeArrowheads="1"/>
+            </p:cNvPicPr>
+            <p:nvPr/>
+          </p:nvPicPr>
+          <p:blipFill>
+            <a:blip r:embed="rId3">
+              <a:extLst>
+                <a:ext uri="{28A0092B-C50C-407E-A947-70E740481C1C}">
+                  <a14:useLocalDpi xmlns:a14="http://schemas.microsoft.com/office/drawing/2010/main" val="0"/>
+                </a:ext>
+              </a:extLst>
+            </a:blip>
+            <a:srcRect/>
+            <a:stretch>
+              <a:fillRect/>
+            </a:stretch>
+          </p:blipFill>
+          <p:spPr bwMode="auto">
+            <a:xfrm>
+              <a:off x="4363275" y="5221293"/>
+              <a:ext cx="1004548" cy="759916"/>
+            </a:xfrm>
+            <a:prstGeom prst="rect">
+              <a:avLst/>
+            </a:prstGeom>
+            <a:noFill/>
+            <a:extLst>
+              <a:ext uri="{909E8E84-426E-40DD-AFC4-6F175D3DCCD1}">
+                <a14:hiddenFill xmlns:a14="http://schemas.microsoft.com/office/drawing/2010/main">
+                  <a:solidFill>
+                    <a:srgbClr val="FFFFFF"/>
+                  </a:solidFill>
+                </a14:hiddenFill>
+              </a:ext>
+            </a:extLst>
+          </p:spPr>
+        </p:pic>
+        <p:sp>
+          <p:nvSpPr>
+            <p:cNvPr id="69" name="Rounded Rectangle 68"/>
+            <p:cNvSpPr/>
+            <p:nvPr/>
+          </p:nvSpPr>
+          <p:spPr>
+            <a:xfrm>
+              <a:off x="3431332" y="4052596"/>
+              <a:ext cx="762000" cy="748004"/>
+            </a:xfrm>
+            <a:prstGeom prst="roundRect">
+              <a:avLst/>
+            </a:prstGeom>
+            <a:solidFill>
+              <a:srgbClr val="A6C4DE"/>
+            </a:solidFill>
+            <a:ln w="25400" cap="flat" cmpd="sng" algn="ctr">
+              <a:solidFill>
+                <a:srgbClr val="A6C4DE">
+                  <a:shade val="50000"/>
+                </a:srgbClr>
+              </a:solidFill>
+              <a:prstDash val="solid"/>
+            </a:ln>
+            <a:effectLst/>
+          </p:spPr>
+          <p:txBody>
+            <a:bodyPr rtlCol="0" anchor="ctr"/>
+            <a:lstStyle/>
+            <a:p>
+              <a:pPr marL="0" marR="0" lvl="0" indent="0" algn="ctr" defTabSz="914400" eaLnBrk="1" fontAlgn="base" latinLnBrk="0" hangingPunct="1">
+                <a:lnSpc>
+                  <a:spcPct val="100000"/>
+                </a:lnSpc>
+                <a:spcBef>
+                  <a:spcPct val="0"/>
+                </a:spcBef>
+                <a:spcAft>
+                  <a:spcPct val="0"/>
+                </a:spcAft>
+                <a:buClrTx/>
+                <a:buSzTx/>
+                <a:buFontTx/>
+                <a:buNone/>
+                <a:tabLst/>
+                <a:defRPr/>
+              </a:pPr>
+              <a:r>
+                <a:rPr kumimoji="0" lang="en-US" sz="2400" b="0" i="0" u="none" strike="noStrike" kern="0" cap="none" spc="0" normalizeH="0" baseline="0" noProof="0" dirty="0">
+                  <a:ln>
+                    <a:noFill/>
+                  </a:ln>
+                  <a:solidFill>
+                    <a:srgbClr val="FFFFFF"/>
+                  </a:solidFill>
+                  <a:effectLst/>
+                  <a:uLnTx/>
+                  <a:uFillTx/>
+                  <a:latin typeface="Calibri"/>
+                  <a:ea typeface="+mn-ea"/>
+                  <a:cs typeface="+mn-cs"/>
+                </a:rPr>
+                <a:t>C</a:t>
+              </a:r>
+            </a:p>
+          </p:txBody>
+        </p:sp>
+        <p:sp>
+          <p:nvSpPr>
+            <p:cNvPr id="70" name="Rounded Rectangle 69"/>
+            <p:cNvSpPr/>
+            <p:nvPr/>
+          </p:nvSpPr>
+          <p:spPr>
+            <a:xfrm>
+              <a:off x="4363275" y="4052596"/>
+              <a:ext cx="762000" cy="748004"/>
+            </a:xfrm>
+            <a:prstGeom prst="roundRect">
+              <a:avLst/>
+            </a:prstGeom>
+            <a:solidFill>
+              <a:srgbClr val="A6C4DE"/>
+            </a:solidFill>
+            <a:ln w="25400" cap="flat" cmpd="sng" algn="ctr">
+              <a:solidFill>
+                <a:srgbClr val="A6C4DE">
+                  <a:shade val="50000"/>
+                </a:srgbClr>
+              </a:solidFill>
+              <a:prstDash val="solid"/>
+            </a:ln>
+            <a:effectLst/>
+          </p:spPr>
+          <p:txBody>
+            <a:bodyPr rtlCol="0" anchor="ctr"/>
+            <a:lstStyle/>
+            <a:p>
+              <a:pPr marL="0" marR="0" lvl="0" indent="0" algn="ctr" defTabSz="914400" eaLnBrk="1" fontAlgn="base" latinLnBrk="0" hangingPunct="1">
+                <a:lnSpc>
+                  <a:spcPct val="100000"/>
+                </a:lnSpc>
+                <a:spcBef>
+                  <a:spcPct val="0"/>
+                </a:spcBef>
+                <a:spcAft>
+                  <a:spcPct val="0"/>
+                </a:spcAft>
+                <a:buClrTx/>
+                <a:buSzTx/>
+                <a:buFontTx/>
+                <a:buNone/>
+                <a:tabLst/>
+                <a:defRPr/>
+              </a:pPr>
+              <a:r>
+                <a:rPr kumimoji="0" lang="en-US" sz="2400" b="0" i="0" u="none" strike="noStrike" kern="0" cap="none" spc="0" normalizeH="0" baseline="0" noProof="0" dirty="0">
+                  <a:ln>
+                    <a:noFill/>
+                  </a:ln>
+                  <a:solidFill>
+                    <a:srgbClr val="FFFFFF"/>
+                  </a:solidFill>
+                  <a:effectLst/>
+                  <a:uLnTx/>
+                  <a:uFillTx/>
+                  <a:latin typeface="Calibri"/>
+                  <a:ea typeface="+mn-ea"/>
+                  <a:cs typeface="+mn-cs"/>
+                </a:rPr>
+                <a:t>C++</a:t>
+              </a:r>
+            </a:p>
+          </p:txBody>
+        </p:sp>
+        <p:sp>
+          <p:nvSpPr>
+            <p:cNvPr id="71" name="Rounded Rectangle 70"/>
+            <p:cNvSpPr/>
+            <p:nvPr/>
+          </p:nvSpPr>
+          <p:spPr>
+            <a:xfrm>
+              <a:off x="5367823" y="4019647"/>
+              <a:ext cx="1237863" cy="748004"/>
+            </a:xfrm>
+            <a:prstGeom prst="roundRect">
+              <a:avLst/>
+            </a:prstGeom>
+            <a:solidFill>
+              <a:srgbClr val="A6C4DE"/>
+            </a:solidFill>
+            <a:ln w="25400" cap="flat" cmpd="sng" algn="ctr">
+              <a:solidFill>
+                <a:srgbClr val="A6C4DE">
+                  <a:shade val="50000"/>
+                </a:srgbClr>
+              </a:solidFill>
+              <a:prstDash val="solid"/>
+            </a:ln>
+            <a:effectLst/>
+          </p:spPr>
+          <p:txBody>
+            <a:bodyPr rtlCol="0" anchor="ctr"/>
+            <a:lstStyle/>
+            <a:p>
+              <a:pPr marL="0" marR="0" lvl="0" indent="0" algn="ctr" defTabSz="914400" eaLnBrk="1" fontAlgn="base" latinLnBrk="0" hangingPunct="1">
+                <a:lnSpc>
+                  <a:spcPct val="100000"/>
+                </a:lnSpc>
+                <a:spcBef>
+                  <a:spcPct val="0"/>
+                </a:spcBef>
+                <a:spcAft>
+                  <a:spcPct val="0"/>
+                </a:spcAft>
+                <a:buClrTx/>
+                <a:buSzTx/>
+                <a:buFontTx/>
+                <a:buNone/>
+                <a:tabLst/>
+                <a:defRPr/>
+              </a:pPr>
+              <a:r>
+                <a:rPr kumimoji="0" lang="en-US" sz="2400" b="0" i="0" u="none" strike="noStrike" kern="0" cap="none" spc="0" normalizeH="0" baseline="0" noProof="0" dirty="0">
+                  <a:ln>
+                    <a:noFill/>
+                  </a:ln>
+                  <a:solidFill>
+                    <a:srgbClr val="FFFFFF"/>
+                  </a:solidFill>
+                  <a:effectLst/>
+                  <a:uLnTx/>
+                  <a:uFillTx/>
+                  <a:latin typeface="Calibri"/>
+                  <a:ea typeface="+mn-ea"/>
+                  <a:cs typeface="+mn-cs"/>
+                </a:rPr>
+                <a:t>Fortran</a:t>
+              </a:r>
+            </a:p>
+          </p:txBody>
+        </p:sp>
+      </p:grpSp>
+      <p:grpSp>
+        <p:nvGrpSpPr>
+          <p:cNvPr id="50" name="Group 49"/>
+          <p:cNvGrpSpPr/>
+          <p:nvPr/>
+        </p:nvGrpSpPr>
+        <p:grpSpPr>
+          <a:xfrm>
+            <a:off x="6406198" y="3579550"/>
+            <a:ext cx="2588630" cy="1405943"/>
+            <a:chOff x="3200400" y="3200400"/>
+            <a:chExt cx="3581400" cy="3200400"/>
+          </a:xfrm>
+        </p:grpSpPr>
+        <p:sp>
+          <p:nvSpPr>
+            <p:cNvPr id="59" name="Rectangle 58"/>
+            <p:cNvSpPr/>
+            <p:nvPr/>
+          </p:nvSpPr>
+          <p:spPr>
+            <a:xfrm>
+              <a:off x="3200400" y="3200400"/>
+              <a:ext cx="3581400" cy="3200400"/>
+            </a:xfrm>
+            <a:prstGeom prst="rect">
+              <a:avLst/>
+            </a:prstGeom>
+            <a:solidFill>
+              <a:srgbClr val="1F497D">
+                <a:lumMod val="20000"/>
+                <a:lumOff val="80000"/>
+              </a:srgbClr>
+            </a:solidFill>
+            <a:ln w="25400" cap="flat" cmpd="sng" algn="ctr">
+              <a:solidFill>
+                <a:srgbClr val="A6C4DE">
+                  <a:shade val="50000"/>
+                </a:srgbClr>
+              </a:solidFill>
+              <a:prstDash val="solid"/>
+            </a:ln>
+            <a:effectLst/>
+          </p:spPr>
+          <p:txBody>
+            <a:bodyPr rtlCol="0" anchor="ctr"/>
+            <a:lstStyle/>
+            <a:p>
+              <a:pPr marL="0" marR="0" lvl="0" indent="0" algn="ctr" defTabSz="914400" eaLnBrk="1" fontAlgn="base" latinLnBrk="0" hangingPunct="1">
+                <a:lnSpc>
+                  <a:spcPct val="100000"/>
+                </a:lnSpc>
+                <a:spcBef>
+                  <a:spcPct val="0"/>
+                </a:spcBef>
+                <a:spcAft>
+                  <a:spcPct val="0"/>
+                </a:spcAft>
+                <a:buClrTx/>
+                <a:buSzTx/>
+                <a:buFontTx/>
+                <a:buNone/>
+                <a:tabLst/>
+                <a:defRPr/>
+              </a:pPr>
+              <a:endParaRPr kumimoji="0" lang="en-US" sz="2400" b="0" i="0" u="none" strike="noStrike" kern="0" cap="none" spc="0" normalizeH="0" baseline="0" noProof="0" dirty="0">
+                <a:ln>
+                  <a:noFill/>
+                </a:ln>
+                <a:solidFill>
+                  <a:srgbClr val="404040"/>
+                </a:solidFill>
+                <a:effectLst/>
+                <a:uLnTx/>
+                <a:uFillTx/>
+                <a:latin typeface="Calibri"/>
+                <a:ea typeface="+mn-ea"/>
+                <a:cs typeface="+mn-cs"/>
+              </a:endParaRPr>
+            </a:p>
+            <a:p>
+              <a:pPr marL="0" marR="0" lvl="0" indent="0" algn="ctr" defTabSz="914400" eaLnBrk="1" fontAlgn="base" latinLnBrk="0" hangingPunct="1">
+                <a:lnSpc>
+                  <a:spcPct val="100000"/>
+                </a:lnSpc>
+                <a:spcBef>
+                  <a:spcPct val="0"/>
+                </a:spcBef>
+                <a:spcAft>
+                  <a:spcPct val="0"/>
+                </a:spcAft>
+                <a:buClrTx/>
+                <a:buSzTx/>
+                <a:buFontTx/>
+                <a:buNone/>
+                <a:tabLst/>
+                <a:defRPr/>
+              </a:pPr>
+              <a:endParaRPr kumimoji="0" lang="en-US" sz="2400" b="0" i="0" u="none" strike="noStrike" kern="0" cap="none" spc="0" normalizeH="0" baseline="0" noProof="0" dirty="0">
+                <a:ln>
+                  <a:noFill/>
+                </a:ln>
+                <a:solidFill>
+                  <a:srgbClr val="404040"/>
+                </a:solidFill>
+                <a:effectLst/>
+                <a:uLnTx/>
+                <a:uFillTx/>
+                <a:latin typeface="Calibri"/>
+                <a:ea typeface="+mn-ea"/>
+                <a:cs typeface="+mn-cs"/>
+              </a:endParaRPr>
+            </a:p>
+            <a:p>
+              <a:pPr marL="0" marR="0" lvl="0" indent="0" algn="ctr" defTabSz="914400" eaLnBrk="1" fontAlgn="base" latinLnBrk="0" hangingPunct="1">
+                <a:lnSpc>
+                  <a:spcPct val="100000"/>
+                </a:lnSpc>
+                <a:spcBef>
+                  <a:spcPct val="0"/>
+                </a:spcBef>
+                <a:spcAft>
+                  <a:spcPct val="0"/>
+                </a:spcAft>
+                <a:buClrTx/>
+                <a:buSzTx/>
+                <a:buFontTx/>
+                <a:buNone/>
+                <a:tabLst/>
+                <a:defRPr/>
+              </a:pPr>
+              <a:endParaRPr kumimoji="0" lang="en-US" sz="2400" b="0" i="0" u="none" strike="noStrike" kern="0" cap="none" spc="0" normalizeH="0" baseline="0" noProof="0" dirty="0">
+                <a:ln>
+                  <a:noFill/>
+                </a:ln>
+                <a:solidFill>
+                  <a:srgbClr val="404040"/>
+                </a:solidFill>
+                <a:effectLst/>
+                <a:uLnTx/>
+                <a:uFillTx/>
+                <a:latin typeface="Calibri"/>
+                <a:ea typeface="+mn-ea"/>
+                <a:cs typeface="+mn-cs"/>
+              </a:endParaRPr>
+            </a:p>
+            <a:p>
+              <a:pPr marL="0" marR="0" lvl="0" indent="0" algn="ctr" defTabSz="914400" eaLnBrk="1" fontAlgn="base" latinLnBrk="0" hangingPunct="1">
+                <a:lnSpc>
+                  <a:spcPct val="100000"/>
+                </a:lnSpc>
+                <a:spcBef>
+                  <a:spcPct val="0"/>
+                </a:spcBef>
+                <a:spcAft>
+                  <a:spcPct val="0"/>
+                </a:spcAft>
+                <a:buClrTx/>
+                <a:buSzTx/>
+                <a:buFontTx/>
+                <a:buNone/>
+                <a:tabLst/>
+                <a:defRPr/>
+              </a:pPr>
+              <a:endParaRPr kumimoji="0" lang="en-US" sz="2400" b="0" i="0" u="none" strike="noStrike" kern="0" cap="none" spc="0" normalizeH="0" baseline="0" noProof="0" dirty="0">
+                <a:ln>
+                  <a:noFill/>
+                </a:ln>
+                <a:solidFill>
+                  <a:srgbClr val="404040"/>
+                </a:solidFill>
+                <a:effectLst/>
+                <a:uLnTx/>
+                <a:uFillTx/>
+                <a:latin typeface="Calibri"/>
+                <a:ea typeface="+mn-ea"/>
+                <a:cs typeface="+mn-cs"/>
+              </a:endParaRPr>
+            </a:p>
+            <a:p>
+              <a:pPr marL="0" marR="0" lvl="0" indent="0" algn="ctr" defTabSz="914400" eaLnBrk="1" fontAlgn="base" latinLnBrk="0" hangingPunct="1">
+                <a:lnSpc>
+                  <a:spcPct val="100000"/>
+                </a:lnSpc>
+                <a:spcBef>
+                  <a:spcPct val="0"/>
+                </a:spcBef>
+                <a:spcAft>
+                  <a:spcPct val="0"/>
+                </a:spcAft>
+                <a:buClrTx/>
+                <a:buSzTx/>
+                <a:buFontTx/>
+                <a:buNone/>
+                <a:tabLst/>
+                <a:defRPr/>
+              </a:pPr>
+              <a:endParaRPr kumimoji="0" lang="en-US" sz="2400" b="0" i="0" u="none" strike="noStrike" kern="0" cap="none" spc="0" normalizeH="0" baseline="0" noProof="0" dirty="0">
+                <a:ln>
+                  <a:noFill/>
+                </a:ln>
+                <a:solidFill>
+                  <a:srgbClr val="404040"/>
+                </a:solidFill>
+                <a:effectLst/>
+                <a:uLnTx/>
+                <a:uFillTx/>
+                <a:latin typeface="Calibri"/>
+                <a:ea typeface="+mn-ea"/>
+                <a:cs typeface="+mn-cs"/>
+              </a:endParaRPr>
+            </a:p>
+            <a:p>
+              <a:pPr marL="0" marR="0" lvl="0" indent="0" algn="ctr" defTabSz="914400" eaLnBrk="1" fontAlgn="base" latinLnBrk="0" hangingPunct="1">
+                <a:lnSpc>
+                  <a:spcPct val="100000"/>
+                </a:lnSpc>
+                <a:spcBef>
+                  <a:spcPct val="0"/>
+                </a:spcBef>
+                <a:spcAft>
+                  <a:spcPct val="0"/>
+                </a:spcAft>
+                <a:buClrTx/>
+                <a:buSzTx/>
+                <a:buFontTx/>
+                <a:buNone/>
+                <a:tabLst/>
+                <a:defRPr/>
+              </a:pPr>
+              <a:endParaRPr kumimoji="0" lang="en-US" sz="2400" b="0" i="0" u="none" strike="noStrike" kern="0" cap="none" spc="0" normalizeH="0" baseline="0" noProof="0" dirty="0">
+                <a:ln>
+                  <a:noFill/>
+                </a:ln>
+                <a:solidFill>
+                  <a:srgbClr val="404040"/>
+                </a:solidFill>
+                <a:effectLst/>
+                <a:uLnTx/>
+                <a:uFillTx/>
+                <a:latin typeface="Calibri"/>
+                <a:ea typeface="+mn-ea"/>
+                <a:cs typeface="+mn-cs"/>
+              </a:endParaRPr>
+            </a:p>
+          </p:txBody>
+        </p:sp>
+        <p:pic>
+          <p:nvPicPr>
+            <p:cNvPr id="60" name="Picture 2" descr="C:\cygwin\home\justin\ATPESC_2013-08-06\part11-swift-py-r\slides\python-powered-h-50x65.png"/>
+            <p:cNvPicPr>
+              <a:picLocks noChangeAspect="1" noChangeArrowheads="1"/>
+            </p:cNvPicPr>
+            <p:nvPr/>
+          </p:nvPicPr>
+          <p:blipFill>
+            <a:blip r:embed="rId2">
+              <a:extLst>
+                <a:ext uri="{28A0092B-C50C-407E-A947-70E740481C1C}">
+                  <a14:useLocalDpi xmlns:a14="http://schemas.microsoft.com/office/drawing/2010/main" val="0"/>
+                </a:ext>
+              </a:extLst>
+            </a:blip>
+            <a:srcRect/>
+            <a:stretch>
+              <a:fillRect/>
+            </a:stretch>
+          </p:blipFill>
+          <p:spPr bwMode="auto">
+            <a:xfrm>
+              <a:off x="3407226" y="5114037"/>
+              <a:ext cx="749559" cy="974427"/>
+            </a:xfrm>
+            <a:prstGeom prst="rect">
+              <a:avLst/>
+            </a:prstGeom>
+            <a:noFill/>
+            <a:extLst>
+              <a:ext uri="{909E8E84-426E-40DD-AFC4-6F175D3DCCD1}">
+                <a14:hiddenFill xmlns:a14="http://schemas.microsoft.com/office/drawing/2010/main">
+                  <a:solidFill>
+                    <a:srgbClr val="FFFFFF"/>
+                  </a:solidFill>
+                </a14:hiddenFill>
+              </a:ext>
+            </a:extLst>
+          </p:spPr>
+        </p:pic>
+        <p:pic>
+          <p:nvPicPr>
+            <p:cNvPr id="61" name="Picture 3" descr="C:\cygwin\home\justin\ATPESC_2013-08-06\part11-swift-py-r\slides\Rlogo.jpg"/>
+            <p:cNvPicPr>
+              <a:picLocks noChangeAspect="1" noChangeArrowheads="1"/>
+            </p:cNvPicPr>
+            <p:nvPr/>
+          </p:nvPicPr>
+          <p:blipFill>
+            <a:blip r:embed="rId3">
+              <a:extLst>
+                <a:ext uri="{28A0092B-C50C-407E-A947-70E740481C1C}">
+                  <a14:useLocalDpi xmlns:a14="http://schemas.microsoft.com/office/drawing/2010/main" val="0"/>
+                </a:ext>
+              </a:extLst>
+            </a:blip>
+            <a:srcRect/>
+            <a:stretch>
+              <a:fillRect/>
+            </a:stretch>
+          </p:blipFill>
+          <p:spPr bwMode="auto">
+            <a:xfrm>
+              <a:off x="4363275" y="5221293"/>
+              <a:ext cx="1004548" cy="759916"/>
+            </a:xfrm>
+            <a:prstGeom prst="rect">
+              <a:avLst/>
+            </a:prstGeom>
+            <a:noFill/>
+            <a:extLst>
+              <a:ext uri="{909E8E84-426E-40DD-AFC4-6F175D3DCCD1}">
+                <a14:hiddenFill xmlns:a14="http://schemas.microsoft.com/office/drawing/2010/main">
+                  <a:solidFill>
+                    <a:srgbClr val="FFFFFF"/>
+                  </a:solidFill>
+                </a14:hiddenFill>
+              </a:ext>
+            </a:extLst>
+          </p:spPr>
+        </p:pic>
+        <p:sp>
+          <p:nvSpPr>
+            <p:cNvPr id="62" name="Rounded Rectangle 61"/>
+            <p:cNvSpPr/>
+            <p:nvPr/>
+          </p:nvSpPr>
+          <p:spPr>
+            <a:xfrm>
+              <a:off x="3431332" y="4052596"/>
+              <a:ext cx="762000" cy="748004"/>
+            </a:xfrm>
+            <a:prstGeom prst="roundRect">
+              <a:avLst/>
+            </a:prstGeom>
+            <a:solidFill>
+              <a:srgbClr val="A6C4DE"/>
+            </a:solidFill>
+            <a:ln w="25400" cap="flat" cmpd="sng" algn="ctr">
+              <a:solidFill>
+                <a:srgbClr val="A6C4DE">
+                  <a:shade val="50000"/>
+                </a:srgbClr>
+              </a:solidFill>
+              <a:prstDash val="solid"/>
+            </a:ln>
+            <a:effectLst/>
+          </p:spPr>
+          <p:txBody>
+            <a:bodyPr rtlCol="0" anchor="ctr"/>
+            <a:lstStyle/>
+            <a:p>
+              <a:pPr marL="0" marR="0" lvl="0" indent="0" algn="ctr" defTabSz="914400" eaLnBrk="1" fontAlgn="base" latinLnBrk="0" hangingPunct="1">
+                <a:lnSpc>
+                  <a:spcPct val="100000"/>
+                </a:lnSpc>
+                <a:spcBef>
+                  <a:spcPct val="0"/>
+                </a:spcBef>
+                <a:spcAft>
+                  <a:spcPct val="0"/>
+                </a:spcAft>
+                <a:buClrTx/>
+                <a:buSzTx/>
+                <a:buFontTx/>
+                <a:buNone/>
+                <a:tabLst/>
+                <a:defRPr/>
+              </a:pPr>
+              <a:r>
+                <a:rPr kumimoji="0" lang="en-US" sz="2400" b="0" i="0" u="none" strike="noStrike" kern="0" cap="none" spc="0" normalizeH="0" baseline="0" noProof="0" dirty="0">
+                  <a:ln>
+                    <a:noFill/>
+                  </a:ln>
+                  <a:solidFill>
+                    <a:srgbClr val="FFFFFF"/>
+                  </a:solidFill>
+                  <a:effectLst/>
+                  <a:uLnTx/>
+                  <a:uFillTx/>
+                  <a:latin typeface="Calibri"/>
+                  <a:ea typeface="+mn-ea"/>
+                  <a:cs typeface="+mn-cs"/>
+                </a:rPr>
+                <a:t>C</a:t>
+              </a:r>
+            </a:p>
+          </p:txBody>
+        </p:sp>
+        <p:sp>
+          <p:nvSpPr>
+            <p:cNvPr id="63" name="Rounded Rectangle 62"/>
+            <p:cNvSpPr/>
+            <p:nvPr/>
+          </p:nvSpPr>
+          <p:spPr>
+            <a:xfrm>
+              <a:off x="4363275" y="4052596"/>
+              <a:ext cx="762000" cy="748004"/>
+            </a:xfrm>
+            <a:prstGeom prst="roundRect">
+              <a:avLst/>
+            </a:prstGeom>
+            <a:solidFill>
+              <a:srgbClr val="A6C4DE"/>
+            </a:solidFill>
+            <a:ln w="25400" cap="flat" cmpd="sng" algn="ctr">
+              <a:solidFill>
+                <a:srgbClr val="A6C4DE">
+                  <a:shade val="50000"/>
+                </a:srgbClr>
+              </a:solidFill>
+              <a:prstDash val="solid"/>
+            </a:ln>
+            <a:effectLst/>
+          </p:spPr>
+          <p:txBody>
+            <a:bodyPr rtlCol="0" anchor="ctr"/>
+            <a:lstStyle/>
+            <a:p>
+              <a:pPr marL="0" marR="0" lvl="0" indent="0" algn="ctr" defTabSz="914400" eaLnBrk="1" fontAlgn="base" latinLnBrk="0" hangingPunct="1">
+                <a:lnSpc>
+                  <a:spcPct val="100000"/>
+                </a:lnSpc>
+                <a:spcBef>
+                  <a:spcPct val="0"/>
+                </a:spcBef>
+                <a:spcAft>
+                  <a:spcPct val="0"/>
+                </a:spcAft>
+                <a:buClrTx/>
+                <a:buSzTx/>
+                <a:buFontTx/>
+                <a:buNone/>
+                <a:tabLst/>
+                <a:defRPr/>
+              </a:pPr>
+              <a:r>
+                <a:rPr kumimoji="0" lang="en-US" sz="2400" b="0" i="0" u="none" strike="noStrike" kern="0" cap="none" spc="0" normalizeH="0" baseline="0" noProof="0" dirty="0">
+                  <a:ln>
+                    <a:noFill/>
+                  </a:ln>
+                  <a:solidFill>
+                    <a:srgbClr val="FFFFFF"/>
+                  </a:solidFill>
+                  <a:effectLst/>
+                  <a:uLnTx/>
+                  <a:uFillTx/>
+                  <a:latin typeface="Calibri"/>
+                  <a:ea typeface="+mn-ea"/>
+                  <a:cs typeface="+mn-cs"/>
+                </a:rPr>
+                <a:t>C++</a:t>
+              </a:r>
+            </a:p>
+          </p:txBody>
+        </p:sp>
+        <p:sp>
+          <p:nvSpPr>
+            <p:cNvPr id="64" name="Rounded Rectangle 63"/>
+            <p:cNvSpPr/>
+            <p:nvPr/>
+          </p:nvSpPr>
+          <p:spPr>
+            <a:xfrm>
+              <a:off x="5367823" y="4019647"/>
+              <a:ext cx="1237863" cy="748004"/>
+            </a:xfrm>
+            <a:prstGeom prst="roundRect">
+              <a:avLst/>
+            </a:prstGeom>
+            <a:solidFill>
+              <a:srgbClr val="A6C4DE"/>
+            </a:solidFill>
+            <a:ln w="25400" cap="flat" cmpd="sng" algn="ctr">
+              <a:solidFill>
+                <a:srgbClr val="A6C4DE">
+                  <a:shade val="50000"/>
+                </a:srgbClr>
+              </a:solidFill>
+              <a:prstDash val="solid"/>
+            </a:ln>
+            <a:effectLst/>
+          </p:spPr>
+          <p:txBody>
+            <a:bodyPr rtlCol="0" anchor="ctr"/>
+            <a:lstStyle/>
+            <a:p>
+              <a:pPr marL="0" marR="0" lvl="0" indent="0" algn="ctr" defTabSz="914400" eaLnBrk="1" fontAlgn="base" latinLnBrk="0" hangingPunct="1">
+                <a:lnSpc>
+                  <a:spcPct val="100000"/>
+                </a:lnSpc>
+                <a:spcBef>
+                  <a:spcPct val="0"/>
+                </a:spcBef>
+                <a:spcAft>
+                  <a:spcPct val="0"/>
+                </a:spcAft>
+                <a:buClrTx/>
+                <a:buSzTx/>
+                <a:buFontTx/>
+                <a:buNone/>
+                <a:tabLst/>
+                <a:defRPr/>
+              </a:pPr>
+              <a:r>
+                <a:rPr kumimoji="0" lang="en-US" sz="2400" b="0" i="0" u="none" strike="noStrike" kern="0" cap="none" spc="0" normalizeH="0" baseline="0" noProof="0" dirty="0">
+                  <a:ln>
+                    <a:noFill/>
+                  </a:ln>
+                  <a:solidFill>
+                    <a:srgbClr val="FFFFFF"/>
+                  </a:solidFill>
+                  <a:effectLst/>
+                  <a:uLnTx/>
+                  <a:uFillTx/>
+                  <a:latin typeface="Calibri"/>
+                  <a:ea typeface="+mn-ea"/>
+                  <a:cs typeface="+mn-cs"/>
+                </a:rPr>
+                <a:t>Fortran</a:t>
+              </a:r>
+            </a:p>
+          </p:txBody>
+        </p:sp>
+        <p:pic>
+          <p:nvPicPr>
+            <p:cNvPr id="65" name="Picture 4" descr="C:\Users\justin\Desktop\tcllogo-tr.gif"/>
+            <p:cNvPicPr>
+              <a:picLocks noChangeAspect="1" noChangeArrowheads="1"/>
+            </p:cNvPicPr>
+            <p:nvPr/>
+          </p:nvPicPr>
+          <p:blipFill>
+            <a:blip r:embed="rId4">
+              <a:extLst>
+                <a:ext uri="{28A0092B-C50C-407E-A947-70E740481C1C}">
+                  <a14:useLocalDpi xmlns:a14="http://schemas.microsoft.com/office/drawing/2010/main" val="0"/>
+                </a:ext>
+              </a:extLst>
+            </a:blip>
+            <a:srcRect/>
+            <a:stretch>
+              <a:fillRect/>
+            </a:stretch>
+          </p:blipFill>
+          <p:spPr bwMode="auto">
+            <a:xfrm>
+              <a:off x="5591563" y="4469288"/>
+              <a:ext cx="814096" cy="1197200"/>
+            </a:xfrm>
+            <a:prstGeom prst="rect">
+              <a:avLst/>
+            </a:prstGeom>
+            <a:noFill/>
+            <a:extLst>
+              <a:ext uri="{909E8E84-426E-40DD-AFC4-6F175D3DCCD1}">
+                <a14:hiddenFill xmlns:a14="http://schemas.microsoft.com/office/drawing/2010/main">
+                  <a:solidFill>
+                    <a:srgbClr val="FFFFFF"/>
+                  </a:solidFill>
+                </a14:hiddenFill>
+              </a:ext>
+            </a:extLst>
+          </p:spPr>
+        </p:pic>
+      </p:grpSp>
+      <p:sp>
+        <p:nvSpPr>
+          <p:cNvPr id="52" name="Rectangle 51"/>
+          <p:cNvSpPr/>
+          <p:nvPr/>
+        </p:nvSpPr>
+        <p:spPr>
+          <a:xfrm>
+            <a:off x="6296044" y="3469396"/>
+            <a:ext cx="2588630" cy="1382093"/>
+          </a:xfrm>
+          <a:prstGeom prst="rect">
+            <a:avLst/>
+          </a:prstGeom>
+          <a:solidFill>
+            <a:srgbClr val="1F497D">
+              <a:lumMod val="20000"/>
+              <a:lumOff val="80000"/>
+            </a:srgbClr>
+          </a:solidFill>
+          <a:ln w="25400" cap="flat" cmpd="sng" algn="ctr">
+            <a:solidFill>
+              <a:srgbClr val="A6C4DE">
+                <a:shade val="50000"/>
+              </a:srgbClr>
+            </a:solidFill>
+            <a:prstDash val="solid"/>
+          </a:ln>
+          <a:effectLst/>
+        </p:spPr>
+        <p:txBody>
+          <a:bodyPr rtlCol="0" anchor="t" anchorCtr="0"/>
+          <a:lstStyle/>
+          <a:p>
+            <a:pPr marL="0" marR="0" lvl="0" indent="0" algn="ctr" defTabSz="914400" eaLnBrk="1" fontAlgn="base" latinLnBrk="0" hangingPunct="1">
+              <a:lnSpc>
+                <a:spcPct val="100000"/>
+              </a:lnSpc>
+              <a:spcBef>
+                <a:spcPct val="0"/>
+              </a:spcBef>
+              <a:spcAft>
+                <a:spcPct val="0"/>
+              </a:spcAft>
+              <a:buClrTx/>
+              <a:buSzTx/>
+              <a:buFontTx/>
+              <a:buNone/>
+              <a:tabLst/>
+              <a:defRPr/>
+            </a:pPr>
+            <a:endParaRPr kumimoji="0" lang="en-US" sz="2400" b="0" i="0" u="none" strike="noStrike" kern="0" cap="none" spc="0" normalizeH="0" baseline="0" noProof="0" dirty="0">
+              <a:ln>
+                <a:noFill/>
+              </a:ln>
+              <a:solidFill>
+                <a:srgbClr val="404040"/>
+              </a:solidFill>
+              <a:effectLst/>
+              <a:uLnTx/>
+              <a:uFillTx/>
+              <a:latin typeface="Calibri"/>
+              <a:ea typeface="+mn-ea"/>
+              <a:cs typeface="+mn-cs"/>
+            </a:endParaRPr>
+          </a:p>
+          <a:p>
+            <a:pPr marL="0" marR="0" lvl="0" indent="0" algn="ctr" defTabSz="914400" eaLnBrk="1" fontAlgn="base" latinLnBrk="0" hangingPunct="1">
+              <a:lnSpc>
+                <a:spcPct val="100000"/>
+              </a:lnSpc>
+              <a:spcBef>
+                <a:spcPct val="0"/>
+              </a:spcBef>
+              <a:spcAft>
+                <a:spcPct val="0"/>
+              </a:spcAft>
+              <a:buClrTx/>
+              <a:buSzTx/>
+              <a:buFontTx/>
+              <a:buNone/>
+              <a:tabLst/>
+              <a:defRPr/>
+            </a:pPr>
+            <a:endParaRPr kumimoji="0" lang="en-US" sz="2400" b="0" i="0" u="none" strike="noStrike" kern="0" cap="none" spc="0" normalizeH="0" baseline="0" noProof="0" dirty="0">
+              <a:ln>
+                <a:noFill/>
+              </a:ln>
+              <a:solidFill>
+                <a:srgbClr val="404040"/>
+              </a:solidFill>
+              <a:effectLst/>
+              <a:uLnTx/>
+              <a:uFillTx/>
+              <a:latin typeface="Calibri"/>
+              <a:ea typeface="+mn-ea"/>
+              <a:cs typeface="+mn-cs"/>
+            </a:endParaRPr>
+          </a:p>
+          <a:p>
+            <a:pPr marL="0" marR="0" lvl="0" indent="0" algn="ctr" defTabSz="914400" eaLnBrk="1" fontAlgn="base" latinLnBrk="0" hangingPunct="1">
+              <a:lnSpc>
+                <a:spcPct val="100000"/>
+              </a:lnSpc>
+              <a:spcBef>
+                <a:spcPct val="0"/>
+              </a:spcBef>
+              <a:spcAft>
+                <a:spcPct val="0"/>
+              </a:spcAft>
+              <a:buClrTx/>
+              <a:buSzTx/>
+              <a:buFontTx/>
+              <a:buNone/>
+              <a:tabLst/>
+              <a:defRPr/>
+            </a:pPr>
+            <a:endParaRPr kumimoji="0" lang="en-US" sz="2400" b="0" i="0" u="none" strike="noStrike" kern="0" cap="none" spc="0" normalizeH="0" baseline="0" noProof="0" dirty="0">
+              <a:ln>
+                <a:noFill/>
+              </a:ln>
+              <a:solidFill>
+                <a:srgbClr val="404040"/>
+              </a:solidFill>
+              <a:effectLst/>
+              <a:uLnTx/>
+              <a:uFillTx/>
+              <a:latin typeface="Calibri"/>
+              <a:ea typeface="+mn-ea"/>
+              <a:cs typeface="+mn-cs"/>
+            </a:endParaRPr>
+          </a:p>
+          <a:p>
+            <a:pPr marL="0" marR="0" lvl="0" indent="0" algn="ctr" defTabSz="914400" eaLnBrk="1" fontAlgn="base" latinLnBrk="0" hangingPunct="1">
+              <a:lnSpc>
+                <a:spcPct val="100000"/>
+              </a:lnSpc>
+              <a:spcBef>
+                <a:spcPct val="0"/>
+              </a:spcBef>
+              <a:spcAft>
+                <a:spcPct val="0"/>
+              </a:spcAft>
+              <a:buClrTx/>
+              <a:buSzTx/>
+              <a:buFontTx/>
+              <a:buNone/>
+              <a:tabLst/>
+              <a:defRPr/>
+            </a:pPr>
+            <a:endParaRPr kumimoji="0" lang="en-US" sz="2400" b="0" i="0" u="none" strike="noStrike" kern="0" cap="none" spc="0" normalizeH="0" baseline="0" noProof="0" dirty="0">
+              <a:ln>
+                <a:noFill/>
+              </a:ln>
+              <a:solidFill>
+                <a:srgbClr val="404040"/>
+              </a:solidFill>
+              <a:effectLst/>
+              <a:uLnTx/>
+              <a:uFillTx/>
+              <a:latin typeface="Calibri"/>
+              <a:ea typeface="+mn-ea"/>
+              <a:cs typeface="+mn-cs"/>
+            </a:endParaRPr>
+          </a:p>
+          <a:p>
+            <a:pPr marL="0" marR="0" lvl="0" indent="0" algn="ctr" defTabSz="914400" eaLnBrk="1" fontAlgn="base" latinLnBrk="0" hangingPunct="1">
+              <a:lnSpc>
+                <a:spcPct val="100000"/>
+              </a:lnSpc>
+              <a:spcBef>
+                <a:spcPct val="0"/>
+              </a:spcBef>
+              <a:spcAft>
+                <a:spcPct val="0"/>
+              </a:spcAft>
+              <a:buClrTx/>
+              <a:buSzTx/>
+              <a:buFontTx/>
+              <a:buNone/>
+              <a:tabLst/>
+              <a:defRPr/>
+            </a:pPr>
+            <a:endParaRPr kumimoji="0" lang="en-US" sz="2400" b="0" i="0" u="none" strike="noStrike" kern="0" cap="none" spc="0" normalizeH="0" baseline="0" noProof="0" dirty="0">
+              <a:ln>
+                <a:noFill/>
+              </a:ln>
+              <a:solidFill>
+                <a:srgbClr val="404040"/>
+              </a:solidFill>
+              <a:effectLst/>
+              <a:uLnTx/>
+              <a:uFillTx/>
+              <a:latin typeface="Calibri"/>
+              <a:ea typeface="+mn-ea"/>
+              <a:cs typeface="+mn-cs"/>
+            </a:endParaRPr>
+          </a:p>
+          <a:p>
+            <a:pPr marL="0" marR="0" lvl="0" indent="0" algn="ctr" defTabSz="914400" eaLnBrk="1" fontAlgn="base" latinLnBrk="0" hangingPunct="1">
+              <a:lnSpc>
+                <a:spcPct val="100000"/>
+              </a:lnSpc>
+              <a:spcBef>
+                <a:spcPct val="0"/>
+              </a:spcBef>
+              <a:spcAft>
+                <a:spcPct val="0"/>
+              </a:spcAft>
+              <a:buClrTx/>
+              <a:buSzTx/>
+              <a:buFontTx/>
+              <a:buNone/>
+              <a:tabLst/>
+              <a:defRPr/>
+            </a:pPr>
+            <a:endParaRPr kumimoji="0" lang="en-US" sz="2400" b="0" i="0" u="none" strike="noStrike" kern="0" cap="none" spc="0" normalizeH="0" baseline="0" noProof="0" dirty="0">
+              <a:ln>
+                <a:noFill/>
+              </a:ln>
+              <a:solidFill>
+                <a:srgbClr val="404040"/>
+              </a:solidFill>
+              <a:effectLst/>
+              <a:uLnTx/>
+              <a:uFillTx/>
+              <a:latin typeface="Calibri"/>
+              <a:ea typeface="+mn-ea"/>
+              <a:cs typeface="+mn-cs"/>
+            </a:endParaRPr>
+          </a:p>
+        </p:txBody>
+      </p:sp>
+      <p:sp>
+        <p:nvSpPr>
+          <p:cNvPr id="55" name="Rounded Rectangle 54"/>
+          <p:cNvSpPr/>
+          <p:nvPr/>
+        </p:nvSpPr>
+        <p:spPr>
+          <a:xfrm>
+            <a:off x="6567936" y="4012486"/>
+            <a:ext cx="622449" cy="526643"/>
+          </a:xfrm>
+          <a:prstGeom prst="roundRect">
+            <a:avLst/>
+          </a:prstGeom>
+          <a:solidFill>
+            <a:srgbClr val="A6C4DE"/>
+          </a:solidFill>
+          <a:ln w="25400" cap="flat" cmpd="sng" algn="ctr">
+            <a:solidFill>
+              <a:srgbClr val="A6C4DE">
+                <a:shade val="50000"/>
+              </a:srgbClr>
+            </a:solidFill>
+            <a:prstDash val="solid"/>
+          </a:ln>
+          <a:effectLst/>
+        </p:spPr>
+        <p:txBody>
+          <a:bodyPr rtlCol="0" anchor="ctr"/>
+          <a:lstStyle/>
+          <a:p>
+            <a:pPr marL="0" marR="0" lvl="0" indent="0" algn="ctr" defTabSz="914400" eaLnBrk="1" fontAlgn="base" latinLnBrk="0" hangingPunct="1">
+              <a:lnSpc>
+                <a:spcPct val="100000"/>
+              </a:lnSpc>
+              <a:spcBef>
+                <a:spcPct val="0"/>
+              </a:spcBef>
+              <a:spcAft>
+                <a:spcPct val="0"/>
+              </a:spcAft>
+              <a:buClrTx/>
+              <a:buSzTx/>
+              <a:buFontTx/>
+              <a:buNone/>
+              <a:tabLst/>
+              <a:defRPr/>
+            </a:pPr>
+            <a:r>
+              <a:rPr kumimoji="0" lang="en-US" sz="1800" b="0" i="0" u="none" strike="noStrike" kern="0" cap="none" spc="0" normalizeH="0" baseline="0" noProof="0" dirty="0">
+                <a:ln>
+                  <a:noFill/>
+                </a:ln>
+                <a:solidFill>
+                  <a:srgbClr val="FFFFFF"/>
+                </a:solidFill>
+                <a:effectLst/>
+                <a:uLnTx/>
+                <a:uFillTx/>
+                <a:latin typeface="Calibri"/>
+                <a:ea typeface="+mn-ea"/>
+                <a:cs typeface="+mn-cs"/>
+              </a:rPr>
+              <a:t>C++</a:t>
+            </a:r>
+          </a:p>
+        </p:txBody>
+      </p:sp>
+      <p:cxnSp>
+        <p:nvCxnSpPr>
+          <p:cNvPr id="73" name="Straight Arrow Connector 72"/>
+          <p:cNvCxnSpPr>
+            <a:cxnSpLocks/>
+          </p:cNvCxnSpPr>
+          <p:nvPr/>
+        </p:nvCxnSpPr>
+        <p:spPr>
+          <a:xfrm>
+            <a:off x="5882311" y="4075148"/>
+            <a:ext cx="523888" cy="12364"/>
+          </a:xfrm>
+          <a:prstGeom prst="straightConnector1">
+            <a:avLst/>
+          </a:prstGeom>
+          <a:noFill/>
+          <a:ln w="25400" cap="flat" cmpd="sng" algn="ctr">
+            <a:solidFill>
+              <a:srgbClr val="A6C4DE">
+                <a:shade val="95000"/>
+                <a:satMod val="105000"/>
+              </a:srgbClr>
+            </a:solidFill>
+            <a:prstDash val="solid"/>
+            <a:headEnd type="arrow"/>
+            <a:tailEnd type="arrow"/>
+          </a:ln>
+          <a:effectLst/>
+        </p:spPr>
+      </p:cxnSp>
+      <p:cxnSp>
+        <p:nvCxnSpPr>
+          <p:cNvPr id="74" name="Straight Arrow Connector 73"/>
+          <p:cNvCxnSpPr>
+            <a:cxnSpLocks/>
+          </p:cNvCxnSpPr>
+          <p:nvPr/>
+        </p:nvCxnSpPr>
+        <p:spPr>
+          <a:xfrm>
+            <a:off x="5882311" y="4281972"/>
+            <a:ext cx="523889" cy="0"/>
+          </a:xfrm>
+          <a:prstGeom prst="straightConnector1">
+            <a:avLst/>
+          </a:prstGeom>
+          <a:noFill/>
+          <a:ln w="25400" cap="flat" cmpd="sng" algn="ctr">
+            <a:solidFill>
+              <a:srgbClr val="A6C4DE">
+                <a:shade val="95000"/>
+                <a:satMod val="105000"/>
+              </a:srgbClr>
+            </a:solidFill>
+            <a:prstDash val="solid"/>
+            <a:headEnd type="arrow"/>
+            <a:tailEnd type="arrow"/>
+          </a:ln>
+          <a:effectLst/>
+        </p:spPr>
+      </p:cxnSp>
+      <p:grpSp>
+        <p:nvGrpSpPr>
+          <p:cNvPr id="75" name="Group 74"/>
+          <p:cNvGrpSpPr/>
+          <p:nvPr/>
+        </p:nvGrpSpPr>
+        <p:grpSpPr>
+          <a:xfrm>
+            <a:off x="5846842" y="4383127"/>
+            <a:ext cx="837922" cy="522979"/>
+            <a:chOff x="5181926" y="5559107"/>
+            <a:chExt cx="745191" cy="522978"/>
+          </a:xfrm>
+        </p:grpSpPr>
+        <p:sp>
+          <p:nvSpPr>
+            <p:cNvPr id="76" name="Oval 75"/>
+            <p:cNvSpPr/>
+            <p:nvPr/>
+          </p:nvSpPr>
+          <p:spPr bwMode="auto">
+            <a:xfrm>
+              <a:off x="5213470" y="5559107"/>
+              <a:ext cx="447364" cy="522978"/>
+            </a:xfrm>
+            <a:prstGeom prst="ellipse">
+              <a:avLst/>
+            </a:prstGeom>
+            <a:solidFill>
+              <a:srgbClr val="FFFFFF"/>
+            </a:solidFill>
+            <a:ln w="9525" cap="flat" cmpd="sng" algn="ctr">
+              <a:noFill/>
+              <a:prstDash val="solid"/>
+              <a:round/>
+              <a:headEnd type="none" w="med" len="med"/>
+              <a:tailEnd type="none" w="med" len="med"/>
+            </a:ln>
+            <a:effectLst/>
+          </p:spPr>
+          <p:txBody>
+            <a:bodyPr vert="horz" wrap="square" lIns="91440" tIns="45720" rIns="91440" bIns="45720" numCol="1" rtlCol="0" anchor="t" anchorCtr="0" compatLnSpc="1">
+              <a:prstTxWarp prst="textNoShape">
+                <a:avLst/>
+              </a:prstTxWarp>
+            </a:bodyPr>
+            <a:lstStyle/>
+            <a:p>
+              <a:pPr marL="0" marR="0" lvl="0" indent="0" defTabSz="914400" eaLnBrk="1" fontAlgn="base" latinLnBrk="0" hangingPunct="1">
+                <a:lnSpc>
+                  <a:spcPct val="100000"/>
+                </a:lnSpc>
+                <a:spcBef>
+                  <a:spcPct val="0"/>
+                </a:spcBef>
+                <a:spcAft>
+                  <a:spcPct val="0"/>
+                </a:spcAft>
+                <a:buClrTx/>
+                <a:buSzTx/>
+                <a:buFontTx/>
+                <a:buNone/>
+                <a:tabLst/>
+                <a:defRPr/>
+              </a:pPr>
+              <a:endParaRPr kumimoji="0" lang="en-US" sz="1800" b="0" i="0" u="none" strike="noStrike" kern="0" cap="none" spc="0" normalizeH="0" baseline="0" noProof="0">
+                <a:ln>
+                  <a:noFill/>
+                </a:ln>
+                <a:solidFill>
+                  <a:srgbClr val="404040"/>
+                </a:solidFill>
+                <a:effectLst/>
+                <a:uLnTx/>
+                <a:uFillTx/>
+                <a:latin typeface="Calibri" charset="0"/>
+                <a:ea typeface="MS PGothic" pitchFamily="34" charset="-128"/>
+                <a:cs typeface="MS PGothic" pitchFamily="34" charset="-128"/>
+              </a:endParaRPr>
+            </a:p>
+          </p:txBody>
+        </p:sp>
+        <p:sp>
+          <p:nvSpPr>
+            <p:cNvPr id="77" name="TextBox 76"/>
+            <p:cNvSpPr txBox="1"/>
+            <p:nvPr/>
+          </p:nvSpPr>
+          <p:spPr>
+            <a:xfrm>
+              <a:off x="5181926" y="5620679"/>
+              <a:ext cx="745191" cy="369331"/>
+            </a:xfrm>
+            <a:prstGeom prst="rect">
+              <a:avLst/>
+            </a:prstGeom>
+            <a:noFill/>
+          </p:spPr>
+          <p:txBody>
+            <a:bodyPr wrap="square" rtlCol="0">
+              <a:spAutoFit/>
+            </a:bodyPr>
+            <a:lstStyle/>
+            <a:p>
+              <a:pPr marL="0" marR="0" lvl="0" indent="0" defTabSz="914400" eaLnBrk="1" fontAlgn="base" latinLnBrk="0" hangingPunct="1">
+                <a:lnSpc>
+                  <a:spcPct val="100000"/>
+                </a:lnSpc>
+                <a:spcBef>
+                  <a:spcPct val="0"/>
+                </a:spcBef>
+                <a:spcAft>
+                  <a:spcPct val="0"/>
+                </a:spcAft>
+                <a:buClrTx/>
+                <a:buSzTx/>
+                <a:buFontTx/>
+                <a:buNone/>
+                <a:tabLst/>
+                <a:defRPr/>
+              </a:pPr>
+              <a:r>
+                <a:rPr kumimoji="0" lang="en-US" sz="1800" b="1" i="0" u="none" strike="noStrike" kern="0" cap="none" spc="0" normalizeH="0" baseline="0" noProof="0" dirty="0">
+                  <a:ln>
+                    <a:noFill/>
+                  </a:ln>
+                  <a:solidFill>
+                    <a:srgbClr val="404040"/>
+                  </a:solidFill>
+                  <a:effectLst/>
+                  <a:uLnTx/>
+                  <a:uFillTx/>
+                  <a:latin typeface="Calibri" charset="0"/>
+                  <a:ea typeface="MS PGothic" pitchFamily="34" charset="-128"/>
+                </a:rPr>
+                <a:t>MPI</a:t>
+              </a:r>
+            </a:p>
+          </p:txBody>
+        </p:sp>
+      </p:grpSp>
+      <p:sp>
+        <p:nvSpPr>
+          <p:cNvPr id="78" name="TextBox 77"/>
+          <p:cNvSpPr txBox="1"/>
+          <p:nvPr/>
+        </p:nvSpPr>
+        <p:spPr>
+          <a:xfrm>
+            <a:off x="6445538" y="3563951"/>
+            <a:ext cx="2311841" cy="369332"/>
+          </a:xfrm>
+          <a:prstGeom prst="rect">
+            <a:avLst/>
+          </a:prstGeom>
+          <a:noFill/>
+        </p:spPr>
+        <p:txBody>
+          <a:bodyPr wrap="square" rtlCol="0">
+            <a:spAutoFit/>
+          </a:bodyPr>
+          <a:lstStyle/>
+          <a:p>
+            <a:pPr algn="ctr" fontAlgn="base">
+              <a:spcBef>
+                <a:spcPct val="0"/>
+              </a:spcBef>
+              <a:spcAft>
+                <a:spcPct val="0"/>
+              </a:spcAft>
+            </a:pPr>
+            <a:r>
+              <a:rPr lang="en-US" b="1" dirty="0">
+                <a:solidFill>
+                  <a:srgbClr val="404040"/>
+                </a:solidFill>
+                <a:latin typeface="Calibri" charset="0"/>
+                <a:ea typeface="MS PGothic" pitchFamily="34" charset="-128"/>
+              </a:rPr>
+              <a:t>Swift/T worker</a:t>
+            </a:r>
+          </a:p>
+        </p:txBody>
+      </p:sp>
+      <p:cxnSp>
+        <p:nvCxnSpPr>
+          <p:cNvPr id="79" name="Straight Arrow Connector 78"/>
+          <p:cNvCxnSpPr>
+            <a:cxnSpLocks/>
+          </p:cNvCxnSpPr>
+          <p:nvPr/>
+        </p:nvCxnSpPr>
+        <p:spPr>
+          <a:xfrm>
+            <a:off x="5882311" y="4180273"/>
+            <a:ext cx="519170" cy="0"/>
+          </a:xfrm>
+          <a:prstGeom prst="straightConnector1">
+            <a:avLst/>
+          </a:prstGeom>
+          <a:noFill/>
+          <a:ln w="25400" cap="flat" cmpd="sng" algn="ctr">
+            <a:solidFill>
+              <a:srgbClr val="A6C4DE">
+                <a:shade val="95000"/>
+                <a:satMod val="105000"/>
+              </a:srgbClr>
+            </a:solidFill>
+            <a:prstDash val="solid"/>
+            <a:headEnd type="arrow"/>
+            <a:tailEnd type="arrow"/>
+          </a:ln>
+          <a:effectLst/>
+        </p:spPr>
+      </p:cxnSp>
+      <p:pic>
+        <p:nvPicPr>
+          <p:cNvPr id="1028" name="Picture 4" descr="https://res.cloudinary.com/skillsmatter/image/upload/v1453975328/oceuc8zbcqibbhmxk9ng.png"/>
+          <p:cNvPicPr>
+            <a:picLocks noChangeAspect="1" noChangeArrowheads="1"/>
+          </p:cNvPicPr>
+          <p:nvPr/>
+        </p:nvPicPr>
+        <p:blipFill>
+          <a:blip r:embed="rId5">
+            <a:extLst>
+              <a:ext uri="{28A0092B-C50C-407E-A947-70E740481C1C}">
+                <a14:useLocalDpi xmlns:a14="http://schemas.microsoft.com/office/drawing/2010/main" val="0"/>
+              </a:ext>
+            </a:extLst>
+          </a:blip>
+          <a:srcRect/>
+          <a:stretch>
+            <a:fillRect/>
+          </a:stretch>
+        </p:blipFill>
+        <p:spPr bwMode="auto">
+          <a:xfrm>
+            <a:off x="7338523" y="3988189"/>
+            <a:ext cx="514048" cy="760791"/>
+          </a:xfrm>
+          <a:prstGeom prst="rect">
+            <a:avLst/>
+          </a:prstGeom>
+          <a:noFill/>
+          <a:extLst>
+            <a:ext uri="{909E8E84-426E-40DD-AFC4-6F175D3DCCD1}">
+              <a14:hiddenFill xmlns:a14="http://schemas.microsoft.com/office/drawing/2010/main">
+                <a:solidFill>
+                  <a:srgbClr val="FFFFFF"/>
+                </a:solidFill>
+              </a14:hiddenFill>
+            </a:ext>
+          </a:extLst>
+        </p:spPr>
+      </p:pic>
+      <p:pic>
+        <p:nvPicPr>
+          <p:cNvPr id="58" name="Picture 3" descr="C:\cygwin\home\justin\ATPESC_2013-08-06\part11-swift-py-r\slides\Rlogo.jpg"/>
+          <p:cNvPicPr>
+            <a:picLocks noChangeAspect="1" noChangeArrowheads="1"/>
+          </p:cNvPicPr>
+          <p:nvPr/>
+        </p:nvPicPr>
+        <p:blipFill>
+          <a:blip r:embed="rId3">
+            <a:extLst>
+              <a:ext uri="{28A0092B-C50C-407E-A947-70E740481C1C}">
+                <a14:useLocalDpi xmlns:a14="http://schemas.microsoft.com/office/drawing/2010/main" val="0"/>
+              </a:ext>
+            </a:extLst>
+          </a:blip>
+          <a:srcRect/>
+          <a:stretch>
+            <a:fillRect/>
+          </a:stretch>
+        </p:blipFill>
+        <p:spPr bwMode="auto">
+          <a:xfrm>
+            <a:off x="7985971" y="4082746"/>
+            <a:ext cx="804446" cy="438553"/>
+          </a:xfrm>
+          <a:prstGeom prst="rect">
+            <a:avLst/>
+          </a:prstGeom>
+          <a:noFill/>
+          <a:extLst>
+            <a:ext uri="{909E8E84-426E-40DD-AFC4-6F175D3DCCD1}">
+              <a14:hiddenFill xmlns:a14="http://schemas.microsoft.com/office/drawing/2010/main">
+                <a:solidFill>
+                  <a:srgbClr val="FFFFFF"/>
+                </a:solidFill>
+              </a14:hiddenFill>
+            </a:ext>
+          </a:extLst>
+        </p:spPr>
+      </p:pic>
+      <p:grpSp>
+        <p:nvGrpSpPr>
+          <p:cNvPr id="19" name="Group 18">
+            <a:extLst>
+              <a:ext uri="{FF2B5EF4-FFF2-40B4-BE49-F238E27FC236}">
+                <a16:creationId xmlns:a16="http://schemas.microsoft.com/office/drawing/2014/main" id="{3F7F9546-4D7B-4B33-A1EA-5301C1DFB315}"/>
+              </a:ext>
+            </a:extLst>
+          </p:cNvPr>
+          <p:cNvGrpSpPr/>
+          <p:nvPr/>
+        </p:nvGrpSpPr>
+        <p:grpSpPr>
+          <a:xfrm>
+            <a:off x="7201094" y="208918"/>
+            <a:ext cx="1784621" cy="1069559"/>
+            <a:chOff x="7270356" y="1151794"/>
+            <a:chExt cx="1784621" cy="1069559"/>
+          </a:xfrm>
+        </p:grpSpPr>
+        <p:sp>
+          <p:nvSpPr>
+            <p:cNvPr id="9" name="Rectangle 8">
+              <a:extLst>
+                <a:ext uri="{FF2B5EF4-FFF2-40B4-BE49-F238E27FC236}">
+                  <a16:creationId xmlns:a16="http://schemas.microsoft.com/office/drawing/2014/main" id="{C362C8CE-0963-41B8-95AE-CF489F1E4F50}"/>
+                </a:ext>
+              </a:extLst>
+            </p:cNvPr>
+            <p:cNvSpPr/>
+            <p:nvPr/>
+          </p:nvSpPr>
+          <p:spPr>
+            <a:xfrm>
+              <a:off x="7270356" y="2066885"/>
+              <a:ext cx="1784557" cy="154468"/>
+            </a:xfrm>
+            <a:prstGeom prst="rect">
+              <a:avLst/>
+            </a:prstGeom>
+            <a:solidFill>
+              <a:srgbClr val="071D45"/>
+            </a:solidFill>
+            <a:ln>
+              <a:noFill/>
+            </a:ln>
+            <a:effectLst/>
+          </p:spPr>
+          <p:style>
+            <a:lnRef idx="1">
+              <a:schemeClr val="accent1"/>
+            </a:lnRef>
+            <a:fillRef idx="3">
+              <a:schemeClr val="accent1"/>
+            </a:fillRef>
+            <a:effectRef idx="2">
+              <a:schemeClr val="accent1"/>
+            </a:effectRef>
+            <a:fontRef idx="minor">
+              <a:schemeClr val="lt1"/>
+            </a:fontRef>
+          </p:style>
+          <p:txBody>
+            <a:bodyPr rtlCol="0" anchor="ctr"/>
+            <a:lstStyle/>
+            <a:p>
+              <a:pPr algn="ctr"/>
+              <a:endParaRPr lang="en-US" sz="600" dirty="0">
+                <a:solidFill>
+                  <a:schemeClr val="bg1">
+                    <a:lumMod val="85000"/>
+                  </a:schemeClr>
+                </a:solidFill>
+                <a:latin typeface="Verdana" panose="020B0604030504040204" pitchFamily="34" charset="0"/>
+                <a:ea typeface="Verdana" panose="020B0604030504040204" pitchFamily="34" charset="0"/>
+                <a:cs typeface="Tahoma" panose="020B0604030504040204" pitchFamily="34" charset="0"/>
+              </a:endParaRPr>
+            </a:p>
+          </p:txBody>
+        </p:sp>
+        <p:pic>
+          <p:nvPicPr>
+            <p:cNvPr id="8" name="Picture 7" descr="Graphical user interface, application&#10;&#10;Description automatically generated">
+              <a:extLst>
+                <a:ext uri="{FF2B5EF4-FFF2-40B4-BE49-F238E27FC236}">
+                  <a16:creationId xmlns:a16="http://schemas.microsoft.com/office/drawing/2014/main" id="{FE7A6789-CEBF-482C-B4CD-74CA59958506}"/>
+                </a:ext>
+              </a:extLst>
+            </p:cNvPr>
+            <p:cNvPicPr>
+              <a:picLocks noChangeAspect="1"/>
+            </p:cNvPicPr>
+            <p:nvPr/>
+          </p:nvPicPr>
+          <p:blipFill>
+            <a:blip r:embed="rId6"/>
+            <a:stretch>
+              <a:fillRect/>
+            </a:stretch>
+          </p:blipFill>
+          <p:spPr>
+            <a:xfrm>
+              <a:off x="7270420" y="1151794"/>
+              <a:ext cx="1784557" cy="1004397"/>
+            </a:xfrm>
+            <a:prstGeom prst="rect">
+              <a:avLst/>
+            </a:prstGeom>
+          </p:spPr>
+        </p:pic>
+        <p:sp>
+          <p:nvSpPr>
+            <p:cNvPr id="12" name="Rectangle 11">
+              <a:extLst>
+                <a:ext uri="{FF2B5EF4-FFF2-40B4-BE49-F238E27FC236}">
+                  <a16:creationId xmlns:a16="http://schemas.microsoft.com/office/drawing/2014/main" id="{5ACA2EC8-4EFF-4803-97BF-DD69E8DE7A04}"/>
+                </a:ext>
+              </a:extLst>
+            </p:cNvPr>
+            <p:cNvSpPr/>
+            <p:nvPr/>
+          </p:nvSpPr>
+          <p:spPr>
+            <a:xfrm>
+              <a:off x="7821033" y="2033822"/>
+              <a:ext cx="683200" cy="184666"/>
+            </a:xfrm>
+            <a:prstGeom prst="rect">
+              <a:avLst/>
+            </a:prstGeom>
+          </p:spPr>
+          <p:txBody>
+            <a:bodyPr wrap="none">
+              <a:spAutoFit/>
+            </a:bodyPr>
+            <a:lstStyle/>
+            <a:p>
+              <a:pPr algn="ctr"/>
+              <a:r>
+                <a:rPr lang="en-US" sz="600" dirty="0">
+                  <a:solidFill>
+                    <a:schemeClr val="bg1">
+                      <a:lumMod val="85000"/>
+                    </a:schemeClr>
+                  </a:solidFill>
+                  <a:latin typeface="Verdana" panose="020B0604030504040204" pitchFamily="34" charset="0"/>
+                  <a:ea typeface="Verdana" panose="020B0604030504040204" pitchFamily="34" charset="0"/>
+                  <a:cs typeface="Tahoma" panose="020B0604030504040204" pitchFamily="34" charset="0"/>
+                </a:rPr>
+                <a:t>Finalist 2020</a:t>
+              </a:r>
+            </a:p>
+          </p:txBody>
+        </p:sp>
+      </p:grpSp>
+      <p:grpSp>
+        <p:nvGrpSpPr>
+          <p:cNvPr id="3" name="Group 2">
+            <a:extLst>
+              <a:ext uri="{FF2B5EF4-FFF2-40B4-BE49-F238E27FC236}">
+                <a16:creationId xmlns:a16="http://schemas.microsoft.com/office/drawing/2014/main" id="{EC379C00-4DEA-4FCD-81CB-70723B40719A}"/>
+              </a:ext>
+            </a:extLst>
+          </p:cNvPr>
+          <p:cNvGrpSpPr/>
+          <p:nvPr/>
+        </p:nvGrpSpPr>
+        <p:grpSpPr>
+          <a:xfrm>
+            <a:off x="392203" y="4246543"/>
+            <a:ext cx="3983300" cy="1564868"/>
+            <a:chOff x="396200" y="4151664"/>
+            <a:chExt cx="3983300" cy="1564868"/>
+          </a:xfrm>
+        </p:grpSpPr>
+        <p:pic>
+          <p:nvPicPr>
+            <p:cNvPr id="80" name="Picture 79">
+              <a:extLst>
+                <a:ext uri="{FF2B5EF4-FFF2-40B4-BE49-F238E27FC236}">
+                  <a16:creationId xmlns:a16="http://schemas.microsoft.com/office/drawing/2014/main" id="{3CCB1157-F29F-48B7-BD7B-42C1AB808BF4}"/>
+                </a:ext>
+              </a:extLst>
+            </p:cNvPr>
+            <p:cNvPicPr>
+              <a:picLocks noChangeAspect="1"/>
+            </p:cNvPicPr>
+            <p:nvPr/>
+          </p:nvPicPr>
+          <p:blipFill>
+            <a:blip r:embed="rId7"/>
+            <a:stretch>
+              <a:fillRect/>
+            </a:stretch>
+          </p:blipFill>
+          <p:spPr>
+            <a:xfrm>
+              <a:off x="396200" y="4151664"/>
+              <a:ext cx="3983300" cy="1564868"/>
+            </a:xfrm>
+            <a:prstGeom prst="rect">
+              <a:avLst/>
+            </a:prstGeom>
+          </p:spPr>
+        </p:pic>
+        <p:sp>
+          <p:nvSpPr>
+            <p:cNvPr id="13" name="TextBox 12">
+              <a:extLst>
+                <a:ext uri="{FF2B5EF4-FFF2-40B4-BE49-F238E27FC236}">
+                  <a16:creationId xmlns:a16="http://schemas.microsoft.com/office/drawing/2014/main" id="{0E53E1FC-A20B-40BF-9725-8BD91EE929E9}"/>
+                </a:ext>
+              </a:extLst>
+            </p:cNvPr>
+            <p:cNvSpPr txBox="1"/>
+            <p:nvPr/>
+          </p:nvSpPr>
+          <p:spPr>
+            <a:xfrm>
+              <a:off x="783431" y="4901815"/>
+              <a:ext cx="407484" cy="276999"/>
+            </a:xfrm>
+            <a:prstGeom prst="rect">
+              <a:avLst/>
+            </a:prstGeom>
+            <a:noFill/>
+          </p:spPr>
+          <p:txBody>
+            <a:bodyPr wrap="none" rtlCol="0">
+              <a:spAutoFit/>
+            </a:bodyPr>
+            <a:lstStyle/>
+            <a:p>
+              <a:pPr algn="ctr"/>
+              <a:r>
+                <a:rPr lang="en-US" sz="1200" b="1" dirty="0">
+                  <a:solidFill>
+                    <a:schemeClr val="accent6"/>
+                  </a:solidFill>
+                </a:rPr>
+                <a:t>ML</a:t>
+              </a:r>
+            </a:p>
+          </p:txBody>
+        </p:sp>
+        <p:sp>
+          <p:nvSpPr>
+            <p:cNvPr id="83" name="TextBox 82">
+              <a:extLst>
+                <a:ext uri="{FF2B5EF4-FFF2-40B4-BE49-F238E27FC236}">
+                  <a16:creationId xmlns:a16="http://schemas.microsoft.com/office/drawing/2014/main" id="{E012ED7E-C234-4C0C-B4EB-593EA76F025A}"/>
+                </a:ext>
+              </a:extLst>
+            </p:cNvPr>
+            <p:cNvSpPr txBox="1"/>
+            <p:nvPr/>
+          </p:nvSpPr>
+          <p:spPr>
+            <a:xfrm>
+              <a:off x="1142413" y="4894073"/>
+              <a:ext cx="407484" cy="276999"/>
+            </a:xfrm>
+            <a:prstGeom prst="rect">
+              <a:avLst/>
+            </a:prstGeom>
+            <a:noFill/>
+          </p:spPr>
+          <p:txBody>
+            <a:bodyPr wrap="none" rtlCol="0">
+              <a:spAutoFit/>
+            </a:bodyPr>
+            <a:lstStyle/>
+            <a:p>
+              <a:pPr algn="ctr"/>
+              <a:r>
+                <a:rPr lang="en-US" sz="1200" b="1" dirty="0">
+                  <a:solidFill>
+                    <a:schemeClr val="tx2"/>
+                  </a:solidFill>
+                </a:rPr>
+                <a:t>ML</a:t>
+              </a:r>
+            </a:p>
+          </p:txBody>
+        </p:sp>
+        <p:sp>
+          <p:nvSpPr>
+            <p:cNvPr id="84" name="TextBox 83">
+              <a:extLst>
+                <a:ext uri="{FF2B5EF4-FFF2-40B4-BE49-F238E27FC236}">
+                  <a16:creationId xmlns:a16="http://schemas.microsoft.com/office/drawing/2014/main" id="{C18A73BF-ED43-413D-89DA-47F7764E5F21}"/>
+                </a:ext>
+              </a:extLst>
+            </p:cNvPr>
+            <p:cNvSpPr txBox="1"/>
+            <p:nvPr/>
+          </p:nvSpPr>
+          <p:spPr>
+            <a:xfrm>
+              <a:off x="1443934" y="4894073"/>
+              <a:ext cx="407484" cy="276999"/>
+            </a:xfrm>
+            <a:prstGeom prst="rect">
+              <a:avLst/>
+            </a:prstGeom>
+            <a:noFill/>
+          </p:spPr>
+          <p:txBody>
+            <a:bodyPr wrap="none" rtlCol="0">
+              <a:spAutoFit/>
+            </a:bodyPr>
+            <a:lstStyle/>
+            <a:p>
+              <a:pPr algn="ctr"/>
+              <a:r>
+                <a:rPr lang="en-US" sz="1200" b="1" dirty="0">
+                  <a:solidFill>
+                    <a:schemeClr val="accent1">
+                      <a:lumMod val="75000"/>
+                    </a:schemeClr>
+                  </a:solidFill>
+                </a:rPr>
+                <a:t>ML</a:t>
+              </a:r>
+            </a:p>
+          </p:txBody>
+        </p:sp>
+        <p:sp>
+          <p:nvSpPr>
+            <p:cNvPr id="86" name="TextBox 85">
+              <a:extLst>
+                <a:ext uri="{FF2B5EF4-FFF2-40B4-BE49-F238E27FC236}">
+                  <a16:creationId xmlns:a16="http://schemas.microsoft.com/office/drawing/2014/main" id="{06319F46-1D60-4D0A-A292-129BAD422163}"/>
+                </a:ext>
+              </a:extLst>
+            </p:cNvPr>
+            <p:cNvSpPr txBox="1"/>
+            <p:nvPr/>
+          </p:nvSpPr>
+          <p:spPr>
+            <a:xfrm>
+              <a:off x="1990154" y="4894073"/>
+              <a:ext cx="458780" cy="276999"/>
+            </a:xfrm>
+            <a:prstGeom prst="rect">
+              <a:avLst/>
+            </a:prstGeom>
+            <a:noFill/>
+          </p:spPr>
+          <p:txBody>
+            <a:bodyPr wrap="none" rtlCol="0">
+              <a:spAutoFit/>
+            </a:bodyPr>
+            <a:lstStyle/>
+            <a:p>
+              <a:pPr algn="ctr"/>
+              <a:r>
+                <a:rPr lang="en-US" sz="1200" b="1" dirty="0">
+                  <a:solidFill>
+                    <a:schemeClr val="bg2">
+                      <a:lumMod val="60000"/>
+                      <a:lumOff val="40000"/>
+                    </a:schemeClr>
+                  </a:solidFill>
+                </a:rPr>
+                <a:t>SIM</a:t>
+              </a:r>
+            </a:p>
+          </p:txBody>
+        </p:sp>
+        <p:sp>
+          <p:nvSpPr>
+            <p:cNvPr id="87" name="TextBox 86">
+              <a:extLst>
+                <a:ext uri="{FF2B5EF4-FFF2-40B4-BE49-F238E27FC236}">
+                  <a16:creationId xmlns:a16="http://schemas.microsoft.com/office/drawing/2014/main" id="{C5512272-0D80-41E7-AB86-010396D7A828}"/>
+                </a:ext>
+              </a:extLst>
+            </p:cNvPr>
+            <p:cNvSpPr txBox="1"/>
+            <p:nvPr/>
+          </p:nvSpPr>
+          <p:spPr>
+            <a:xfrm>
+              <a:off x="2572254" y="4902513"/>
+              <a:ext cx="407484" cy="276999"/>
+            </a:xfrm>
+            <a:prstGeom prst="rect">
+              <a:avLst/>
+            </a:prstGeom>
+            <a:noFill/>
+          </p:spPr>
+          <p:txBody>
+            <a:bodyPr wrap="none" rtlCol="0">
+              <a:spAutoFit/>
+            </a:bodyPr>
+            <a:lstStyle/>
+            <a:p>
+              <a:pPr algn="ctr"/>
+              <a:r>
+                <a:rPr lang="en-US" sz="1200" b="1" dirty="0">
+                  <a:solidFill>
+                    <a:schemeClr val="accent6"/>
+                  </a:solidFill>
+                </a:rPr>
+                <a:t>ML</a:t>
+              </a:r>
+            </a:p>
+          </p:txBody>
+        </p:sp>
+        <p:sp>
+          <p:nvSpPr>
+            <p:cNvPr id="88" name="TextBox 87">
+              <a:extLst>
+                <a:ext uri="{FF2B5EF4-FFF2-40B4-BE49-F238E27FC236}">
+                  <a16:creationId xmlns:a16="http://schemas.microsoft.com/office/drawing/2014/main" id="{616C1E88-E360-45DA-804C-88BD847E1DA4}"/>
+                </a:ext>
+              </a:extLst>
+            </p:cNvPr>
+            <p:cNvSpPr txBox="1"/>
+            <p:nvPr/>
+          </p:nvSpPr>
+          <p:spPr>
+            <a:xfrm>
+              <a:off x="2916947" y="4894771"/>
+              <a:ext cx="407484" cy="276999"/>
+            </a:xfrm>
+            <a:prstGeom prst="rect">
+              <a:avLst/>
+            </a:prstGeom>
+            <a:noFill/>
+          </p:spPr>
+          <p:txBody>
+            <a:bodyPr wrap="none" rtlCol="0">
+              <a:spAutoFit/>
+            </a:bodyPr>
+            <a:lstStyle/>
+            <a:p>
+              <a:pPr algn="ctr"/>
+              <a:r>
+                <a:rPr lang="en-US" sz="1200" b="1" dirty="0">
+                  <a:solidFill>
+                    <a:schemeClr val="tx2"/>
+                  </a:solidFill>
+                </a:rPr>
+                <a:t>ML</a:t>
+              </a:r>
+            </a:p>
+          </p:txBody>
+        </p:sp>
+        <p:sp>
+          <p:nvSpPr>
+            <p:cNvPr id="89" name="TextBox 88">
+              <a:extLst>
+                <a:ext uri="{FF2B5EF4-FFF2-40B4-BE49-F238E27FC236}">
+                  <a16:creationId xmlns:a16="http://schemas.microsoft.com/office/drawing/2014/main" id="{5951413B-02CB-4C7C-BA92-E54AC7C7FDF4}"/>
+                </a:ext>
+              </a:extLst>
+            </p:cNvPr>
+            <p:cNvSpPr txBox="1"/>
+            <p:nvPr/>
+          </p:nvSpPr>
+          <p:spPr>
+            <a:xfrm>
+              <a:off x="3218468" y="4894771"/>
+              <a:ext cx="407484" cy="276999"/>
+            </a:xfrm>
+            <a:prstGeom prst="rect">
+              <a:avLst/>
+            </a:prstGeom>
+            <a:noFill/>
+          </p:spPr>
+          <p:txBody>
+            <a:bodyPr wrap="none" rtlCol="0">
+              <a:spAutoFit/>
+            </a:bodyPr>
+            <a:lstStyle/>
+            <a:p>
+              <a:pPr algn="ctr"/>
+              <a:r>
+                <a:rPr lang="en-US" sz="1200" b="1" dirty="0">
+                  <a:solidFill>
+                    <a:schemeClr val="accent1">
+                      <a:lumMod val="75000"/>
+                    </a:schemeClr>
+                  </a:solidFill>
+                </a:rPr>
+                <a:t>ML</a:t>
+              </a:r>
+            </a:p>
+          </p:txBody>
+        </p:sp>
+        <p:sp>
+          <p:nvSpPr>
+            <p:cNvPr id="90" name="TextBox 89">
+              <a:extLst>
+                <a:ext uri="{FF2B5EF4-FFF2-40B4-BE49-F238E27FC236}">
+                  <a16:creationId xmlns:a16="http://schemas.microsoft.com/office/drawing/2014/main" id="{C2713B5B-7ABD-4229-993B-F126B8CA3E4F}"/>
+                </a:ext>
+              </a:extLst>
+            </p:cNvPr>
+            <p:cNvSpPr txBox="1"/>
+            <p:nvPr/>
+          </p:nvSpPr>
+          <p:spPr>
+            <a:xfrm>
+              <a:off x="3636095" y="4894771"/>
+              <a:ext cx="458780" cy="276999"/>
+            </a:xfrm>
+            <a:prstGeom prst="rect">
+              <a:avLst/>
+            </a:prstGeom>
+            <a:noFill/>
+          </p:spPr>
+          <p:txBody>
+            <a:bodyPr wrap="none" rtlCol="0">
+              <a:spAutoFit/>
+            </a:bodyPr>
+            <a:lstStyle/>
+            <a:p>
+              <a:pPr algn="ctr"/>
+              <a:r>
+                <a:rPr lang="en-US" sz="1200" b="1" dirty="0">
+                  <a:solidFill>
+                    <a:schemeClr val="bg2">
+                      <a:lumMod val="60000"/>
+                      <a:lumOff val="40000"/>
+                    </a:schemeClr>
+                  </a:solidFill>
+                </a:rPr>
+                <a:t>SIM</a:t>
+              </a:r>
+            </a:p>
+          </p:txBody>
+        </p:sp>
+      </p:grpSp>
+      <p:pic>
+        <p:nvPicPr>
+          <p:cNvPr id="92" name="Picture 91">
+            <a:extLst>
+              <a:ext uri="{FF2B5EF4-FFF2-40B4-BE49-F238E27FC236}">
+                <a16:creationId xmlns:a16="http://schemas.microsoft.com/office/drawing/2014/main" id="{C9828652-EEA9-44FF-BC60-03A9228D67EA}"/>
+              </a:ext>
+            </a:extLst>
+          </p:cNvPr>
+          <p:cNvPicPr>
+            <a:picLocks noChangeAspect="1"/>
+          </p:cNvPicPr>
+          <p:nvPr/>
+        </p:nvPicPr>
+        <p:blipFill>
+          <a:blip r:embed="rId8">
+            <a:extLst>
+              <a:ext uri="{28A0092B-C50C-407E-A947-70E740481C1C}">
+                <a14:useLocalDpi xmlns:a14="http://schemas.microsoft.com/office/drawing/2010/main"/>
+              </a:ext>
+            </a:extLst>
+          </a:blip>
+          <a:stretch>
+            <a:fillRect/>
+          </a:stretch>
+        </p:blipFill>
+        <p:spPr>
+          <a:xfrm>
+            <a:off x="6208019" y="1368022"/>
+            <a:ext cx="1220135" cy="1619066"/>
+          </a:xfrm>
+          <a:prstGeom prst="rect">
+            <a:avLst/>
+          </a:prstGeom>
+          <a:ln>
+            <a:noFill/>
+          </a:ln>
+          <a:effectLst>
+            <a:outerShdw blurRad="292100" dist="139700" dir="2700000" algn="tl" rotWithShape="0">
+              <a:srgbClr val="333333">
+                <a:alpha val="65000"/>
+              </a:srgbClr>
+            </a:outerShdw>
+          </a:effectLst>
+        </p:spPr>
+      </p:pic>
+      <p:sp>
+        <p:nvSpPr>
+          <p:cNvPr id="14" name="Rectangle 13">
+            <a:extLst>
+              <a:ext uri="{FF2B5EF4-FFF2-40B4-BE49-F238E27FC236}">
+                <a16:creationId xmlns:a16="http://schemas.microsoft.com/office/drawing/2014/main" id="{50CA0159-D0D5-4194-B4E7-722087F6902C}"/>
+              </a:ext>
+            </a:extLst>
+          </p:cNvPr>
+          <p:cNvSpPr/>
+          <p:nvPr/>
+        </p:nvSpPr>
+        <p:spPr>
+          <a:xfrm>
+            <a:off x="7472537" y="2073267"/>
+            <a:ext cx="1313180" cy="646331"/>
+          </a:xfrm>
+          <a:prstGeom prst="rect">
+            <a:avLst/>
+          </a:prstGeom>
+        </p:spPr>
+        <p:txBody>
+          <a:bodyPr wrap="none">
+            <a:spAutoFit/>
+          </a:bodyPr>
+          <a:lstStyle/>
+          <a:p>
+            <a:r>
+              <a:rPr lang="en-US" kern="0" dirty="0">
+                <a:solidFill>
+                  <a:srgbClr val="1B1B1B"/>
+                </a:solidFill>
+                <a:ea typeface="ＭＳ Ｐゴシック" charset="-128"/>
+              </a:rPr>
+              <a:t>Chicago</a:t>
+            </a:r>
+            <a:br>
+              <a:rPr lang="en-US" kern="0" dirty="0">
+                <a:solidFill>
+                  <a:srgbClr val="1B1B1B"/>
+                </a:solidFill>
+                <a:ea typeface="ＭＳ Ｐゴシック" charset="-128"/>
+              </a:rPr>
+            </a:br>
+            <a:r>
+              <a:rPr lang="en-US" kern="0" dirty="0">
+                <a:solidFill>
+                  <a:srgbClr val="1B1B1B"/>
+                </a:solidFill>
+                <a:ea typeface="ＭＳ Ｐゴシック" charset="-128"/>
+              </a:rPr>
+              <a:t>data tables</a:t>
+            </a:r>
+            <a:endParaRPr lang="en-US" dirty="0"/>
+          </a:p>
+        </p:txBody>
+      </p:sp>
+      <p:pic>
+        <p:nvPicPr>
+          <p:cNvPr id="94" name="Picture 93">
+            <a:extLst>
+              <a:ext uri="{FF2B5EF4-FFF2-40B4-BE49-F238E27FC236}">
+                <a16:creationId xmlns:a16="http://schemas.microsoft.com/office/drawing/2014/main" id="{0255CD86-579F-4253-B9FB-B09C336E7BBA}"/>
+              </a:ext>
+            </a:extLst>
+          </p:cNvPr>
+          <p:cNvPicPr>
+            <a:picLocks noChangeAspect="1"/>
+          </p:cNvPicPr>
+          <p:nvPr/>
+        </p:nvPicPr>
+        <p:blipFill>
+          <a:blip r:embed="rId9"/>
+          <a:stretch>
+            <a:fillRect/>
+          </a:stretch>
+        </p:blipFill>
+        <p:spPr>
+          <a:xfrm>
+            <a:off x="3508720" y="5043764"/>
+            <a:ext cx="2836949" cy="1691444"/>
+          </a:xfrm>
+          <a:prstGeom prst="rect">
+            <a:avLst/>
+          </a:prstGeom>
+          <a:ln>
+            <a:noFill/>
+          </a:ln>
+          <a:effectLst>
+            <a:outerShdw blurRad="292100" dist="139700" dir="2700000" algn="tl" rotWithShape="0">
+              <a:srgbClr val="333333">
+                <a:alpha val="65000"/>
+              </a:srgbClr>
+            </a:outerShdw>
+          </a:effectLst>
+        </p:spPr>
+      </p:pic>
+      <p:sp>
+        <p:nvSpPr>
+          <p:cNvPr id="95" name="Rectangle 94">
+            <a:extLst>
+              <a:ext uri="{FF2B5EF4-FFF2-40B4-BE49-F238E27FC236}">
+                <a16:creationId xmlns:a16="http://schemas.microsoft.com/office/drawing/2014/main" id="{DFD5851C-4EAA-44FA-B1EB-26890F80934C}"/>
+              </a:ext>
+            </a:extLst>
+          </p:cNvPr>
+          <p:cNvSpPr/>
+          <p:nvPr/>
+        </p:nvSpPr>
+        <p:spPr>
+          <a:xfrm>
+            <a:off x="7201094" y="5219191"/>
+            <a:ext cx="1923342" cy="923330"/>
+          </a:xfrm>
+          <a:prstGeom prst="rect">
+            <a:avLst/>
+          </a:prstGeom>
+        </p:spPr>
+        <p:txBody>
+          <a:bodyPr wrap="square">
+            <a:spAutoFit/>
+          </a:bodyPr>
+          <a:lstStyle/>
+          <a:p>
+            <a:r>
+              <a:rPr lang="en-US" kern="0" dirty="0">
+                <a:solidFill>
+                  <a:srgbClr val="1B1B1B"/>
+                </a:solidFill>
+                <a:ea typeface="ＭＳ Ｐゴシック" charset="-128"/>
+              </a:rPr>
+              <a:t>Actionable</a:t>
+            </a:r>
+          </a:p>
+          <a:p>
+            <a:r>
+              <a:rPr lang="en-US" kern="0" dirty="0">
+                <a:solidFill>
+                  <a:srgbClr val="1B1B1B"/>
+                </a:solidFill>
+                <a:ea typeface="ＭＳ Ｐゴシック" charset="-128"/>
+              </a:rPr>
+              <a:t>epidemiological predictions</a:t>
+            </a:r>
+          </a:p>
+        </p:txBody>
+      </p:sp>
+      <p:sp>
+        <p:nvSpPr>
+          <p:cNvPr id="15" name="Arrow: Down 14">
+            <a:extLst>
+              <a:ext uri="{FF2B5EF4-FFF2-40B4-BE49-F238E27FC236}">
+                <a16:creationId xmlns:a16="http://schemas.microsoft.com/office/drawing/2014/main" id="{997A9E3A-EA62-4857-A53A-6692AF59F133}"/>
+              </a:ext>
+            </a:extLst>
+          </p:cNvPr>
+          <p:cNvSpPr/>
+          <p:nvPr/>
+        </p:nvSpPr>
+        <p:spPr>
+          <a:xfrm>
+            <a:off x="6567936" y="3064277"/>
+            <a:ext cx="738904" cy="308096"/>
+          </a:xfrm>
+          <a:prstGeom prst="downArrow">
+            <a:avLst/>
+          </a:prstGeom>
+          <a:solidFill>
+            <a:schemeClr val="bg1"/>
+          </a:solidFill>
+          <a:ln w="9525" cap="flat" cmpd="sng" algn="ctr">
+            <a:solidFill>
+              <a:schemeClr val="dk1"/>
+            </a:solidFill>
+            <a:prstDash val="solid"/>
+            <a:round/>
+            <a:headEnd type="none" w="med" len="med"/>
+            <a:tailEnd type="none" w="med" len="med"/>
+          </a:ln>
+        </p:spPr>
+        <p:style>
+          <a:lnRef idx="0">
+            <a:scrgbClr r="0" g="0" b="0"/>
+          </a:lnRef>
+          <a:fillRef idx="0">
+            <a:scrgbClr r="0" g="0" b="0"/>
+          </a:fillRef>
+          <a:effectRef idx="0">
+            <a:scrgbClr r="0" g="0" b="0"/>
+          </a:effectRef>
+          <a:fontRef idx="minor">
+            <a:schemeClr val="dk1"/>
+          </a:fontRef>
+        </p:style>
+        <p:txBody>
+          <a:bodyPr rtlCol="0" anchor="ctr"/>
+          <a:lstStyle/>
+          <a:p>
+            <a:pPr algn="ctr"/>
+            <a:endParaRPr lang="en-US" dirty="0"/>
+          </a:p>
+        </p:txBody>
+      </p:sp>
+      <p:sp>
+        <p:nvSpPr>
+          <p:cNvPr id="17" name="Arrow: Bent 16">
+            <a:extLst>
+              <a:ext uri="{FF2B5EF4-FFF2-40B4-BE49-F238E27FC236}">
+                <a16:creationId xmlns:a16="http://schemas.microsoft.com/office/drawing/2014/main" id="{623C4D68-14A8-4F05-9F56-54248A6FF42D}"/>
+              </a:ext>
+            </a:extLst>
+          </p:cNvPr>
+          <p:cNvSpPr/>
+          <p:nvPr/>
+        </p:nvSpPr>
+        <p:spPr>
+          <a:xfrm rot="10800000">
+            <a:off x="6381078" y="5271229"/>
+            <a:ext cx="716393" cy="764689"/>
+          </a:xfrm>
+          <a:prstGeom prst="bentArrow">
+            <a:avLst/>
+          </a:prstGeom>
+          <a:ln/>
+        </p:spPr>
+        <p:style>
+          <a:lnRef idx="2">
+            <a:schemeClr val="dk1"/>
+          </a:lnRef>
+          <a:fillRef idx="1">
+            <a:schemeClr val="lt1"/>
+          </a:fillRef>
+          <a:effectRef idx="0">
+            <a:schemeClr val="dk1"/>
+          </a:effectRef>
+          <a:fontRef idx="minor">
+            <a:schemeClr val="dk1"/>
+          </a:fontRef>
+        </p:style>
+        <p:txBody>
+          <a:bodyPr rtlCol="0" anchor="ctr"/>
+          <a:lstStyle/>
+          <a:p>
+            <a:pPr algn="ctr"/>
+            <a:endParaRPr lang="en-US" dirty="0">
+              <a:solidFill>
+                <a:schemeClr val="tx1"/>
+              </a:solidFill>
+            </a:endParaRPr>
+          </a:p>
+        </p:txBody>
+      </p:sp>
+      <p:sp>
+        <p:nvSpPr>
+          <p:cNvPr id="20" name="Flowchart: Magnetic Disk 19">
+            <a:extLst>
+              <a:ext uri="{FF2B5EF4-FFF2-40B4-BE49-F238E27FC236}">
+                <a16:creationId xmlns:a16="http://schemas.microsoft.com/office/drawing/2014/main" id="{5E846830-83DA-4291-9B20-9FCB3117C3FE}"/>
+              </a:ext>
+            </a:extLst>
+          </p:cNvPr>
+          <p:cNvSpPr/>
+          <p:nvPr/>
+        </p:nvSpPr>
+        <p:spPr>
+          <a:xfrm>
+            <a:off x="6567935" y="6111042"/>
+            <a:ext cx="2409753" cy="624166"/>
+          </a:xfrm>
+          <a:prstGeom prst="flowChartMagneticDisk">
+            <a:avLst/>
+          </a:prstGeom>
+          <a:gradFill flip="none" rotWithShape="1">
+            <a:gsLst>
+              <a:gs pos="0">
+                <a:schemeClr val="tx2">
+                  <a:shade val="30000"/>
+                  <a:satMod val="115000"/>
+                </a:schemeClr>
+              </a:gs>
+              <a:gs pos="50000">
+                <a:schemeClr val="tx2">
+                  <a:shade val="67500"/>
+                  <a:satMod val="115000"/>
+                </a:schemeClr>
+              </a:gs>
+              <a:gs pos="100000">
+                <a:schemeClr val="tx2">
+                  <a:shade val="100000"/>
+                  <a:satMod val="115000"/>
+                </a:schemeClr>
+              </a:gs>
+            </a:gsLst>
+            <a:path path="circle">
+              <a:fillToRect l="50000" t="50000" r="50000" b="50000"/>
+            </a:path>
+            <a:tileRect/>
+          </a:gradFill>
+          <a:ln>
+            <a:solidFill>
+              <a:schemeClr val="tx2">
+                <a:lumMod val="50000"/>
+              </a:schemeClr>
+            </a:solidFill>
+          </a:ln>
+          <a:effectLst>
+            <a:outerShdw blurRad="50800" dist="38100" dir="2700000" algn="tl" rotWithShape="0">
+              <a:prstClr val="black">
+                <a:alpha val="40000"/>
+              </a:prstClr>
+            </a:outerShdw>
+          </a:effectLst>
+        </p:spPr>
+        <p:style>
+          <a:lnRef idx="1">
+            <a:schemeClr val="accent1"/>
+          </a:lnRef>
+          <a:fillRef idx="3">
+            <a:schemeClr val="accent1"/>
+          </a:fillRef>
+          <a:effectRef idx="2">
+            <a:schemeClr val="accent1"/>
+          </a:effectRef>
+          <a:fontRef idx="minor">
+            <a:schemeClr val="lt1"/>
+          </a:fontRef>
+        </p:style>
+        <p:txBody>
+          <a:bodyPr rtlCol="0" anchor="ctr"/>
+          <a:lstStyle/>
+          <a:p>
+            <a:pPr algn="ctr"/>
+            <a:r>
+              <a:rPr lang="en-US" dirty="0"/>
+              <a:t>DB</a:t>
+            </a:r>
+          </a:p>
+        </p:txBody>
+      </p:sp>
+      <p:sp>
+        <p:nvSpPr>
+          <p:cNvPr id="96" name="Content Placeholder 13">
+            <a:extLst>
+              <a:ext uri="{FF2B5EF4-FFF2-40B4-BE49-F238E27FC236}">
+                <a16:creationId xmlns:a16="http://schemas.microsoft.com/office/drawing/2014/main" id="{2BA55674-5C89-4479-96ED-2E2E7ED7892E}"/>
+              </a:ext>
+            </a:extLst>
+          </p:cNvPr>
+          <p:cNvSpPr txBox="1">
+            <a:spLocks/>
+          </p:cNvSpPr>
+          <p:nvPr/>
+        </p:nvSpPr>
+        <p:spPr>
+          <a:xfrm>
+            <a:off x="3764280" y="6558215"/>
+            <a:ext cx="2154790" cy="176993"/>
+          </a:xfrm>
+          <a:prstGeom prst="rect">
+            <a:avLst/>
+          </a:prstGeom>
+        </p:spPr>
+        <p:txBody>
+          <a:bodyPr vert="horz" lIns="0" tIns="0" rIns="0" bIns="34290" rtlCol="0">
+            <a:noAutofit/>
+          </a:bodyPr>
+          <a:lstStyle>
+            <a:lvl1pPr marL="173038" indent="-173038" algn="l" defTabSz="457200" rtl="0" eaLnBrk="1" latinLnBrk="0" hangingPunct="1">
+              <a:spcBef>
+                <a:spcPts val="600"/>
+              </a:spcBef>
+              <a:spcAft>
+                <a:spcPts val="0"/>
+              </a:spcAft>
+              <a:buFont typeface="Wingdings" pitchFamily="2" charset="2"/>
+              <a:buChar char="§"/>
+              <a:defRPr sz="3200" kern="1200" baseline="0">
+                <a:solidFill>
+                  <a:schemeClr val="tx1">
+                    <a:lumMod val="50000"/>
+                  </a:schemeClr>
+                </a:solidFill>
+                <a:latin typeface="+mn-lt"/>
+                <a:ea typeface="+mn-ea"/>
+                <a:cs typeface="+mn-cs"/>
+              </a:defRPr>
+            </a:lvl1pPr>
+            <a:lvl2pPr marL="520700" indent="-236538" algn="l" defTabSz="457200" rtl="0" eaLnBrk="1" latinLnBrk="0" hangingPunct="1">
+              <a:spcBef>
+                <a:spcPts val="0"/>
+              </a:spcBef>
+              <a:spcAft>
+                <a:spcPts val="0"/>
+              </a:spcAft>
+              <a:buFont typeface="Arial"/>
+              <a:buChar char="–"/>
+              <a:defRPr sz="2800" kern="1200">
+                <a:solidFill>
+                  <a:schemeClr val="tx1">
+                    <a:lumMod val="50000"/>
+                  </a:schemeClr>
+                </a:solidFill>
+                <a:latin typeface="+mn-lt"/>
+                <a:ea typeface="+mn-ea"/>
+                <a:cs typeface="+mn-cs"/>
+              </a:defRPr>
+            </a:lvl2pPr>
+            <a:lvl3pPr marL="803275" indent="-187325" algn="l" defTabSz="457200" rtl="0" eaLnBrk="1" latinLnBrk="0" hangingPunct="1">
+              <a:spcBef>
+                <a:spcPts val="0"/>
+              </a:spcBef>
+              <a:spcAft>
+                <a:spcPts val="0"/>
+              </a:spcAft>
+              <a:buFont typeface="Arial"/>
+              <a:buChar char="•"/>
+              <a:defRPr sz="2400" kern="1200">
+                <a:solidFill>
+                  <a:schemeClr val="tx1">
+                    <a:lumMod val="50000"/>
+                  </a:schemeClr>
+                </a:solidFill>
+                <a:latin typeface="+mn-lt"/>
+                <a:ea typeface="+mn-ea"/>
+                <a:cs typeface="+mn-cs"/>
+              </a:defRPr>
+            </a:lvl3pPr>
+            <a:lvl4pPr marL="1087438" indent="-171450" algn="l" defTabSz="457200" rtl="0" eaLnBrk="1" latinLnBrk="0" hangingPunct="1">
+              <a:spcBef>
+                <a:spcPts val="0"/>
+              </a:spcBef>
+              <a:spcAft>
+                <a:spcPts val="0"/>
+              </a:spcAft>
+              <a:buFont typeface="Arial"/>
+              <a:buChar char="–"/>
+              <a:defRPr sz="2000" kern="1200">
+                <a:solidFill>
+                  <a:schemeClr val="tx1">
+                    <a:lumMod val="50000"/>
+                  </a:schemeClr>
+                </a:solidFill>
+                <a:latin typeface="+mn-lt"/>
+                <a:ea typeface="+mn-ea"/>
+                <a:cs typeface="+mn-cs"/>
+              </a:defRPr>
+            </a:lvl4pPr>
+            <a:lvl5pPr marL="1371600" indent="-171450" algn="l" defTabSz="457200" rtl="0" eaLnBrk="1" latinLnBrk="0" hangingPunct="1">
+              <a:spcBef>
+                <a:spcPts val="0"/>
+              </a:spcBef>
+              <a:spcAft>
+                <a:spcPts val="0"/>
+              </a:spcAft>
+              <a:buFont typeface="Arial"/>
+              <a:buChar char="»"/>
+              <a:defRPr sz="2000" kern="1200">
+                <a:solidFill>
+                  <a:schemeClr val="tx1">
+                    <a:lumMod val="50000"/>
+                  </a:schemeClr>
+                </a:solidFill>
+                <a:latin typeface="+mn-lt"/>
+                <a:ea typeface="+mn-ea"/>
+                <a:cs typeface="+mn-cs"/>
+              </a:defRPr>
+            </a:lvl5pPr>
+            <a:lvl6pPr marL="2514600" indent="-228600" algn="l" defTabSz="457200" rtl="0" eaLnBrk="1" latinLnBrk="0" hangingPunct="1">
+              <a:spcBef>
+                <a:spcPct val="20000"/>
+              </a:spcBef>
+              <a:buFont typeface="Arial"/>
+              <a:buChar char="•"/>
+              <a:defRPr sz="2000" kern="1200">
+                <a:solidFill>
+                  <a:schemeClr val="tx1"/>
+                </a:solidFill>
+                <a:latin typeface="+mn-lt"/>
+                <a:ea typeface="+mn-ea"/>
+                <a:cs typeface="+mn-cs"/>
+              </a:defRPr>
+            </a:lvl6pPr>
+            <a:lvl7pPr marL="2971800" indent="-228600" algn="l" defTabSz="457200" rtl="0" eaLnBrk="1" latinLnBrk="0" hangingPunct="1">
+              <a:spcBef>
+                <a:spcPct val="20000"/>
+              </a:spcBef>
+              <a:buFont typeface="Arial"/>
+              <a:buChar char="•"/>
+              <a:defRPr sz="2000" kern="1200">
+                <a:solidFill>
+                  <a:schemeClr val="tx1"/>
+                </a:solidFill>
+                <a:latin typeface="+mn-lt"/>
+                <a:ea typeface="+mn-ea"/>
+                <a:cs typeface="+mn-cs"/>
+              </a:defRPr>
+            </a:lvl7pPr>
+            <a:lvl8pPr marL="3429000" indent="-228600" algn="l" defTabSz="457200" rtl="0" eaLnBrk="1" latinLnBrk="0" hangingPunct="1">
+              <a:spcBef>
+                <a:spcPct val="20000"/>
+              </a:spcBef>
+              <a:buFont typeface="Arial"/>
+              <a:buChar char="•"/>
+              <a:defRPr sz="2000" kern="1200">
+                <a:solidFill>
+                  <a:schemeClr val="tx1"/>
+                </a:solidFill>
+                <a:latin typeface="+mn-lt"/>
+                <a:ea typeface="+mn-ea"/>
+                <a:cs typeface="+mn-cs"/>
+              </a:defRPr>
+            </a:lvl8pPr>
+            <a:lvl9pPr marL="3886200" indent="-228600" algn="l" defTabSz="457200" rtl="0" eaLnBrk="1" latinLnBrk="0" hangingPunct="1">
+              <a:spcBef>
+                <a:spcPct val="20000"/>
+              </a:spcBef>
+              <a:buFont typeface="Arial"/>
+              <a:buChar char="•"/>
+              <a:defRPr sz="2000" kern="1200">
+                <a:solidFill>
+                  <a:schemeClr val="tx1"/>
+                </a:solidFill>
+                <a:latin typeface="+mn-lt"/>
+                <a:ea typeface="+mn-ea"/>
+                <a:cs typeface="+mn-cs"/>
+              </a:defRPr>
+            </a:lvl9pPr>
+          </a:lstStyle>
+          <a:p>
+            <a:pPr marL="170259" indent="0">
+              <a:spcBef>
+                <a:spcPts val="0"/>
+              </a:spcBef>
+              <a:buNone/>
+              <a:defRPr/>
+            </a:pPr>
+            <a:r>
+              <a:rPr lang="en-US" sz="900" b="1" dirty="0"/>
+              <a:t>COVID-19 Hospital Beds Over Time</a:t>
+            </a:r>
+          </a:p>
+        </p:txBody>
+      </p:sp>
+      <p:sp>
+        <p:nvSpPr>
+          <p:cNvPr id="30" name="Rectangle 29">
+            <a:extLst>
+              <a:ext uri="{FF2B5EF4-FFF2-40B4-BE49-F238E27FC236}">
+                <a16:creationId xmlns:a16="http://schemas.microsoft.com/office/drawing/2014/main" id="{B466AA61-09F5-44D9-8D3D-1914428434BD}"/>
+              </a:ext>
+            </a:extLst>
+          </p:cNvPr>
+          <p:cNvSpPr/>
+          <p:nvPr/>
+        </p:nvSpPr>
+        <p:spPr>
+          <a:xfrm>
+            <a:off x="246258" y="6088877"/>
+            <a:ext cx="3262462" cy="646331"/>
+          </a:xfrm>
+          <a:prstGeom prst="rect">
+            <a:avLst/>
+          </a:prstGeom>
+        </p:spPr>
+        <p:txBody>
+          <a:bodyPr wrap="square">
+            <a:spAutoFit/>
+          </a:bodyPr>
+          <a:lstStyle/>
+          <a:p>
+            <a:pPr marL="115888" indent="-115888">
+              <a:buFont typeface="Arial" panose="020B0604020202020204" pitchFamily="34" charset="0"/>
+              <a:buChar char="•"/>
+            </a:pPr>
+            <a:r>
+              <a:rPr lang="en-US" sz="900" b="1" kern="0" dirty="0">
+                <a:solidFill>
+                  <a:schemeClr val="bg1">
+                    <a:lumMod val="50000"/>
+                  </a:schemeClr>
+                </a:solidFill>
+                <a:ea typeface="ＭＳ Ｐゴシック" charset="-128"/>
+              </a:rPr>
+              <a:t>A population data-driven workflow for COVID-19 modeling and learning.  </a:t>
+            </a:r>
+            <a:r>
+              <a:rPr lang="en-US" sz="900" kern="0" dirty="0">
+                <a:solidFill>
+                  <a:schemeClr val="bg1">
+                    <a:lumMod val="50000"/>
+                  </a:schemeClr>
+                </a:solidFill>
+                <a:ea typeface="ＭＳ Ｐゴシック" charset="-128"/>
+              </a:rPr>
+              <a:t>Collier, Ozik, Wozniak, Macal, and Binois.  Under review for Int. J. High Perform. </a:t>
+            </a:r>
+            <a:r>
+              <a:rPr lang="en-US" sz="900" kern="0" dirty="0" err="1">
+                <a:solidFill>
+                  <a:schemeClr val="bg1">
+                    <a:lumMod val="50000"/>
+                  </a:schemeClr>
+                </a:solidFill>
+                <a:ea typeface="ＭＳ Ｐゴシック" charset="-128"/>
+              </a:rPr>
+              <a:t>Comput</a:t>
+            </a:r>
+            <a:r>
+              <a:rPr lang="en-US" sz="900" kern="0" dirty="0">
+                <a:solidFill>
+                  <a:schemeClr val="bg1">
+                    <a:lumMod val="50000"/>
+                  </a:schemeClr>
+                </a:solidFill>
+                <a:ea typeface="ＭＳ Ｐゴシック" charset="-128"/>
+              </a:rPr>
+              <a:t>. Appl. 2021.</a:t>
+            </a:r>
+            <a:endParaRPr lang="en-US" sz="900" dirty="0">
+              <a:solidFill>
+                <a:schemeClr val="bg1">
+                  <a:lumMod val="50000"/>
+                </a:schemeClr>
+              </a:solidFill>
+            </a:endParaRPr>
+          </a:p>
+        </p:txBody>
+      </p:sp>
+    </p:spTree>
+    <p:extLst>
+      <p:ext uri="{BB962C8B-B14F-4D97-AF65-F5344CB8AC3E}">
+        <p14:creationId xmlns:p14="http://schemas.microsoft.com/office/powerpoint/2010/main" val="2753434433"/>
+      </p:ext>
+    </p:extLst>
+  </p:cSld>
+  <p:clrMapOvr>
+    <a:masterClrMapping/>
+  </p:clrMapOvr>
+  <mc:AlternateContent xmlns:mc="http://schemas.openxmlformats.org/markup-compatibility/2006" xmlns:p14="http://schemas.microsoft.com/office/powerpoint/2010/main">
+    <mc:Choice Requires="p14">
+      <p:transition p14:dur="250">
+        <p:fade/>
+      </p:transition>
+    </mc:Choice>
+    <mc:Fallback xmlns="">
+      <p:transition>
+        <p:fade/>
+      </p:transition>
+    </mc:Fallback>
+  </mc:AlternateContent>
+  <p:timing>
+    <p:tnLst>
+      <p:par>
+        <p:cTn id="1" dur="indefinite" restart="never" nodeType="tmRoot">
+          <p:childTnLst>
+            <p:seq concurrent="1" nextAc="seek">
+              <p:cTn id="2" dur="indefinite" nodeType="mainSeq">
+                <p:childTnLst>
+                  <p:par>
+                    <p:cTn id="3" fill="hold">
+                      <p:stCondLst>
+                        <p:cond delay="indefinite"/>
+                      </p:stCondLst>
+                      <p:childTnLst>
+                        <p:par>
+                          <p:cTn id="4" fill="hold">
+                            <p:stCondLst>
+                              <p:cond delay="0"/>
+                            </p:stCondLst>
+                            <p:childTnLst>
+                              <p:par>
+                                <p:cTn id="5" presetID="10" presetClass="entr" presetSubtype="0" fill="hold" grpId="0" nodeType="clickEffect">
+                                  <p:stCondLst>
+                                    <p:cond delay="0"/>
+                                  </p:stCondLst>
+                                  <p:childTnLst>
+                                    <p:set>
+                                      <p:cBhvr>
+                                        <p:cTn id="6" dur="1" fill="hold">
+                                          <p:stCondLst>
+                                            <p:cond delay="0"/>
+                                          </p:stCondLst>
+                                        </p:cTn>
+                                        <p:tgtEl>
+                                          <p:spTgt spid="95"/>
+                                        </p:tgtEl>
+                                        <p:attrNameLst>
+                                          <p:attrName>style.visibility</p:attrName>
+                                        </p:attrNameLst>
+                                      </p:cBhvr>
+                                      <p:to>
+                                        <p:strVal val="visible"/>
+                                      </p:to>
+                                    </p:set>
+                                    <p:animEffect transition="in" filter="fade">
+                                      <p:cBhvr>
+                                        <p:cTn id="7" dur="500"/>
+                                        <p:tgtEl>
+                                          <p:spTgt spid="95"/>
+                                        </p:tgtEl>
+                                      </p:cBhvr>
+                                    </p:animEffect>
+                                  </p:childTnLst>
+                                </p:cTn>
+                              </p:par>
+                              <p:par>
+                                <p:cTn id="8" presetID="10" presetClass="entr" presetSubtype="0" fill="hold" grpId="0" nodeType="withEffect">
+                                  <p:stCondLst>
+                                    <p:cond delay="0"/>
+                                  </p:stCondLst>
+                                  <p:childTnLst>
+                                    <p:set>
+                                      <p:cBhvr>
+                                        <p:cTn id="9" dur="1" fill="hold">
+                                          <p:stCondLst>
+                                            <p:cond delay="0"/>
+                                          </p:stCondLst>
+                                        </p:cTn>
+                                        <p:tgtEl>
+                                          <p:spTgt spid="17"/>
+                                        </p:tgtEl>
+                                        <p:attrNameLst>
+                                          <p:attrName>style.visibility</p:attrName>
+                                        </p:attrNameLst>
+                                      </p:cBhvr>
+                                      <p:to>
+                                        <p:strVal val="visible"/>
+                                      </p:to>
+                                    </p:set>
+                                    <p:animEffect transition="in" filter="fade">
+                                      <p:cBhvr>
+                                        <p:cTn id="10" dur="500"/>
+                                        <p:tgtEl>
+                                          <p:spTgt spid="17"/>
+                                        </p:tgtEl>
+                                      </p:cBhvr>
+                                    </p:animEffect>
+                                  </p:childTnLst>
+                                </p:cTn>
+                              </p:par>
+                              <p:par>
+                                <p:cTn id="11" presetID="10" presetClass="entr" presetSubtype="0" fill="hold" nodeType="withEffect">
+                                  <p:stCondLst>
+                                    <p:cond delay="0"/>
+                                  </p:stCondLst>
+                                  <p:childTnLst>
+                                    <p:set>
+                                      <p:cBhvr>
+                                        <p:cTn id="12" dur="1" fill="hold">
+                                          <p:stCondLst>
+                                            <p:cond delay="0"/>
+                                          </p:stCondLst>
+                                        </p:cTn>
+                                        <p:tgtEl>
+                                          <p:spTgt spid="94"/>
+                                        </p:tgtEl>
+                                        <p:attrNameLst>
+                                          <p:attrName>style.visibility</p:attrName>
+                                        </p:attrNameLst>
+                                      </p:cBhvr>
+                                      <p:to>
+                                        <p:strVal val="visible"/>
+                                      </p:to>
+                                    </p:set>
+                                    <p:animEffect transition="in" filter="fade">
+                                      <p:cBhvr>
+                                        <p:cTn id="13" dur="500"/>
+                                        <p:tgtEl>
+                                          <p:spTgt spid="94"/>
+                                        </p:tgtEl>
+                                      </p:cBhvr>
+                                    </p:animEffect>
+                                  </p:childTnLst>
+                                </p:cTn>
+                              </p:par>
+                            </p:childTnLst>
+                          </p:cTn>
+                        </p:par>
+                        <p:par>
+                          <p:cTn id="14" fill="hold">
+                            <p:stCondLst>
+                              <p:cond delay="500"/>
+                            </p:stCondLst>
+                            <p:childTnLst>
+                              <p:par>
+                                <p:cTn id="15" presetID="10" presetClass="entr" presetSubtype="0" fill="hold" grpId="0" nodeType="afterEffect">
+                                  <p:stCondLst>
+                                    <p:cond delay="0"/>
+                                  </p:stCondLst>
+                                  <p:childTnLst>
+                                    <p:set>
+                                      <p:cBhvr>
+                                        <p:cTn id="16" dur="1" fill="hold">
+                                          <p:stCondLst>
+                                            <p:cond delay="0"/>
+                                          </p:stCondLst>
+                                        </p:cTn>
+                                        <p:tgtEl>
+                                          <p:spTgt spid="20"/>
+                                        </p:tgtEl>
+                                        <p:attrNameLst>
+                                          <p:attrName>style.visibility</p:attrName>
+                                        </p:attrNameLst>
+                                      </p:cBhvr>
+                                      <p:to>
+                                        <p:strVal val="visible"/>
+                                      </p:to>
+                                    </p:set>
+                                    <p:animEffect transition="in" filter="fade">
+                                      <p:cBhvr>
+                                        <p:cTn id="17" dur="500"/>
+                                        <p:tgtEl>
+                                          <p:spTgt spid="20"/>
+                                        </p:tgtEl>
+                                      </p:cBhvr>
+                                    </p:animEffect>
+                                  </p:childTnLst>
+                                </p:cTn>
+                              </p:par>
+                            </p:childTnLst>
+                          </p:cTn>
+                        </p:par>
+                      </p:childTnLst>
+                    </p:cTn>
+                  </p:par>
+                </p:childTnLst>
+              </p:cTn>
+              <p:prevCondLst>
+                <p:cond evt="onPrev" delay="0">
+                  <p:tgtEl>
+                    <p:sldTgt/>
+                  </p:tgtEl>
+                </p:cond>
+              </p:prevCondLst>
+              <p:nextCondLst>
+                <p:cond evt="onNext" delay="0">
+                  <p:tgtEl>
+                    <p:sldTgt/>
+                  </p:tgtEl>
+                </p:cond>
+              </p:nextCondLst>
+            </p:seq>
+          </p:childTnLst>
+        </p:cTn>
+      </p:par>
+    </p:tnLst>
+    <p:bldLst>
+      <p:bldP spid="95" grpId="0"/>
+      <p:bldP spid="17" grpId="0" animBg="1"/>
+      <p:bldP spid="20" grpId="0" animBg="1"/>
+    </p:bldLst>
+  </p:timing>
 </p:sld>
 </file>
 
